--- a/Figures/photo_figs_final.pptx
+++ b/Figures/photo_figs_final.pptx
@@ -2,16 +2,23 @@
 <file path=ppt/presentation.xml><?xml version="1.0" encoding="utf-8"?>
 <p:presentation xmlns:a="http://schemas.openxmlformats.org/drawingml/2006/main" xmlns:r="http://schemas.openxmlformats.org/officeDocument/2006/relationships" xmlns:p="http://schemas.openxmlformats.org/presentationml/2006/main" saveSubsetFonts="1">
   <p:sldMasterIdLst>
-    <p:sldMasterId id="2147483648" r:id="rId1"/>
+    <p:sldMasterId id="2147483684" r:id="rId1"/>
   </p:sldMasterIdLst>
+  <p:notesMasterIdLst>
+    <p:notesMasterId r:id="rId13"/>
+  </p:notesMasterIdLst>
   <p:sldIdLst>
     <p:sldId id="256" r:id="rId2"/>
     <p:sldId id="257" r:id="rId3"/>
-    <p:sldId id="258" r:id="rId4"/>
-    <p:sldId id="259" r:id="rId5"/>
-    <p:sldId id="260" r:id="rId6"/>
-    <p:sldId id="261" r:id="rId7"/>
-    <p:sldId id="262" r:id="rId8"/>
+    <p:sldId id="260" r:id="rId4"/>
+    <p:sldId id="261" r:id="rId5"/>
+    <p:sldId id="263" r:id="rId6"/>
+    <p:sldId id="259" r:id="rId7"/>
+    <p:sldId id="264" r:id="rId8"/>
+    <p:sldId id="265" r:id="rId9"/>
+    <p:sldId id="266" r:id="rId10"/>
+    <p:sldId id="267" r:id="rId11"/>
+    <p:sldId id="268" r:id="rId12"/>
   </p:sldIdLst>
   <p:sldSz cx="12192000" cy="6858000"/>
   <p:notesSz cx="6858000" cy="9144000"/>
@@ -19,7 +26,7 @@
     <a:defPPr>
       <a:defRPr lang="en-US"/>
     </a:defPPr>
-    <a:lvl1pPr marL="0" algn="l" defTabSz="914400" rtl="0" eaLnBrk="1" latinLnBrk="0" hangingPunct="1">
+    <a:lvl1pPr marL="0" algn="l" defTabSz="457142" rtl="0" eaLnBrk="1" latinLnBrk="0" hangingPunct="1">
       <a:defRPr sz="1800" kern="1200">
         <a:solidFill>
           <a:schemeClr val="tx1"/>
@@ -29,7 +36,7 @@
         <a:cs typeface="+mn-cs"/>
       </a:defRPr>
     </a:lvl1pPr>
-    <a:lvl2pPr marL="457200" algn="l" defTabSz="914400" rtl="0" eaLnBrk="1" latinLnBrk="0" hangingPunct="1">
+    <a:lvl2pPr marL="457142" algn="l" defTabSz="457142" rtl="0" eaLnBrk="1" latinLnBrk="0" hangingPunct="1">
       <a:defRPr sz="1800" kern="1200">
         <a:solidFill>
           <a:schemeClr val="tx1"/>
@@ -39,7 +46,7 @@
         <a:cs typeface="+mn-cs"/>
       </a:defRPr>
     </a:lvl2pPr>
-    <a:lvl3pPr marL="914400" algn="l" defTabSz="914400" rtl="0" eaLnBrk="1" latinLnBrk="0" hangingPunct="1">
+    <a:lvl3pPr marL="914282" algn="l" defTabSz="457142" rtl="0" eaLnBrk="1" latinLnBrk="0" hangingPunct="1">
       <a:defRPr sz="1800" kern="1200">
         <a:solidFill>
           <a:schemeClr val="tx1"/>
@@ -49,7 +56,7 @@
         <a:cs typeface="+mn-cs"/>
       </a:defRPr>
     </a:lvl3pPr>
-    <a:lvl4pPr marL="1371600" algn="l" defTabSz="914400" rtl="0" eaLnBrk="1" latinLnBrk="0" hangingPunct="1">
+    <a:lvl4pPr marL="1371424" algn="l" defTabSz="457142" rtl="0" eaLnBrk="1" latinLnBrk="0" hangingPunct="1">
       <a:defRPr sz="1800" kern="1200">
         <a:solidFill>
           <a:schemeClr val="tx1"/>
@@ -59,7 +66,7 @@
         <a:cs typeface="+mn-cs"/>
       </a:defRPr>
     </a:lvl4pPr>
-    <a:lvl5pPr marL="1828800" algn="l" defTabSz="914400" rtl="0" eaLnBrk="1" latinLnBrk="0" hangingPunct="1">
+    <a:lvl5pPr marL="1828566" algn="l" defTabSz="457142" rtl="0" eaLnBrk="1" latinLnBrk="0" hangingPunct="1">
       <a:defRPr sz="1800" kern="1200">
         <a:solidFill>
           <a:schemeClr val="tx1"/>
@@ -69,7 +76,7 @@
         <a:cs typeface="+mn-cs"/>
       </a:defRPr>
     </a:lvl5pPr>
-    <a:lvl6pPr marL="2286000" algn="l" defTabSz="914400" rtl="0" eaLnBrk="1" latinLnBrk="0" hangingPunct="1">
+    <a:lvl6pPr marL="2285708" algn="l" defTabSz="457142" rtl="0" eaLnBrk="1" latinLnBrk="0" hangingPunct="1">
       <a:defRPr sz="1800" kern="1200">
         <a:solidFill>
           <a:schemeClr val="tx1"/>
@@ -79,7 +86,7 @@
         <a:cs typeface="+mn-cs"/>
       </a:defRPr>
     </a:lvl6pPr>
-    <a:lvl7pPr marL="2743200" algn="l" defTabSz="914400" rtl="0" eaLnBrk="1" latinLnBrk="0" hangingPunct="1">
+    <a:lvl7pPr marL="2742849" algn="l" defTabSz="457142" rtl="0" eaLnBrk="1" latinLnBrk="0" hangingPunct="1">
       <a:defRPr sz="1800" kern="1200">
         <a:solidFill>
           <a:schemeClr val="tx1"/>
@@ -89,7 +96,7 @@
         <a:cs typeface="+mn-cs"/>
       </a:defRPr>
     </a:lvl7pPr>
-    <a:lvl8pPr marL="3200400" algn="l" defTabSz="914400" rtl="0" eaLnBrk="1" latinLnBrk="0" hangingPunct="1">
+    <a:lvl8pPr marL="3199990" algn="l" defTabSz="457142" rtl="0" eaLnBrk="1" latinLnBrk="0" hangingPunct="1">
       <a:defRPr sz="1800" kern="1200">
         <a:solidFill>
           <a:schemeClr val="tx1"/>
@@ -99,7 +106,7 @@
         <a:cs typeface="+mn-cs"/>
       </a:defRPr>
     </a:lvl8pPr>
-    <a:lvl9pPr marL="3657600" algn="l" defTabSz="914400" rtl="0" eaLnBrk="1" latinLnBrk="0" hangingPunct="1">
+    <a:lvl9pPr marL="3657132" algn="l" defTabSz="457142" rtl="0" eaLnBrk="1" latinLnBrk="0" hangingPunct="1">
       <a:defRPr sz="1800" kern="1200">
         <a:solidFill>
           <a:schemeClr val="tx1"/>
@@ -110,7 +117,837 @@
       </a:defRPr>
     </a:lvl9pPr>
   </p:defaultTextStyle>
+  <p:extLst>
+    <p:ext uri="{521415D9-36F7-43E2-AB2F-B90AF26B5E84}">
+      <p14:sectionLst xmlns:p14="http://schemas.microsoft.com/office/powerpoint/2010/main">
+        <p14:section name="1:1 Plots; DAT v Trad" id="{ADF6ABA5-7666-4087-B70C-94D2AACF2CA8}">
+          <p14:sldIdLst>
+            <p14:sldId id="256"/>
+            <p14:sldId id="257"/>
+            <p14:sldId id="260"/>
+            <p14:sldId id="261"/>
+            <p14:sldId id="263"/>
+          </p14:sldIdLst>
+        </p14:section>
+        <p14:section name="OS v. No OS Boxplots" id="{4A214B93-2081-47B3-8F60-93535AC934B7}">
+          <p14:sldIdLst>
+            <p14:sldId id="259"/>
+          </p14:sldIdLst>
+        </p14:section>
+        <p14:section name="TPU v No TPU Panels" id="{6A971854-7795-45F5-9826-967C3F4828C2}">
+          <p14:sldIdLst>
+            <p14:sldId id="264"/>
+            <p14:sldId id="265"/>
+            <p14:sldId id="266"/>
+            <p14:sldId id="267"/>
+            <p14:sldId id="268"/>
+          </p14:sldIdLst>
+        </p14:section>
+      </p14:sectionLst>
+    </p:ext>
+    <p:ext uri="{EFAFB233-063F-42B5-8137-9DF3F51BA10A}">
+      <p15:sldGuideLst xmlns:p15="http://schemas.microsoft.com/office/powerpoint/2012/main"/>
+    </p:ext>
+  </p:extLst>
 </p:presentation>
+</file>
+
+<file path=ppt/notesMasters/notesMaster1.xml><?xml version="1.0" encoding="utf-8"?>
+<p:notesMaster xmlns:a="http://schemas.openxmlformats.org/drawingml/2006/main" xmlns:r="http://schemas.openxmlformats.org/officeDocument/2006/relationships" xmlns:p="http://schemas.openxmlformats.org/presentationml/2006/main">
+  <p:cSld>
+    <p:bg>
+      <p:bgRef idx="1001">
+        <a:schemeClr val="bg1"/>
+      </p:bgRef>
+    </p:bg>
+    <p:spTree>
+      <p:nvGrpSpPr>
+        <p:cNvPr id="1" name=""/>
+        <p:cNvGrpSpPr/>
+        <p:nvPr/>
+      </p:nvGrpSpPr>
+      <p:grpSpPr>
+        <a:xfrm>
+          <a:off x="0" y="0"/>
+          <a:ext cx="0" cy="0"/>
+          <a:chOff x="0" y="0"/>
+          <a:chExt cx="0" cy="0"/>
+        </a:xfrm>
+      </p:grpSpPr>
+      <p:sp>
+        <p:nvSpPr>
+          <p:cNvPr id="2" name="Header Placeholder 1"/>
+          <p:cNvSpPr>
+            <a:spLocks noGrp="1"/>
+          </p:cNvSpPr>
+          <p:nvPr>
+            <p:ph type="hdr" sz="quarter"/>
+          </p:nvPr>
+        </p:nvSpPr>
+        <p:spPr>
+          <a:xfrm>
+            <a:off x="0" y="0"/>
+            <a:ext cx="2971800" cy="458788"/>
+          </a:xfrm>
+          <a:prstGeom prst="rect">
+            <a:avLst/>
+          </a:prstGeom>
+        </p:spPr>
+        <p:txBody>
+          <a:bodyPr vert="horz" lIns="91440" tIns="45720" rIns="91440" bIns="45720" rtlCol="0"/>
+          <a:lstStyle>
+            <a:lvl1pPr algn="l">
+              <a:defRPr sz="1200"/>
+            </a:lvl1pPr>
+          </a:lstStyle>
+          <a:p>
+            <a:endParaRPr lang="en-US"/>
+          </a:p>
+        </p:txBody>
+      </p:sp>
+      <p:sp>
+        <p:nvSpPr>
+          <p:cNvPr id="3" name="Date Placeholder 2"/>
+          <p:cNvSpPr>
+            <a:spLocks noGrp="1"/>
+          </p:cNvSpPr>
+          <p:nvPr>
+            <p:ph type="dt" idx="1"/>
+          </p:nvPr>
+        </p:nvSpPr>
+        <p:spPr>
+          <a:xfrm>
+            <a:off x="3884613" y="0"/>
+            <a:ext cx="2971800" cy="458788"/>
+          </a:xfrm>
+          <a:prstGeom prst="rect">
+            <a:avLst/>
+          </a:prstGeom>
+        </p:spPr>
+        <p:txBody>
+          <a:bodyPr vert="horz" lIns="91440" tIns="45720" rIns="91440" bIns="45720" rtlCol="0"/>
+          <a:lstStyle>
+            <a:lvl1pPr algn="r">
+              <a:defRPr sz="1200"/>
+            </a:lvl1pPr>
+          </a:lstStyle>
+          <a:p>
+            <a:fld id="{4F2AA9AF-4D45-4AC3-8356-5B6BC952283F}" type="datetimeFigureOut">
+              <a:rPr lang="en-US" smtClean="0"/>
+              <a:t>3/30/2023</a:t>
+            </a:fld>
+            <a:endParaRPr lang="en-US"/>
+          </a:p>
+        </p:txBody>
+      </p:sp>
+      <p:sp>
+        <p:nvSpPr>
+          <p:cNvPr id="4" name="Slide Image Placeholder 3"/>
+          <p:cNvSpPr>
+            <a:spLocks noGrp="1" noRot="1" noChangeAspect="1"/>
+          </p:cNvSpPr>
+          <p:nvPr>
+            <p:ph type="sldImg" idx="2"/>
+          </p:nvPr>
+        </p:nvSpPr>
+        <p:spPr>
+          <a:xfrm>
+            <a:off x="685800" y="1143000"/>
+            <a:ext cx="5486400" cy="3086100"/>
+          </a:xfrm>
+          <a:prstGeom prst="rect">
+            <a:avLst/>
+          </a:prstGeom>
+          <a:noFill/>
+          <a:ln w="12700">
+            <a:solidFill>
+              <a:prstClr val="black"/>
+            </a:solidFill>
+          </a:ln>
+        </p:spPr>
+        <p:txBody>
+          <a:bodyPr vert="horz" lIns="91440" tIns="45720" rIns="91440" bIns="45720" rtlCol="0" anchor="ctr"/>
+          <a:lstStyle/>
+          <a:p>
+            <a:endParaRPr lang="en-US"/>
+          </a:p>
+        </p:txBody>
+      </p:sp>
+      <p:sp>
+        <p:nvSpPr>
+          <p:cNvPr id="5" name="Notes Placeholder 4"/>
+          <p:cNvSpPr>
+            <a:spLocks noGrp="1"/>
+          </p:cNvSpPr>
+          <p:nvPr>
+            <p:ph type="body" sz="quarter" idx="3"/>
+          </p:nvPr>
+        </p:nvSpPr>
+        <p:spPr>
+          <a:xfrm>
+            <a:off x="685800" y="4400550"/>
+            <a:ext cx="5486400" cy="3600450"/>
+          </a:xfrm>
+          <a:prstGeom prst="rect">
+            <a:avLst/>
+          </a:prstGeom>
+        </p:spPr>
+        <p:txBody>
+          <a:bodyPr vert="horz" lIns="91440" tIns="45720" rIns="91440" bIns="45720" rtlCol="0"/>
+          <a:lstStyle/>
+          <a:p>
+            <a:pPr lvl="0"/>
+            <a:r>
+              <a:rPr lang="en-US"/>
+              <a:t>Click to edit Master text styles</a:t>
+            </a:r>
+          </a:p>
+          <a:p>
+            <a:pPr lvl="1"/>
+            <a:r>
+              <a:rPr lang="en-US"/>
+              <a:t>Second level</a:t>
+            </a:r>
+          </a:p>
+          <a:p>
+            <a:pPr lvl="2"/>
+            <a:r>
+              <a:rPr lang="en-US"/>
+              <a:t>Third level</a:t>
+            </a:r>
+          </a:p>
+          <a:p>
+            <a:pPr lvl="3"/>
+            <a:r>
+              <a:rPr lang="en-US"/>
+              <a:t>Fourth level</a:t>
+            </a:r>
+          </a:p>
+          <a:p>
+            <a:pPr lvl="4"/>
+            <a:r>
+              <a:rPr lang="en-US"/>
+              <a:t>Fifth level</a:t>
+            </a:r>
+          </a:p>
+        </p:txBody>
+      </p:sp>
+      <p:sp>
+        <p:nvSpPr>
+          <p:cNvPr id="6" name="Footer Placeholder 5"/>
+          <p:cNvSpPr>
+            <a:spLocks noGrp="1"/>
+          </p:cNvSpPr>
+          <p:nvPr>
+            <p:ph type="ftr" sz="quarter" idx="4"/>
+          </p:nvPr>
+        </p:nvSpPr>
+        <p:spPr>
+          <a:xfrm>
+            <a:off x="0" y="8685213"/>
+            <a:ext cx="2971800" cy="458787"/>
+          </a:xfrm>
+          <a:prstGeom prst="rect">
+            <a:avLst/>
+          </a:prstGeom>
+        </p:spPr>
+        <p:txBody>
+          <a:bodyPr vert="horz" lIns="91440" tIns="45720" rIns="91440" bIns="45720" rtlCol="0" anchor="b"/>
+          <a:lstStyle>
+            <a:lvl1pPr algn="l">
+              <a:defRPr sz="1200"/>
+            </a:lvl1pPr>
+          </a:lstStyle>
+          <a:p>
+            <a:endParaRPr lang="en-US"/>
+          </a:p>
+        </p:txBody>
+      </p:sp>
+      <p:sp>
+        <p:nvSpPr>
+          <p:cNvPr id="7" name="Slide Number Placeholder 6"/>
+          <p:cNvSpPr>
+            <a:spLocks noGrp="1"/>
+          </p:cNvSpPr>
+          <p:nvPr>
+            <p:ph type="sldNum" sz="quarter" idx="5"/>
+          </p:nvPr>
+        </p:nvSpPr>
+        <p:spPr>
+          <a:xfrm>
+            <a:off x="3884613" y="8685213"/>
+            <a:ext cx="2971800" cy="458787"/>
+          </a:xfrm>
+          <a:prstGeom prst="rect">
+            <a:avLst/>
+          </a:prstGeom>
+        </p:spPr>
+        <p:txBody>
+          <a:bodyPr vert="horz" lIns="91440" tIns="45720" rIns="91440" bIns="45720" rtlCol="0" anchor="b"/>
+          <a:lstStyle>
+            <a:lvl1pPr algn="r">
+              <a:defRPr sz="1200"/>
+            </a:lvl1pPr>
+          </a:lstStyle>
+          <a:p>
+            <a:fld id="{BC3B6F55-FC2E-48E5-8C22-CC4C1D41983B}" type="slidenum">
+              <a:rPr lang="en-US" smtClean="0"/>
+              <a:t>‹#›</a:t>
+            </a:fld>
+            <a:endParaRPr lang="en-US"/>
+          </a:p>
+        </p:txBody>
+      </p:sp>
+    </p:spTree>
+    <p:extLst>
+      <p:ext uri="{BB962C8B-B14F-4D97-AF65-F5344CB8AC3E}">
+        <p14:creationId xmlns:p14="http://schemas.microsoft.com/office/powerpoint/2010/main" val="3537746192"/>
+      </p:ext>
+    </p:extLst>
+  </p:cSld>
+  <p:clrMap bg1="lt1" tx1="dk1" bg2="lt2" tx2="dk2" accent1="accent1" accent2="accent2" accent3="accent3" accent4="accent4" accent5="accent5" accent6="accent6" hlink="hlink" folHlink="folHlink"/>
+  <p:notesStyle>
+    <a:lvl1pPr marL="0" algn="l" defTabSz="658284" rtl="0" eaLnBrk="1" latinLnBrk="0" hangingPunct="1">
+      <a:defRPr sz="864" kern="1200">
+        <a:solidFill>
+          <a:schemeClr val="tx1"/>
+        </a:solidFill>
+        <a:latin typeface="+mn-lt"/>
+        <a:ea typeface="+mn-ea"/>
+        <a:cs typeface="+mn-cs"/>
+      </a:defRPr>
+    </a:lvl1pPr>
+    <a:lvl2pPr marL="329142" algn="l" defTabSz="658284" rtl="0" eaLnBrk="1" latinLnBrk="0" hangingPunct="1">
+      <a:defRPr sz="864" kern="1200">
+        <a:solidFill>
+          <a:schemeClr val="tx1"/>
+        </a:solidFill>
+        <a:latin typeface="+mn-lt"/>
+        <a:ea typeface="+mn-ea"/>
+        <a:cs typeface="+mn-cs"/>
+      </a:defRPr>
+    </a:lvl2pPr>
+    <a:lvl3pPr marL="658284" algn="l" defTabSz="658284" rtl="0" eaLnBrk="1" latinLnBrk="0" hangingPunct="1">
+      <a:defRPr sz="864" kern="1200">
+        <a:solidFill>
+          <a:schemeClr val="tx1"/>
+        </a:solidFill>
+        <a:latin typeface="+mn-lt"/>
+        <a:ea typeface="+mn-ea"/>
+        <a:cs typeface="+mn-cs"/>
+      </a:defRPr>
+    </a:lvl3pPr>
+    <a:lvl4pPr marL="987426" algn="l" defTabSz="658284" rtl="0" eaLnBrk="1" latinLnBrk="0" hangingPunct="1">
+      <a:defRPr sz="864" kern="1200">
+        <a:solidFill>
+          <a:schemeClr val="tx1"/>
+        </a:solidFill>
+        <a:latin typeface="+mn-lt"/>
+        <a:ea typeface="+mn-ea"/>
+        <a:cs typeface="+mn-cs"/>
+      </a:defRPr>
+    </a:lvl4pPr>
+    <a:lvl5pPr marL="1316568" algn="l" defTabSz="658284" rtl="0" eaLnBrk="1" latinLnBrk="0" hangingPunct="1">
+      <a:defRPr sz="864" kern="1200">
+        <a:solidFill>
+          <a:schemeClr val="tx1"/>
+        </a:solidFill>
+        <a:latin typeface="+mn-lt"/>
+        <a:ea typeface="+mn-ea"/>
+        <a:cs typeface="+mn-cs"/>
+      </a:defRPr>
+    </a:lvl5pPr>
+    <a:lvl6pPr marL="1645710" algn="l" defTabSz="658284" rtl="0" eaLnBrk="1" latinLnBrk="0" hangingPunct="1">
+      <a:defRPr sz="864" kern="1200">
+        <a:solidFill>
+          <a:schemeClr val="tx1"/>
+        </a:solidFill>
+        <a:latin typeface="+mn-lt"/>
+        <a:ea typeface="+mn-ea"/>
+        <a:cs typeface="+mn-cs"/>
+      </a:defRPr>
+    </a:lvl6pPr>
+    <a:lvl7pPr marL="1974851" algn="l" defTabSz="658284" rtl="0" eaLnBrk="1" latinLnBrk="0" hangingPunct="1">
+      <a:defRPr sz="864" kern="1200">
+        <a:solidFill>
+          <a:schemeClr val="tx1"/>
+        </a:solidFill>
+        <a:latin typeface="+mn-lt"/>
+        <a:ea typeface="+mn-ea"/>
+        <a:cs typeface="+mn-cs"/>
+      </a:defRPr>
+    </a:lvl7pPr>
+    <a:lvl8pPr marL="2303994" algn="l" defTabSz="658284" rtl="0" eaLnBrk="1" latinLnBrk="0" hangingPunct="1">
+      <a:defRPr sz="864" kern="1200">
+        <a:solidFill>
+          <a:schemeClr val="tx1"/>
+        </a:solidFill>
+        <a:latin typeface="+mn-lt"/>
+        <a:ea typeface="+mn-ea"/>
+        <a:cs typeface="+mn-cs"/>
+      </a:defRPr>
+    </a:lvl8pPr>
+    <a:lvl9pPr marL="2633136" algn="l" defTabSz="658284" rtl="0" eaLnBrk="1" latinLnBrk="0" hangingPunct="1">
+      <a:defRPr sz="864" kern="1200">
+        <a:solidFill>
+          <a:schemeClr val="tx1"/>
+        </a:solidFill>
+        <a:latin typeface="+mn-lt"/>
+        <a:ea typeface="+mn-ea"/>
+        <a:cs typeface="+mn-cs"/>
+      </a:defRPr>
+    </a:lvl9pPr>
+  </p:notesStyle>
+</p:notesMaster>
+</file>
+
+<file path=ppt/notesSlides/notesSlide1.xml><?xml version="1.0" encoding="utf-8"?>
+<p:notes xmlns:a="http://schemas.openxmlformats.org/drawingml/2006/main" xmlns:r="http://schemas.openxmlformats.org/officeDocument/2006/relationships" xmlns:p="http://schemas.openxmlformats.org/presentationml/2006/main">
+  <p:cSld>
+    <p:spTree>
+      <p:nvGrpSpPr>
+        <p:cNvPr id="1" name=""/>
+        <p:cNvGrpSpPr/>
+        <p:nvPr/>
+      </p:nvGrpSpPr>
+      <p:grpSpPr>
+        <a:xfrm>
+          <a:off x="0" y="0"/>
+          <a:ext cx="0" cy="0"/>
+          <a:chOff x="0" y="0"/>
+          <a:chExt cx="0" cy="0"/>
+        </a:xfrm>
+      </p:grpSpPr>
+      <p:sp>
+        <p:nvSpPr>
+          <p:cNvPr id="2" name="Slide Image Placeholder 1"/>
+          <p:cNvSpPr>
+            <a:spLocks noGrp="1" noRot="1" noChangeAspect="1"/>
+          </p:cNvSpPr>
+          <p:nvPr>
+            <p:ph type="sldImg"/>
+          </p:nvPr>
+        </p:nvSpPr>
+        <p:spPr>
+          <a:xfrm>
+            <a:off x="685800" y="1143000"/>
+            <a:ext cx="5486400" cy="3086100"/>
+          </a:xfrm>
+        </p:spPr>
+      </p:sp>
+      <p:sp>
+        <p:nvSpPr>
+          <p:cNvPr id="3" name="Notes Placeholder 2"/>
+          <p:cNvSpPr>
+            <a:spLocks noGrp="1"/>
+          </p:cNvSpPr>
+          <p:nvPr>
+            <p:ph type="body" idx="1"/>
+          </p:nvPr>
+        </p:nvSpPr>
+        <p:spPr/>
+        <p:txBody>
+          <a:bodyPr/>
+          <a:lstStyle/>
+          <a:p>
+            <a:pPr marL="0" marR="0" lvl="0" indent="0" algn="l" defTabSz="914400" rtl="0" eaLnBrk="1" fontAlgn="auto" latinLnBrk="0" hangingPunct="1">
+              <a:lnSpc>
+                <a:spcPct val="100000"/>
+              </a:lnSpc>
+              <a:spcBef>
+                <a:spcPts val="0"/>
+              </a:spcBef>
+              <a:spcAft>
+                <a:spcPts val="0"/>
+              </a:spcAft>
+              <a:buClrTx/>
+              <a:buSzTx/>
+              <a:buFontTx/>
+              <a:buNone/>
+              <a:tabLst/>
+              <a:defRPr/>
+            </a:pPr>
+            <a:r>
+              <a:rPr lang="en-US" dirty="0"/>
+              <a:t>Full dataset of </a:t>
+            </a:r>
+            <a:r>
+              <a:rPr lang="en-US" dirty="0" err="1"/>
+              <a:t>Vcmax</a:t>
+            </a:r>
+            <a:r>
+              <a:rPr lang="en-US" dirty="0"/>
+              <a:t>, without TPU fitting</a:t>
+            </a:r>
+          </a:p>
+          <a:p>
+            <a:endParaRPr lang="en-US" dirty="0"/>
+          </a:p>
+        </p:txBody>
+      </p:sp>
+      <p:sp>
+        <p:nvSpPr>
+          <p:cNvPr id="4" name="Slide Number Placeholder 3"/>
+          <p:cNvSpPr>
+            <a:spLocks noGrp="1"/>
+          </p:cNvSpPr>
+          <p:nvPr>
+            <p:ph type="sldNum" sz="quarter" idx="5"/>
+          </p:nvPr>
+        </p:nvSpPr>
+        <p:spPr/>
+        <p:txBody>
+          <a:bodyPr/>
+          <a:lstStyle/>
+          <a:p>
+            <a:fld id="{BC3B6F55-FC2E-48E5-8C22-CC4C1D41983B}" type="slidenum">
+              <a:rPr lang="en-US" smtClean="0"/>
+              <a:t>1</a:t>
+            </a:fld>
+            <a:endParaRPr lang="en-US"/>
+          </a:p>
+        </p:txBody>
+      </p:sp>
+    </p:spTree>
+    <p:extLst>
+      <p:ext uri="{BB962C8B-B14F-4D97-AF65-F5344CB8AC3E}">
+        <p14:creationId xmlns:p14="http://schemas.microsoft.com/office/powerpoint/2010/main" val="770267983"/>
+      </p:ext>
+    </p:extLst>
+  </p:cSld>
+  <p:clrMapOvr>
+    <a:masterClrMapping/>
+  </p:clrMapOvr>
+</p:notes>
+</file>
+
+<file path=ppt/notesSlides/notesSlide2.xml><?xml version="1.0" encoding="utf-8"?>
+<p:notes xmlns:a="http://schemas.openxmlformats.org/drawingml/2006/main" xmlns:r="http://schemas.openxmlformats.org/officeDocument/2006/relationships" xmlns:p="http://schemas.openxmlformats.org/presentationml/2006/main">
+  <p:cSld>
+    <p:spTree>
+      <p:nvGrpSpPr>
+        <p:cNvPr id="1" name=""/>
+        <p:cNvGrpSpPr/>
+        <p:nvPr/>
+      </p:nvGrpSpPr>
+      <p:grpSpPr>
+        <a:xfrm>
+          <a:off x="0" y="0"/>
+          <a:ext cx="0" cy="0"/>
+          <a:chOff x="0" y="0"/>
+          <a:chExt cx="0" cy="0"/>
+        </a:xfrm>
+      </p:grpSpPr>
+      <p:sp>
+        <p:nvSpPr>
+          <p:cNvPr id="2" name="Slide Image Placeholder 1"/>
+          <p:cNvSpPr>
+            <a:spLocks noGrp="1" noRot="1" noChangeAspect="1"/>
+          </p:cNvSpPr>
+          <p:nvPr>
+            <p:ph type="sldImg"/>
+          </p:nvPr>
+        </p:nvSpPr>
+        <p:spPr>
+          <a:xfrm>
+            <a:off x="685800" y="1143000"/>
+            <a:ext cx="5486400" cy="3086100"/>
+          </a:xfrm>
+        </p:spPr>
+      </p:sp>
+      <p:sp>
+        <p:nvSpPr>
+          <p:cNvPr id="3" name="Notes Placeholder 2"/>
+          <p:cNvSpPr>
+            <a:spLocks noGrp="1"/>
+          </p:cNvSpPr>
+          <p:nvPr>
+            <p:ph type="body" idx="1"/>
+          </p:nvPr>
+        </p:nvSpPr>
+        <p:spPr/>
+        <p:txBody>
+          <a:bodyPr/>
+          <a:lstStyle/>
+          <a:p>
+            <a:pPr marL="0" marR="0" lvl="0" indent="0" algn="l" defTabSz="914400" rtl="0" eaLnBrk="1" fontAlgn="auto" latinLnBrk="0" hangingPunct="1">
+              <a:lnSpc>
+                <a:spcPct val="100000"/>
+              </a:lnSpc>
+              <a:spcBef>
+                <a:spcPts val="0"/>
+              </a:spcBef>
+              <a:spcAft>
+                <a:spcPts val="0"/>
+              </a:spcAft>
+              <a:buClrTx/>
+              <a:buSzTx/>
+              <a:buFontTx/>
+              <a:buNone/>
+              <a:tabLst/>
+              <a:defRPr/>
+            </a:pPr>
+            <a:r>
+              <a:rPr lang="en-US" dirty="0"/>
+              <a:t>Full dataset of </a:t>
+            </a:r>
+            <a:r>
+              <a:rPr lang="en-US" dirty="0" err="1"/>
+              <a:t>Vcmax</a:t>
+            </a:r>
+            <a:r>
+              <a:rPr lang="en-US" dirty="0"/>
+              <a:t>, with TPU fitting</a:t>
+            </a:r>
+          </a:p>
+        </p:txBody>
+      </p:sp>
+      <p:sp>
+        <p:nvSpPr>
+          <p:cNvPr id="4" name="Slide Number Placeholder 3"/>
+          <p:cNvSpPr>
+            <a:spLocks noGrp="1"/>
+          </p:cNvSpPr>
+          <p:nvPr>
+            <p:ph type="sldNum" sz="quarter" idx="5"/>
+          </p:nvPr>
+        </p:nvSpPr>
+        <p:spPr/>
+        <p:txBody>
+          <a:bodyPr/>
+          <a:lstStyle/>
+          <a:p>
+            <a:fld id="{BC3B6F55-FC2E-48E5-8C22-CC4C1D41983B}" type="slidenum">
+              <a:rPr lang="en-US" smtClean="0"/>
+              <a:t>2</a:t>
+            </a:fld>
+            <a:endParaRPr lang="en-US"/>
+          </a:p>
+        </p:txBody>
+      </p:sp>
+    </p:spTree>
+    <p:extLst>
+      <p:ext uri="{BB962C8B-B14F-4D97-AF65-F5344CB8AC3E}">
+        <p14:creationId xmlns:p14="http://schemas.microsoft.com/office/powerpoint/2010/main" val="102753252"/>
+      </p:ext>
+    </p:extLst>
+  </p:cSld>
+  <p:clrMapOvr>
+    <a:masterClrMapping/>
+  </p:clrMapOvr>
+</p:notes>
+</file>
+
+<file path=ppt/notesSlides/notesSlide3.xml><?xml version="1.0" encoding="utf-8"?>
+<p:notes xmlns:a="http://schemas.openxmlformats.org/drawingml/2006/main" xmlns:r="http://schemas.openxmlformats.org/officeDocument/2006/relationships" xmlns:p="http://schemas.openxmlformats.org/presentationml/2006/main">
+  <p:cSld>
+    <p:spTree>
+      <p:nvGrpSpPr>
+        <p:cNvPr id="1" name=""/>
+        <p:cNvGrpSpPr/>
+        <p:nvPr/>
+      </p:nvGrpSpPr>
+      <p:grpSpPr>
+        <a:xfrm>
+          <a:off x="0" y="0"/>
+          <a:ext cx="0" cy="0"/>
+          <a:chOff x="0" y="0"/>
+          <a:chExt cx="0" cy="0"/>
+        </a:xfrm>
+      </p:grpSpPr>
+      <p:sp>
+        <p:nvSpPr>
+          <p:cNvPr id="2" name="Slide Image Placeholder 1"/>
+          <p:cNvSpPr>
+            <a:spLocks noGrp="1" noRot="1" noChangeAspect="1"/>
+          </p:cNvSpPr>
+          <p:nvPr>
+            <p:ph type="sldImg"/>
+          </p:nvPr>
+        </p:nvSpPr>
+        <p:spPr>
+          <a:xfrm>
+            <a:off x="685800" y="1143000"/>
+            <a:ext cx="5486400" cy="3086100"/>
+          </a:xfrm>
+        </p:spPr>
+      </p:sp>
+      <p:sp>
+        <p:nvSpPr>
+          <p:cNvPr id="3" name="Notes Placeholder 2"/>
+          <p:cNvSpPr>
+            <a:spLocks noGrp="1"/>
+          </p:cNvSpPr>
+          <p:nvPr>
+            <p:ph type="body" idx="1"/>
+          </p:nvPr>
+        </p:nvSpPr>
+        <p:spPr/>
+        <p:txBody>
+          <a:bodyPr/>
+          <a:lstStyle/>
+          <a:p>
+            <a:pPr marL="0" marR="0" lvl="0" indent="0" algn="l" defTabSz="914400" rtl="0" eaLnBrk="1" fontAlgn="auto" latinLnBrk="0" hangingPunct="1">
+              <a:lnSpc>
+                <a:spcPct val="100000"/>
+              </a:lnSpc>
+              <a:spcBef>
+                <a:spcPts val="0"/>
+              </a:spcBef>
+              <a:spcAft>
+                <a:spcPts val="0"/>
+              </a:spcAft>
+              <a:buClrTx/>
+              <a:buSzTx/>
+              <a:buFontTx/>
+              <a:buNone/>
+              <a:tabLst/>
+              <a:defRPr/>
+            </a:pPr>
+            <a:r>
+              <a:rPr lang="en-US" dirty="0"/>
+              <a:t>Full dataset of </a:t>
+            </a:r>
+            <a:r>
+              <a:rPr lang="en-US" dirty="0" err="1"/>
+              <a:t>Jmax</a:t>
+            </a:r>
+            <a:r>
+              <a:rPr lang="en-US" dirty="0"/>
+              <a:t>, without TPU fitting</a:t>
+            </a:r>
+          </a:p>
+          <a:p>
+            <a:endParaRPr lang="en-US" dirty="0"/>
+          </a:p>
+        </p:txBody>
+      </p:sp>
+      <p:sp>
+        <p:nvSpPr>
+          <p:cNvPr id="4" name="Slide Number Placeholder 3"/>
+          <p:cNvSpPr>
+            <a:spLocks noGrp="1"/>
+          </p:cNvSpPr>
+          <p:nvPr>
+            <p:ph type="sldNum" sz="quarter" idx="5"/>
+          </p:nvPr>
+        </p:nvSpPr>
+        <p:spPr/>
+        <p:txBody>
+          <a:bodyPr/>
+          <a:lstStyle/>
+          <a:p>
+            <a:fld id="{BC3B6F55-FC2E-48E5-8C22-CC4C1D41983B}" type="slidenum">
+              <a:rPr lang="en-US" smtClean="0"/>
+              <a:t>3</a:t>
+            </a:fld>
+            <a:endParaRPr lang="en-US"/>
+          </a:p>
+        </p:txBody>
+      </p:sp>
+    </p:spTree>
+    <p:extLst>
+      <p:ext uri="{BB962C8B-B14F-4D97-AF65-F5344CB8AC3E}">
+        <p14:creationId xmlns:p14="http://schemas.microsoft.com/office/powerpoint/2010/main" val="2368542987"/>
+      </p:ext>
+    </p:extLst>
+  </p:cSld>
+  <p:clrMapOvr>
+    <a:masterClrMapping/>
+  </p:clrMapOvr>
+</p:notes>
+</file>
+
+<file path=ppt/notesSlides/notesSlide4.xml><?xml version="1.0" encoding="utf-8"?>
+<p:notes xmlns:a="http://schemas.openxmlformats.org/drawingml/2006/main" xmlns:r="http://schemas.openxmlformats.org/officeDocument/2006/relationships" xmlns:p="http://schemas.openxmlformats.org/presentationml/2006/main">
+  <p:cSld>
+    <p:spTree>
+      <p:nvGrpSpPr>
+        <p:cNvPr id="1" name=""/>
+        <p:cNvGrpSpPr/>
+        <p:nvPr/>
+      </p:nvGrpSpPr>
+      <p:grpSpPr>
+        <a:xfrm>
+          <a:off x="0" y="0"/>
+          <a:ext cx="0" cy="0"/>
+          <a:chOff x="0" y="0"/>
+          <a:chExt cx="0" cy="0"/>
+        </a:xfrm>
+      </p:grpSpPr>
+      <p:sp>
+        <p:nvSpPr>
+          <p:cNvPr id="2" name="Slide Image Placeholder 1"/>
+          <p:cNvSpPr>
+            <a:spLocks noGrp="1" noRot="1" noChangeAspect="1"/>
+          </p:cNvSpPr>
+          <p:nvPr>
+            <p:ph type="sldImg"/>
+          </p:nvPr>
+        </p:nvSpPr>
+        <p:spPr>
+          <a:xfrm>
+            <a:off x="685800" y="1143000"/>
+            <a:ext cx="5486400" cy="3086100"/>
+          </a:xfrm>
+        </p:spPr>
+      </p:sp>
+      <p:sp>
+        <p:nvSpPr>
+          <p:cNvPr id="3" name="Notes Placeholder 2"/>
+          <p:cNvSpPr>
+            <a:spLocks noGrp="1"/>
+          </p:cNvSpPr>
+          <p:nvPr>
+            <p:ph type="body" idx="1"/>
+          </p:nvPr>
+        </p:nvSpPr>
+        <p:spPr/>
+        <p:txBody>
+          <a:bodyPr/>
+          <a:lstStyle/>
+          <a:p>
+            <a:r>
+              <a:rPr lang="en-US" dirty="0"/>
+              <a:t>Comparison of TPU between DAT and steady-state pairs</a:t>
+            </a:r>
+          </a:p>
+        </p:txBody>
+      </p:sp>
+      <p:sp>
+        <p:nvSpPr>
+          <p:cNvPr id="4" name="Slide Number Placeholder 3"/>
+          <p:cNvSpPr>
+            <a:spLocks noGrp="1"/>
+          </p:cNvSpPr>
+          <p:nvPr>
+            <p:ph type="sldNum" sz="quarter" idx="5"/>
+          </p:nvPr>
+        </p:nvSpPr>
+        <p:spPr/>
+        <p:txBody>
+          <a:bodyPr/>
+          <a:lstStyle/>
+          <a:p>
+            <a:fld id="{BC3B6F55-FC2E-48E5-8C22-CC4C1D41983B}" type="slidenum">
+              <a:rPr lang="en-US" smtClean="0"/>
+              <a:t>5</a:t>
+            </a:fld>
+            <a:endParaRPr lang="en-US"/>
+          </a:p>
+        </p:txBody>
+      </p:sp>
+    </p:spTree>
+    <p:extLst>
+      <p:ext uri="{BB962C8B-B14F-4D97-AF65-F5344CB8AC3E}">
+        <p14:creationId xmlns:p14="http://schemas.microsoft.com/office/powerpoint/2010/main" val="2732244516"/>
+      </p:ext>
+    </p:extLst>
+  </p:cSld>
+  <p:clrMapOvr>
+    <a:masterClrMapping/>
+  </p:clrMapOvr>
+</p:notes>
 </file>
 
 <file path=ppt/slideLayouts/slideLayout1.xml><?xml version="1.0" encoding="utf-8"?>
@@ -132,13 +969,7 @@
       </p:grpSpPr>
       <p:sp>
         <p:nvSpPr>
-          <p:cNvPr id="2" name="Title 1">
-            <a:extLst>
-              <a:ext uri="{FF2B5EF4-FFF2-40B4-BE49-F238E27FC236}">
-                <a16:creationId xmlns:a16="http://schemas.microsoft.com/office/drawing/2014/main" id="{567C988E-4660-3C2A-DE27-8C224EF51E53}"/>
-              </a:ext>
-            </a:extLst>
-          </p:cNvPr>
+          <p:cNvPr id="2" name="Title 1"/>
           <p:cNvSpPr>
             <a:spLocks noGrp="1"/>
           </p:cNvSpPr>
@@ -164,18 +995,13 @@
               <a:rPr lang="en-US"/>
               <a:t>Click to edit Master title style</a:t>
             </a:r>
-          </a:p>
-        </p:txBody>
-      </p:sp>
-      <p:sp>
-        <p:nvSpPr>
-          <p:cNvPr id="3" name="Subtitle 2">
-            <a:extLst>
-              <a:ext uri="{FF2B5EF4-FFF2-40B4-BE49-F238E27FC236}">
-                <a16:creationId xmlns:a16="http://schemas.microsoft.com/office/drawing/2014/main" id="{96890A23-1414-CB24-E11E-BBACA63CD9A5}"/>
-              </a:ext>
-            </a:extLst>
-          </p:cNvPr>
+            <a:endParaRPr lang="en-US" dirty="0"/>
+          </a:p>
+        </p:txBody>
+      </p:sp>
+      <p:sp>
+        <p:nvSpPr>
+          <p:cNvPr id="3" name="Subtitle 2"/>
           <p:cNvSpPr>
             <a:spLocks noGrp="1"/>
           </p:cNvSpPr>
@@ -234,18 +1060,13 @@
               <a:rPr lang="en-US"/>
               <a:t>Click to edit Master subtitle style</a:t>
             </a:r>
-          </a:p>
-        </p:txBody>
-      </p:sp>
-      <p:sp>
-        <p:nvSpPr>
-          <p:cNvPr id="4" name="Date Placeholder 3">
-            <a:extLst>
-              <a:ext uri="{FF2B5EF4-FFF2-40B4-BE49-F238E27FC236}">
-                <a16:creationId xmlns:a16="http://schemas.microsoft.com/office/drawing/2014/main" id="{A7A86861-1883-963A-6EEB-A8F8D700BE0C}"/>
-              </a:ext>
-            </a:extLst>
-          </p:cNvPr>
+            <a:endParaRPr lang="en-US" dirty="0"/>
+          </a:p>
+        </p:txBody>
+      </p:sp>
+      <p:sp>
+        <p:nvSpPr>
+          <p:cNvPr id="4" name="Date Placeholder 3"/>
           <p:cNvSpPr>
             <a:spLocks noGrp="1"/>
           </p:cNvSpPr>
@@ -260,7 +1081,7 @@
           <a:p>
             <a:fld id="{A8B27BE4-E27A-41D6-9DF3-963E3EE331C4}" type="datetimeFigureOut">
               <a:rPr lang="en-US" smtClean="0"/>
-              <a:t>3/28/2023</a:t>
+              <a:t>3/30/2023</a:t>
             </a:fld>
             <a:endParaRPr lang="en-US"/>
           </a:p>
@@ -268,13 +1089,7 @@
       </p:sp>
       <p:sp>
         <p:nvSpPr>
-          <p:cNvPr id="5" name="Footer Placeholder 4">
-            <a:extLst>
-              <a:ext uri="{FF2B5EF4-FFF2-40B4-BE49-F238E27FC236}">
-                <a16:creationId xmlns:a16="http://schemas.microsoft.com/office/drawing/2014/main" id="{8D1A4524-F3A3-D3FA-750F-633CE1B6E6E3}"/>
-              </a:ext>
-            </a:extLst>
-          </p:cNvPr>
+          <p:cNvPr id="5" name="Footer Placeholder 4"/>
           <p:cNvSpPr>
             <a:spLocks noGrp="1"/>
           </p:cNvSpPr>
@@ -293,13 +1108,7 @@
       </p:sp>
       <p:sp>
         <p:nvSpPr>
-          <p:cNvPr id="6" name="Slide Number Placeholder 5">
-            <a:extLst>
-              <a:ext uri="{FF2B5EF4-FFF2-40B4-BE49-F238E27FC236}">
-                <a16:creationId xmlns:a16="http://schemas.microsoft.com/office/drawing/2014/main" id="{B9A9BC06-72A3-6D80-43AA-161F20F51BBF}"/>
-              </a:ext>
-            </a:extLst>
-          </p:cNvPr>
+          <p:cNvPr id="6" name="Slide Number Placeholder 5"/>
           <p:cNvSpPr>
             <a:spLocks noGrp="1"/>
           </p:cNvSpPr>
@@ -323,7 +1132,7 @@
     </p:spTree>
     <p:extLst>
       <p:ext uri="{BB962C8B-B14F-4D97-AF65-F5344CB8AC3E}">
-        <p14:creationId xmlns:p14="http://schemas.microsoft.com/office/powerpoint/2010/main" val="3905707461"/>
+        <p14:creationId xmlns:p14="http://schemas.microsoft.com/office/powerpoint/2010/main" val="1959020543"/>
       </p:ext>
     </p:extLst>
   </p:cSld>
@@ -352,13 +1161,7 @@
       </p:grpSpPr>
       <p:sp>
         <p:nvSpPr>
-          <p:cNvPr id="2" name="Title 1">
-            <a:extLst>
-              <a:ext uri="{FF2B5EF4-FFF2-40B4-BE49-F238E27FC236}">
-                <a16:creationId xmlns:a16="http://schemas.microsoft.com/office/drawing/2014/main" id="{08216167-1983-10FF-F635-07D69DDD5A14}"/>
-              </a:ext>
-            </a:extLst>
-          </p:cNvPr>
+          <p:cNvPr id="2" name="Title 1"/>
           <p:cNvSpPr>
             <a:spLocks noGrp="1"/>
           </p:cNvSpPr>
@@ -375,18 +1178,13 @@
               <a:rPr lang="en-US"/>
               <a:t>Click to edit Master title style</a:t>
             </a:r>
-          </a:p>
-        </p:txBody>
-      </p:sp>
-      <p:sp>
-        <p:nvSpPr>
-          <p:cNvPr id="3" name="Vertical Text Placeholder 2">
-            <a:extLst>
-              <a:ext uri="{FF2B5EF4-FFF2-40B4-BE49-F238E27FC236}">
-                <a16:creationId xmlns:a16="http://schemas.microsoft.com/office/drawing/2014/main" id="{FD7F3653-8465-B877-1639-7708D23FF18E}"/>
-              </a:ext>
-            </a:extLst>
-          </p:cNvPr>
+            <a:endParaRPr lang="en-US" dirty="0"/>
+          </a:p>
+        </p:txBody>
+      </p:sp>
+      <p:sp>
+        <p:nvSpPr>
+          <p:cNvPr id="3" name="Vertical Text Placeholder 2"/>
           <p:cNvSpPr>
             <a:spLocks noGrp="1"/>
           </p:cNvSpPr>
@@ -432,18 +1230,13 @@
               <a:rPr lang="en-US"/>
               <a:t>Fifth level</a:t>
             </a:r>
-          </a:p>
-        </p:txBody>
-      </p:sp>
-      <p:sp>
-        <p:nvSpPr>
-          <p:cNvPr id="4" name="Date Placeholder 3">
-            <a:extLst>
-              <a:ext uri="{FF2B5EF4-FFF2-40B4-BE49-F238E27FC236}">
-                <a16:creationId xmlns:a16="http://schemas.microsoft.com/office/drawing/2014/main" id="{0CCFB7F0-F624-5B88-2AA7-A2575FCA2D6B}"/>
-              </a:ext>
-            </a:extLst>
-          </p:cNvPr>
+            <a:endParaRPr lang="en-US" dirty="0"/>
+          </a:p>
+        </p:txBody>
+      </p:sp>
+      <p:sp>
+        <p:nvSpPr>
+          <p:cNvPr id="4" name="Date Placeholder 3"/>
           <p:cNvSpPr>
             <a:spLocks noGrp="1"/>
           </p:cNvSpPr>
@@ -458,7 +1251,7 @@
           <a:p>
             <a:fld id="{A8B27BE4-E27A-41D6-9DF3-963E3EE331C4}" type="datetimeFigureOut">
               <a:rPr lang="en-US" smtClean="0"/>
-              <a:t>3/28/2023</a:t>
+              <a:t>3/30/2023</a:t>
             </a:fld>
             <a:endParaRPr lang="en-US"/>
           </a:p>
@@ -466,13 +1259,7 @@
       </p:sp>
       <p:sp>
         <p:nvSpPr>
-          <p:cNvPr id="5" name="Footer Placeholder 4">
-            <a:extLst>
-              <a:ext uri="{FF2B5EF4-FFF2-40B4-BE49-F238E27FC236}">
-                <a16:creationId xmlns:a16="http://schemas.microsoft.com/office/drawing/2014/main" id="{0A4A3632-EA39-3625-0D94-BA4A637444F7}"/>
-              </a:ext>
-            </a:extLst>
-          </p:cNvPr>
+          <p:cNvPr id="5" name="Footer Placeholder 4"/>
           <p:cNvSpPr>
             <a:spLocks noGrp="1"/>
           </p:cNvSpPr>
@@ -491,13 +1278,7 @@
       </p:sp>
       <p:sp>
         <p:nvSpPr>
-          <p:cNvPr id="6" name="Slide Number Placeholder 5">
-            <a:extLst>
-              <a:ext uri="{FF2B5EF4-FFF2-40B4-BE49-F238E27FC236}">
-                <a16:creationId xmlns:a16="http://schemas.microsoft.com/office/drawing/2014/main" id="{6542EB14-1849-025E-1851-032931FD98B5}"/>
-              </a:ext>
-            </a:extLst>
-          </p:cNvPr>
+          <p:cNvPr id="6" name="Slide Number Placeholder 5"/>
           <p:cNvSpPr>
             <a:spLocks noGrp="1"/>
           </p:cNvSpPr>
@@ -521,7 +1302,7 @@
     </p:spTree>
     <p:extLst>
       <p:ext uri="{BB962C8B-B14F-4D97-AF65-F5344CB8AC3E}">
-        <p14:creationId xmlns:p14="http://schemas.microsoft.com/office/powerpoint/2010/main" val="2539992422"/>
+        <p14:creationId xmlns:p14="http://schemas.microsoft.com/office/powerpoint/2010/main" val="1819622380"/>
       </p:ext>
     </p:extLst>
   </p:cSld>
@@ -550,13 +1331,7 @@
       </p:grpSpPr>
       <p:sp>
         <p:nvSpPr>
-          <p:cNvPr id="2" name="Vertical Title 1">
-            <a:extLst>
-              <a:ext uri="{FF2B5EF4-FFF2-40B4-BE49-F238E27FC236}">
-                <a16:creationId xmlns:a16="http://schemas.microsoft.com/office/drawing/2014/main" id="{A1930734-DD30-506F-A608-1408B873C62B}"/>
-              </a:ext>
-            </a:extLst>
-          </p:cNvPr>
+          <p:cNvPr id="2" name="Vertical Title 1"/>
           <p:cNvSpPr>
             <a:spLocks noGrp="1"/>
           </p:cNvSpPr>
@@ -578,18 +1353,13 @@
               <a:rPr lang="en-US"/>
               <a:t>Click to edit Master title style</a:t>
             </a:r>
-          </a:p>
-        </p:txBody>
-      </p:sp>
-      <p:sp>
-        <p:nvSpPr>
-          <p:cNvPr id="3" name="Vertical Text Placeholder 2">
-            <a:extLst>
-              <a:ext uri="{FF2B5EF4-FFF2-40B4-BE49-F238E27FC236}">
-                <a16:creationId xmlns:a16="http://schemas.microsoft.com/office/drawing/2014/main" id="{9AE3C6FD-25ED-7183-0F92-7C094A6427AC}"/>
-              </a:ext>
-            </a:extLst>
-          </p:cNvPr>
+            <a:endParaRPr lang="en-US" dirty="0"/>
+          </a:p>
+        </p:txBody>
+      </p:sp>
+      <p:sp>
+        <p:nvSpPr>
+          <p:cNvPr id="3" name="Vertical Text Placeholder 2"/>
           <p:cNvSpPr>
             <a:spLocks noGrp="1"/>
           </p:cNvSpPr>
@@ -640,18 +1410,13 @@
               <a:rPr lang="en-US"/>
               <a:t>Fifth level</a:t>
             </a:r>
-          </a:p>
-        </p:txBody>
-      </p:sp>
-      <p:sp>
-        <p:nvSpPr>
-          <p:cNvPr id="4" name="Date Placeholder 3">
-            <a:extLst>
-              <a:ext uri="{FF2B5EF4-FFF2-40B4-BE49-F238E27FC236}">
-                <a16:creationId xmlns:a16="http://schemas.microsoft.com/office/drawing/2014/main" id="{A851F5A4-5C6C-D2D0-29F4-82C9F8DFA68A}"/>
-              </a:ext>
-            </a:extLst>
-          </p:cNvPr>
+            <a:endParaRPr lang="en-US" dirty="0"/>
+          </a:p>
+        </p:txBody>
+      </p:sp>
+      <p:sp>
+        <p:nvSpPr>
+          <p:cNvPr id="4" name="Date Placeholder 3"/>
           <p:cNvSpPr>
             <a:spLocks noGrp="1"/>
           </p:cNvSpPr>
@@ -666,7 +1431,7 @@
           <a:p>
             <a:fld id="{A8B27BE4-E27A-41D6-9DF3-963E3EE331C4}" type="datetimeFigureOut">
               <a:rPr lang="en-US" smtClean="0"/>
-              <a:t>3/28/2023</a:t>
+              <a:t>3/30/2023</a:t>
             </a:fld>
             <a:endParaRPr lang="en-US"/>
           </a:p>
@@ -674,13 +1439,7 @@
       </p:sp>
       <p:sp>
         <p:nvSpPr>
-          <p:cNvPr id="5" name="Footer Placeholder 4">
-            <a:extLst>
-              <a:ext uri="{FF2B5EF4-FFF2-40B4-BE49-F238E27FC236}">
-                <a16:creationId xmlns:a16="http://schemas.microsoft.com/office/drawing/2014/main" id="{81F915DA-598D-B563-64C5-E2C497A8A194}"/>
-              </a:ext>
-            </a:extLst>
-          </p:cNvPr>
+          <p:cNvPr id="5" name="Footer Placeholder 4"/>
           <p:cNvSpPr>
             <a:spLocks noGrp="1"/>
           </p:cNvSpPr>
@@ -699,13 +1458,7 @@
       </p:sp>
       <p:sp>
         <p:nvSpPr>
-          <p:cNvPr id="6" name="Slide Number Placeholder 5">
-            <a:extLst>
-              <a:ext uri="{FF2B5EF4-FFF2-40B4-BE49-F238E27FC236}">
-                <a16:creationId xmlns:a16="http://schemas.microsoft.com/office/drawing/2014/main" id="{A626F4D4-40BA-7AEA-9820-4B7ABF86BEE6}"/>
-              </a:ext>
-            </a:extLst>
-          </p:cNvPr>
+          <p:cNvPr id="6" name="Slide Number Placeholder 5"/>
           <p:cNvSpPr>
             <a:spLocks noGrp="1"/>
           </p:cNvSpPr>
@@ -729,7 +1482,7 @@
     </p:spTree>
     <p:extLst>
       <p:ext uri="{BB962C8B-B14F-4D97-AF65-F5344CB8AC3E}">
-        <p14:creationId xmlns:p14="http://schemas.microsoft.com/office/powerpoint/2010/main" val="3052669144"/>
+        <p14:creationId xmlns:p14="http://schemas.microsoft.com/office/powerpoint/2010/main" val="2968206193"/>
       </p:ext>
     </p:extLst>
   </p:cSld>
@@ -758,13 +1511,7 @@
       </p:grpSpPr>
       <p:sp>
         <p:nvSpPr>
-          <p:cNvPr id="2" name="Title 1">
-            <a:extLst>
-              <a:ext uri="{FF2B5EF4-FFF2-40B4-BE49-F238E27FC236}">
-                <a16:creationId xmlns:a16="http://schemas.microsoft.com/office/drawing/2014/main" id="{2A4440E2-E6FA-8FB1-BFB3-9F3DACCE8F93}"/>
-              </a:ext>
-            </a:extLst>
-          </p:cNvPr>
+          <p:cNvPr id="2" name="Title 1"/>
           <p:cNvSpPr>
             <a:spLocks noGrp="1"/>
           </p:cNvSpPr>
@@ -781,18 +1528,13 @@
               <a:rPr lang="en-US"/>
               <a:t>Click to edit Master title style</a:t>
             </a:r>
-          </a:p>
-        </p:txBody>
-      </p:sp>
-      <p:sp>
-        <p:nvSpPr>
-          <p:cNvPr id="3" name="Content Placeholder 2">
-            <a:extLst>
-              <a:ext uri="{FF2B5EF4-FFF2-40B4-BE49-F238E27FC236}">
-                <a16:creationId xmlns:a16="http://schemas.microsoft.com/office/drawing/2014/main" id="{96747D8F-C9AB-A5E1-F050-6F51E60C7E01}"/>
-              </a:ext>
-            </a:extLst>
-          </p:cNvPr>
+            <a:endParaRPr lang="en-US" dirty="0"/>
+          </a:p>
+        </p:txBody>
+      </p:sp>
+      <p:sp>
+        <p:nvSpPr>
+          <p:cNvPr id="3" name="Content Placeholder 2"/>
           <p:cNvSpPr>
             <a:spLocks noGrp="1"/>
           </p:cNvSpPr>
@@ -838,18 +1580,13 @@
               <a:rPr lang="en-US"/>
               <a:t>Fifth level</a:t>
             </a:r>
-          </a:p>
-        </p:txBody>
-      </p:sp>
-      <p:sp>
-        <p:nvSpPr>
-          <p:cNvPr id="4" name="Date Placeholder 3">
-            <a:extLst>
-              <a:ext uri="{FF2B5EF4-FFF2-40B4-BE49-F238E27FC236}">
-                <a16:creationId xmlns:a16="http://schemas.microsoft.com/office/drawing/2014/main" id="{6E392D17-D447-36B9-C636-F13AC3FE51D7}"/>
-              </a:ext>
-            </a:extLst>
-          </p:cNvPr>
+            <a:endParaRPr lang="en-US" dirty="0"/>
+          </a:p>
+        </p:txBody>
+      </p:sp>
+      <p:sp>
+        <p:nvSpPr>
+          <p:cNvPr id="4" name="Date Placeholder 3"/>
           <p:cNvSpPr>
             <a:spLocks noGrp="1"/>
           </p:cNvSpPr>
@@ -864,7 +1601,7 @@
           <a:p>
             <a:fld id="{A8B27BE4-E27A-41D6-9DF3-963E3EE331C4}" type="datetimeFigureOut">
               <a:rPr lang="en-US" smtClean="0"/>
-              <a:t>3/28/2023</a:t>
+              <a:t>3/30/2023</a:t>
             </a:fld>
             <a:endParaRPr lang="en-US"/>
           </a:p>
@@ -872,13 +1609,7 @@
       </p:sp>
       <p:sp>
         <p:nvSpPr>
-          <p:cNvPr id="5" name="Footer Placeholder 4">
-            <a:extLst>
-              <a:ext uri="{FF2B5EF4-FFF2-40B4-BE49-F238E27FC236}">
-                <a16:creationId xmlns:a16="http://schemas.microsoft.com/office/drawing/2014/main" id="{E852DA15-3F9F-84B9-7A52-259F5CB75BDF}"/>
-              </a:ext>
-            </a:extLst>
-          </p:cNvPr>
+          <p:cNvPr id="5" name="Footer Placeholder 4"/>
           <p:cNvSpPr>
             <a:spLocks noGrp="1"/>
           </p:cNvSpPr>
@@ -897,13 +1628,7 @@
       </p:sp>
       <p:sp>
         <p:nvSpPr>
-          <p:cNvPr id="6" name="Slide Number Placeholder 5">
-            <a:extLst>
-              <a:ext uri="{FF2B5EF4-FFF2-40B4-BE49-F238E27FC236}">
-                <a16:creationId xmlns:a16="http://schemas.microsoft.com/office/drawing/2014/main" id="{0B637567-2015-0396-CEDD-77E1CF7C1C7F}"/>
-              </a:ext>
-            </a:extLst>
-          </p:cNvPr>
+          <p:cNvPr id="6" name="Slide Number Placeholder 5"/>
           <p:cNvSpPr>
             <a:spLocks noGrp="1"/>
           </p:cNvSpPr>
@@ -927,7 +1652,7 @@
     </p:spTree>
     <p:extLst>
       <p:ext uri="{BB962C8B-B14F-4D97-AF65-F5344CB8AC3E}">
-        <p14:creationId xmlns:p14="http://schemas.microsoft.com/office/powerpoint/2010/main" val="297111697"/>
+        <p14:creationId xmlns:p14="http://schemas.microsoft.com/office/powerpoint/2010/main" val="2955885912"/>
       </p:ext>
     </p:extLst>
   </p:cSld>
@@ -956,13 +1681,7 @@
       </p:grpSpPr>
       <p:sp>
         <p:nvSpPr>
-          <p:cNvPr id="2" name="Title 1">
-            <a:extLst>
-              <a:ext uri="{FF2B5EF4-FFF2-40B4-BE49-F238E27FC236}">
-                <a16:creationId xmlns:a16="http://schemas.microsoft.com/office/drawing/2014/main" id="{4EC53DCC-8F68-CE09-CEFB-7D6BDD4427A2}"/>
-              </a:ext>
-            </a:extLst>
-          </p:cNvPr>
+          <p:cNvPr id="2" name="Title 1"/>
           <p:cNvSpPr>
             <a:spLocks noGrp="1"/>
           </p:cNvSpPr>
@@ -972,7 +1691,7 @@
         </p:nvSpPr>
         <p:spPr>
           <a:xfrm>
-            <a:off x="831850" y="1709738"/>
+            <a:off x="831850" y="1709741"/>
             <a:ext cx="10515600" cy="2852737"/>
           </a:xfrm>
         </p:spPr>
@@ -988,18 +1707,13 @@
               <a:rPr lang="en-US"/>
               <a:t>Click to edit Master title style</a:t>
             </a:r>
-          </a:p>
-        </p:txBody>
-      </p:sp>
-      <p:sp>
-        <p:nvSpPr>
-          <p:cNvPr id="3" name="Text Placeholder 2">
-            <a:extLst>
-              <a:ext uri="{FF2B5EF4-FFF2-40B4-BE49-F238E27FC236}">
-                <a16:creationId xmlns:a16="http://schemas.microsoft.com/office/drawing/2014/main" id="{4E60FAB3-7412-7CC0-7E60-949187049FC0}"/>
-              </a:ext>
-            </a:extLst>
-          </p:cNvPr>
+            <a:endParaRPr lang="en-US" dirty="0"/>
+          </a:p>
+        </p:txBody>
+      </p:sp>
+      <p:sp>
+        <p:nvSpPr>
+          <p:cNvPr id="3" name="Text Placeholder 2"/>
           <p:cNvSpPr>
             <a:spLocks noGrp="1"/>
           </p:cNvSpPr>
@@ -1009,7 +1723,7 @@
         </p:nvSpPr>
         <p:spPr>
           <a:xfrm>
-            <a:off x="831850" y="4589463"/>
+            <a:off x="831850" y="4589466"/>
             <a:ext cx="10515600" cy="1500187"/>
           </a:xfrm>
         </p:spPr>
@@ -1118,13 +1832,7 @@
       </p:sp>
       <p:sp>
         <p:nvSpPr>
-          <p:cNvPr id="4" name="Date Placeholder 3">
-            <a:extLst>
-              <a:ext uri="{FF2B5EF4-FFF2-40B4-BE49-F238E27FC236}">
-                <a16:creationId xmlns:a16="http://schemas.microsoft.com/office/drawing/2014/main" id="{FC9917B1-5A65-203A-6358-C70B067E1AEC}"/>
-              </a:ext>
-            </a:extLst>
-          </p:cNvPr>
+          <p:cNvPr id="4" name="Date Placeholder 3"/>
           <p:cNvSpPr>
             <a:spLocks noGrp="1"/>
           </p:cNvSpPr>
@@ -1139,7 +1847,7 @@
           <a:p>
             <a:fld id="{A8B27BE4-E27A-41D6-9DF3-963E3EE331C4}" type="datetimeFigureOut">
               <a:rPr lang="en-US" smtClean="0"/>
-              <a:t>3/28/2023</a:t>
+              <a:t>3/30/2023</a:t>
             </a:fld>
             <a:endParaRPr lang="en-US"/>
           </a:p>
@@ -1147,13 +1855,7 @@
       </p:sp>
       <p:sp>
         <p:nvSpPr>
-          <p:cNvPr id="5" name="Footer Placeholder 4">
-            <a:extLst>
-              <a:ext uri="{FF2B5EF4-FFF2-40B4-BE49-F238E27FC236}">
-                <a16:creationId xmlns:a16="http://schemas.microsoft.com/office/drawing/2014/main" id="{1D02D2AC-E073-4154-8E80-A1DB81EED216}"/>
-              </a:ext>
-            </a:extLst>
-          </p:cNvPr>
+          <p:cNvPr id="5" name="Footer Placeholder 4"/>
           <p:cNvSpPr>
             <a:spLocks noGrp="1"/>
           </p:cNvSpPr>
@@ -1172,13 +1874,7 @@
       </p:sp>
       <p:sp>
         <p:nvSpPr>
-          <p:cNvPr id="6" name="Slide Number Placeholder 5">
-            <a:extLst>
-              <a:ext uri="{FF2B5EF4-FFF2-40B4-BE49-F238E27FC236}">
-                <a16:creationId xmlns:a16="http://schemas.microsoft.com/office/drawing/2014/main" id="{F706A895-4412-CF41-D0CD-60C41D223569}"/>
-              </a:ext>
-            </a:extLst>
-          </p:cNvPr>
+          <p:cNvPr id="6" name="Slide Number Placeholder 5"/>
           <p:cNvSpPr>
             <a:spLocks noGrp="1"/>
           </p:cNvSpPr>
@@ -1202,7 +1898,7 @@
     </p:spTree>
     <p:extLst>
       <p:ext uri="{BB962C8B-B14F-4D97-AF65-F5344CB8AC3E}">
-        <p14:creationId xmlns:p14="http://schemas.microsoft.com/office/powerpoint/2010/main" val="2986663870"/>
+        <p14:creationId xmlns:p14="http://schemas.microsoft.com/office/powerpoint/2010/main" val="3447685747"/>
       </p:ext>
     </p:extLst>
   </p:cSld>
@@ -1231,13 +1927,7 @@
       </p:grpSpPr>
       <p:sp>
         <p:nvSpPr>
-          <p:cNvPr id="2" name="Title 1">
-            <a:extLst>
-              <a:ext uri="{FF2B5EF4-FFF2-40B4-BE49-F238E27FC236}">
-                <a16:creationId xmlns:a16="http://schemas.microsoft.com/office/drawing/2014/main" id="{A748190F-2D9A-D88F-DFCB-CFBD2EBD43F1}"/>
-              </a:ext>
-            </a:extLst>
-          </p:cNvPr>
+          <p:cNvPr id="2" name="Title 1"/>
           <p:cNvSpPr>
             <a:spLocks noGrp="1"/>
           </p:cNvSpPr>
@@ -1254,18 +1944,13 @@
               <a:rPr lang="en-US"/>
               <a:t>Click to edit Master title style</a:t>
             </a:r>
-          </a:p>
-        </p:txBody>
-      </p:sp>
-      <p:sp>
-        <p:nvSpPr>
-          <p:cNvPr id="3" name="Content Placeholder 2">
-            <a:extLst>
-              <a:ext uri="{FF2B5EF4-FFF2-40B4-BE49-F238E27FC236}">
-                <a16:creationId xmlns:a16="http://schemas.microsoft.com/office/drawing/2014/main" id="{5C32A18D-DEA8-97B5-D9A4-C7CDD5B2C9BB}"/>
-              </a:ext>
-            </a:extLst>
-          </p:cNvPr>
+            <a:endParaRPr lang="en-US" dirty="0"/>
+          </a:p>
+        </p:txBody>
+      </p:sp>
+      <p:sp>
+        <p:nvSpPr>
+          <p:cNvPr id="3" name="Content Placeholder 2"/>
           <p:cNvSpPr>
             <a:spLocks noGrp="1"/>
           </p:cNvSpPr>
@@ -1316,18 +2001,13 @@
               <a:rPr lang="en-US"/>
               <a:t>Fifth level</a:t>
             </a:r>
-          </a:p>
-        </p:txBody>
-      </p:sp>
-      <p:sp>
-        <p:nvSpPr>
-          <p:cNvPr id="4" name="Content Placeholder 3">
-            <a:extLst>
-              <a:ext uri="{FF2B5EF4-FFF2-40B4-BE49-F238E27FC236}">
-                <a16:creationId xmlns:a16="http://schemas.microsoft.com/office/drawing/2014/main" id="{40583250-B1F0-F4A0-5762-8A201A42EC09}"/>
-              </a:ext>
-            </a:extLst>
-          </p:cNvPr>
+            <a:endParaRPr lang="en-US" dirty="0"/>
+          </a:p>
+        </p:txBody>
+      </p:sp>
+      <p:sp>
+        <p:nvSpPr>
+          <p:cNvPr id="4" name="Content Placeholder 3"/>
           <p:cNvSpPr>
             <a:spLocks noGrp="1"/>
           </p:cNvSpPr>
@@ -1378,18 +2058,13 @@
               <a:rPr lang="en-US"/>
               <a:t>Fifth level</a:t>
             </a:r>
-          </a:p>
-        </p:txBody>
-      </p:sp>
-      <p:sp>
-        <p:nvSpPr>
-          <p:cNvPr id="5" name="Date Placeholder 4">
-            <a:extLst>
-              <a:ext uri="{FF2B5EF4-FFF2-40B4-BE49-F238E27FC236}">
-                <a16:creationId xmlns:a16="http://schemas.microsoft.com/office/drawing/2014/main" id="{7EB8546B-A8B8-DBC1-FBEC-BC6732F8AC1E}"/>
-              </a:ext>
-            </a:extLst>
-          </p:cNvPr>
+            <a:endParaRPr lang="en-US" dirty="0"/>
+          </a:p>
+        </p:txBody>
+      </p:sp>
+      <p:sp>
+        <p:nvSpPr>
+          <p:cNvPr id="5" name="Date Placeholder 4"/>
           <p:cNvSpPr>
             <a:spLocks noGrp="1"/>
           </p:cNvSpPr>
@@ -1404,7 +2079,7 @@
           <a:p>
             <a:fld id="{A8B27BE4-E27A-41D6-9DF3-963E3EE331C4}" type="datetimeFigureOut">
               <a:rPr lang="en-US" smtClean="0"/>
-              <a:t>3/28/2023</a:t>
+              <a:t>3/30/2023</a:t>
             </a:fld>
             <a:endParaRPr lang="en-US"/>
           </a:p>
@@ -1412,13 +2087,7 @@
       </p:sp>
       <p:sp>
         <p:nvSpPr>
-          <p:cNvPr id="6" name="Footer Placeholder 5">
-            <a:extLst>
-              <a:ext uri="{FF2B5EF4-FFF2-40B4-BE49-F238E27FC236}">
-                <a16:creationId xmlns:a16="http://schemas.microsoft.com/office/drawing/2014/main" id="{1DD9E600-64EE-2224-593F-9B371C1BCB4E}"/>
-              </a:ext>
-            </a:extLst>
-          </p:cNvPr>
+          <p:cNvPr id="6" name="Footer Placeholder 5"/>
           <p:cNvSpPr>
             <a:spLocks noGrp="1"/>
           </p:cNvSpPr>
@@ -1437,13 +2106,7 @@
       </p:sp>
       <p:sp>
         <p:nvSpPr>
-          <p:cNvPr id="7" name="Slide Number Placeholder 6">
-            <a:extLst>
-              <a:ext uri="{FF2B5EF4-FFF2-40B4-BE49-F238E27FC236}">
-                <a16:creationId xmlns:a16="http://schemas.microsoft.com/office/drawing/2014/main" id="{D13765BE-DBA4-FDDC-071B-5768D494CDBE}"/>
-              </a:ext>
-            </a:extLst>
-          </p:cNvPr>
+          <p:cNvPr id="7" name="Slide Number Placeholder 6"/>
           <p:cNvSpPr>
             <a:spLocks noGrp="1"/>
           </p:cNvSpPr>
@@ -1467,7 +2130,7 @@
     </p:spTree>
     <p:extLst>
       <p:ext uri="{BB962C8B-B14F-4D97-AF65-F5344CB8AC3E}">
-        <p14:creationId xmlns:p14="http://schemas.microsoft.com/office/powerpoint/2010/main" val="29109173"/>
+        <p14:creationId xmlns:p14="http://schemas.microsoft.com/office/powerpoint/2010/main" val="3879068146"/>
       </p:ext>
     </p:extLst>
   </p:cSld>
@@ -1496,13 +2159,7 @@
       </p:grpSpPr>
       <p:sp>
         <p:nvSpPr>
-          <p:cNvPr id="2" name="Title 1">
-            <a:extLst>
-              <a:ext uri="{FF2B5EF4-FFF2-40B4-BE49-F238E27FC236}">
-                <a16:creationId xmlns:a16="http://schemas.microsoft.com/office/drawing/2014/main" id="{B8CA73D3-B45D-BA1B-67FE-A3B50615E1DE}"/>
-              </a:ext>
-            </a:extLst>
-          </p:cNvPr>
+          <p:cNvPr id="2" name="Title 1"/>
           <p:cNvSpPr>
             <a:spLocks noGrp="1"/>
           </p:cNvSpPr>
@@ -1512,7 +2169,7 @@
         </p:nvSpPr>
         <p:spPr>
           <a:xfrm>
-            <a:off x="839788" y="365125"/>
+            <a:off x="839788" y="365128"/>
             <a:ext cx="10515600" cy="1325563"/>
           </a:xfrm>
         </p:spPr>
@@ -1524,18 +2181,13 @@
               <a:rPr lang="en-US"/>
               <a:t>Click to edit Master title style</a:t>
             </a:r>
-          </a:p>
-        </p:txBody>
-      </p:sp>
-      <p:sp>
-        <p:nvSpPr>
-          <p:cNvPr id="3" name="Text Placeholder 2">
-            <a:extLst>
-              <a:ext uri="{FF2B5EF4-FFF2-40B4-BE49-F238E27FC236}">
-                <a16:creationId xmlns:a16="http://schemas.microsoft.com/office/drawing/2014/main" id="{B8379DC8-7DA0-9F1A-1416-EC24F8F1C405}"/>
-              </a:ext>
-            </a:extLst>
-          </p:cNvPr>
+            <a:endParaRPr lang="en-US" dirty="0"/>
+          </a:p>
+        </p:txBody>
+      </p:sp>
+      <p:sp>
+        <p:nvSpPr>
+          <p:cNvPr id="3" name="Text Placeholder 2"/>
           <p:cNvSpPr>
             <a:spLocks noGrp="1"/>
           </p:cNvSpPr>
@@ -1545,7 +2197,7 @@
         </p:nvSpPr>
         <p:spPr>
           <a:xfrm>
-            <a:off x="839788" y="1681163"/>
+            <a:off x="839789" y="1681163"/>
             <a:ext cx="5157787" cy="823912"/>
           </a:xfrm>
         </p:spPr>
@@ -1600,13 +2252,7 @@
       </p:sp>
       <p:sp>
         <p:nvSpPr>
-          <p:cNvPr id="4" name="Content Placeholder 3">
-            <a:extLst>
-              <a:ext uri="{FF2B5EF4-FFF2-40B4-BE49-F238E27FC236}">
-                <a16:creationId xmlns:a16="http://schemas.microsoft.com/office/drawing/2014/main" id="{E7F0ECBB-BDD8-98C9-DC70-F5C889DCAE9A}"/>
-              </a:ext>
-            </a:extLst>
-          </p:cNvPr>
+          <p:cNvPr id="4" name="Content Placeholder 3"/>
           <p:cNvSpPr>
             <a:spLocks noGrp="1"/>
           </p:cNvSpPr>
@@ -1616,7 +2262,7 @@
         </p:nvSpPr>
         <p:spPr>
           <a:xfrm>
-            <a:off x="839788" y="2505075"/>
+            <a:off x="839789" y="2505075"/>
             <a:ext cx="5157787" cy="3684588"/>
           </a:xfrm>
         </p:spPr>
@@ -1657,18 +2303,13 @@
               <a:rPr lang="en-US"/>
               <a:t>Fifth level</a:t>
             </a:r>
-          </a:p>
-        </p:txBody>
-      </p:sp>
-      <p:sp>
-        <p:nvSpPr>
-          <p:cNvPr id="5" name="Text Placeholder 4">
-            <a:extLst>
-              <a:ext uri="{FF2B5EF4-FFF2-40B4-BE49-F238E27FC236}">
-                <a16:creationId xmlns:a16="http://schemas.microsoft.com/office/drawing/2014/main" id="{FC35832F-7696-E2A2-E63F-7EF244CC0D6A}"/>
-              </a:ext>
-            </a:extLst>
-          </p:cNvPr>
+            <a:endParaRPr lang="en-US" dirty="0"/>
+          </a:p>
+        </p:txBody>
+      </p:sp>
+      <p:sp>
+        <p:nvSpPr>
+          <p:cNvPr id="5" name="Text Placeholder 4"/>
           <p:cNvSpPr>
             <a:spLocks noGrp="1"/>
           </p:cNvSpPr>
@@ -1678,7 +2319,7 @@
         </p:nvSpPr>
         <p:spPr>
           <a:xfrm>
-            <a:off x="6172200" y="1681163"/>
+            <a:off x="6172202" y="1681163"/>
             <a:ext cx="5183188" cy="823912"/>
           </a:xfrm>
         </p:spPr>
@@ -1733,13 +2374,7 @@
       </p:sp>
       <p:sp>
         <p:nvSpPr>
-          <p:cNvPr id="6" name="Content Placeholder 5">
-            <a:extLst>
-              <a:ext uri="{FF2B5EF4-FFF2-40B4-BE49-F238E27FC236}">
-                <a16:creationId xmlns:a16="http://schemas.microsoft.com/office/drawing/2014/main" id="{C5A3F0DA-EFD8-1C12-FFAC-BC75942791D8}"/>
-              </a:ext>
-            </a:extLst>
-          </p:cNvPr>
+          <p:cNvPr id="6" name="Content Placeholder 5"/>
           <p:cNvSpPr>
             <a:spLocks noGrp="1"/>
           </p:cNvSpPr>
@@ -1749,7 +2384,7 @@
         </p:nvSpPr>
         <p:spPr>
           <a:xfrm>
-            <a:off x="6172200" y="2505075"/>
+            <a:off x="6172202" y="2505075"/>
             <a:ext cx="5183188" cy="3684588"/>
           </a:xfrm>
         </p:spPr>
@@ -1790,18 +2425,13 @@
               <a:rPr lang="en-US"/>
               <a:t>Fifth level</a:t>
             </a:r>
-          </a:p>
-        </p:txBody>
-      </p:sp>
-      <p:sp>
-        <p:nvSpPr>
-          <p:cNvPr id="7" name="Date Placeholder 6">
-            <a:extLst>
-              <a:ext uri="{FF2B5EF4-FFF2-40B4-BE49-F238E27FC236}">
-                <a16:creationId xmlns:a16="http://schemas.microsoft.com/office/drawing/2014/main" id="{A1A051FC-A64F-3C84-A653-D10C8DE36E2C}"/>
-              </a:ext>
-            </a:extLst>
-          </p:cNvPr>
+            <a:endParaRPr lang="en-US" dirty="0"/>
+          </a:p>
+        </p:txBody>
+      </p:sp>
+      <p:sp>
+        <p:nvSpPr>
+          <p:cNvPr id="7" name="Date Placeholder 6"/>
           <p:cNvSpPr>
             <a:spLocks noGrp="1"/>
           </p:cNvSpPr>
@@ -1816,7 +2446,7 @@
           <a:p>
             <a:fld id="{A8B27BE4-E27A-41D6-9DF3-963E3EE331C4}" type="datetimeFigureOut">
               <a:rPr lang="en-US" smtClean="0"/>
-              <a:t>3/28/2023</a:t>
+              <a:t>3/30/2023</a:t>
             </a:fld>
             <a:endParaRPr lang="en-US"/>
           </a:p>
@@ -1824,13 +2454,7 @@
       </p:sp>
       <p:sp>
         <p:nvSpPr>
-          <p:cNvPr id="8" name="Footer Placeholder 7">
-            <a:extLst>
-              <a:ext uri="{FF2B5EF4-FFF2-40B4-BE49-F238E27FC236}">
-                <a16:creationId xmlns:a16="http://schemas.microsoft.com/office/drawing/2014/main" id="{E1576B8B-89B8-7CC9-4AE7-C8419BDFA22B}"/>
-              </a:ext>
-            </a:extLst>
-          </p:cNvPr>
+          <p:cNvPr id="8" name="Footer Placeholder 7"/>
           <p:cNvSpPr>
             <a:spLocks noGrp="1"/>
           </p:cNvSpPr>
@@ -1849,13 +2473,7 @@
       </p:sp>
       <p:sp>
         <p:nvSpPr>
-          <p:cNvPr id="9" name="Slide Number Placeholder 8">
-            <a:extLst>
-              <a:ext uri="{FF2B5EF4-FFF2-40B4-BE49-F238E27FC236}">
-                <a16:creationId xmlns:a16="http://schemas.microsoft.com/office/drawing/2014/main" id="{88C29D13-747F-97A5-8D69-5CB83CE4A694}"/>
-              </a:ext>
-            </a:extLst>
-          </p:cNvPr>
+          <p:cNvPr id="9" name="Slide Number Placeholder 8"/>
           <p:cNvSpPr>
             <a:spLocks noGrp="1"/>
           </p:cNvSpPr>
@@ -1879,7 +2497,7 @@
     </p:spTree>
     <p:extLst>
       <p:ext uri="{BB962C8B-B14F-4D97-AF65-F5344CB8AC3E}">
-        <p14:creationId xmlns:p14="http://schemas.microsoft.com/office/powerpoint/2010/main" val="613489137"/>
+        <p14:creationId xmlns:p14="http://schemas.microsoft.com/office/powerpoint/2010/main" val="1429144535"/>
       </p:ext>
     </p:extLst>
   </p:cSld>
@@ -1908,13 +2526,7 @@
       </p:grpSpPr>
       <p:sp>
         <p:nvSpPr>
-          <p:cNvPr id="2" name="Title 1">
-            <a:extLst>
-              <a:ext uri="{FF2B5EF4-FFF2-40B4-BE49-F238E27FC236}">
-                <a16:creationId xmlns:a16="http://schemas.microsoft.com/office/drawing/2014/main" id="{1DBF95BE-FD7B-F3BE-A36C-79545C0EC91E}"/>
-              </a:ext>
-            </a:extLst>
-          </p:cNvPr>
+          <p:cNvPr id="2" name="Title 1"/>
           <p:cNvSpPr>
             <a:spLocks noGrp="1"/>
           </p:cNvSpPr>
@@ -1931,18 +2543,13 @@
               <a:rPr lang="en-US"/>
               <a:t>Click to edit Master title style</a:t>
             </a:r>
-          </a:p>
-        </p:txBody>
-      </p:sp>
-      <p:sp>
-        <p:nvSpPr>
-          <p:cNvPr id="3" name="Date Placeholder 2">
-            <a:extLst>
-              <a:ext uri="{FF2B5EF4-FFF2-40B4-BE49-F238E27FC236}">
-                <a16:creationId xmlns:a16="http://schemas.microsoft.com/office/drawing/2014/main" id="{F07F22EB-3076-C2EC-2411-C4F0395ABAE7}"/>
-              </a:ext>
-            </a:extLst>
-          </p:cNvPr>
+            <a:endParaRPr lang="en-US" dirty="0"/>
+          </a:p>
+        </p:txBody>
+      </p:sp>
+      <p:sp>
+        <p:nvSpPr>
+          <p:cNvPr id="3" name="Date Placeholder 2"/>
           <p:cNvSpPr>
             <a:spLocks noGrp="1"/>
           </p:cNvSpPr>
@@ -1957,7 +2564,7 @@
           <a:p>
             <a:fld id="{A8B27BE4-E27A-41D6-9DF3-963E3EE331C4}" type="datetimeFigureOut">
               <a:rPr lang="en-US" smtClean="0"/>
-              <a:t>3/28/2023</a:t>
+              <a:t>3/30/2023</a:t>
             </a:fld>
             <a:endParaRPr lang="en-US"/>
           </a:p>
@@ -1965,13 +2572,7 @@
       </p:sp>
       <p:sp>
         <p:nvSpPr>
-          <p:cNvPr id="4" name="Footer Placeholder 3">
-            <a:extLst>
-              <a:ext uri="{FF2B5EF4-FFF2-40B4-BE49-F238E27FC236}">
-                <a16:creationId xmlns:a16="http://schemas.microsoft.com/office/drawing/2014/main" id="{DEFF3EDF-F214-1CE9-6C0B-47DB601F97E4}"/>
-              </a:ext>
-            </a:extLst>
-          </p:cNvPr>
+          <p:cNvPr id="4" name="Footer Placeholder 3"/>
           <p:cNvSpPr>
             <a:spLocks noGrp="1"/>
           </p:cNvSpPr>
@@ -1990,13 +2591,7 @@
       </p:sp>
       <p:sp>
         <p:nvSpPr>
-          <p:cNvPr id="5" name="Slide Number Placeholder 4">
-            <a:extLst>
-              <a:ext uri="{FF2B5EF4-FFF2-40B4-BE49-F238E27FC236}">
-                <a16:creationId xmlns:a16="http://schemas.microsoft.com/office/drawing/2014/main" id="{EC259F8B-1668-EBBA-1086-83B87C1E77DF}"/>
-              </a:ext>
-            </a:extLst>
-          </p:cNvPr>
+          <p:cNvPr id="5" name="Slide Number Placeholder 4"/>
           <p:cNvSpPr>
             <a:spLocks noGrp="1"/>
           </p:cNvSpPr>
@@ -2020,7 +2615,7 @@
     </p:spTree>
     <p:extLst>
       <p:ext uri="{BB962C8B-B14F-4D97-AF65-F5344CB8AC3E}">
-        <p14:creationId xmlns:p14="http://schemas.microsoft.com/office/powerpoint/2010/main" val="2653905568"/>
+        <p14:creationId xmlns:p14="http://schemas.microsoft.com/office/powerpoint/2010/main" val="510432045"/>
       </p:ext>
     </p:extLst>
   </p:cSld>
@@ -2049,13 +2644,7 @@
       </p:grpSpPr>
       <p:sp>
         <p:nvSpPr>
-          <p:cNvPr id="2" name="Date Placeholder 1">
-            <a:extLst>
-              <a:ext uri="{FF2B5EF4-FFF2-40B4-BE49-F238E27FC236}">
-                <a16:creationId xmlns:a16="http://schemas.microsoft.com/office/drawing/2014/main" id="{024E5867-85E4-42F6-8C44-489090D9879E}"/>
-              </a:ext>
-            </a:extLst>
-          </p:cNvPr>
+          <p:cNvPr id="2" name="Date Placeholder 1"/>
           <p:cNvSpPr>
             <a:spLocks noGrp="1"/>
           </p:cNvSpPr>
@@ -2070,7 +2659,7 @@
           <a:p>
             <a:fld id="{A8B27BE4-E27A-41D6-9DF3-963E3EE331C4}" type="datetimeFigureOut">
               <a:rPr lang="en-US" smtClean="0"/>
-              <a:t>3/28/2023</a:t>
+              <a:t>3/30/2023</a:t>
             </a:fld>
             <a:endParaRPr lang="en-US"/>
           </a:p>
@@ -2078,13 +2667,7 @@
       </p:sp>
       <p:sp>
         <p:nvSpPr>
-          <p:cNvPr id="3" name="Footer Placeholder 2">
-            <a:extLst>
-              <a:ext uri="{FF2B5EF4-FFF2-40B4-BE49-F238E27FC236}">
-                <a16:creationId xmlns:a16="http://schemas.microsoft.com/office/drawing/2014/main" id="{01ACBFBE-1EF1-846C-6DCE-5DA93F2CAEDE}"/>
-              </a:ext>
-            </a:extLst>
-          </p:cNvPr>
+          <p:cNvPr id="3" name="Footer Placeholder 2"/>
           <p:cNvSpPr>
             <a:spLocks noGrp="1"/>
           </p:cNvSpPr>
@@ -2103,13 +2686,7 @@
       </p:sp>
       <p:sp>
         <p:nvSpPr>
-          <p:cNvPr id="4" name="Slide Number Placeholder 3">
-            <a:extLst>
-              <a:ext uri="{FF2B5EF4-FFF2-40B4-BE49-F238E27FC236}">
-                <a16:creationId xmlns:a16="http://schemas.microsoft.com/office/drawing/2014/main" id="{8DF9732C-5A7D-014A-F446-012932D0E652}"/>
-              </a:ext>
-            </a:extLst>
-          </p:cNvPr>
+          <p:cNvPr id="4" name="Slide Number Placeholder 3"/>
           <p:cNvSpPr>
             <a:spLocks noGrp="1"/>
           </p:cNvSpPr>
@@ -2133,7 +2710,7 @@
     </p:spTree>
     <p:extLst>
       <p:ext uri="{BB962C8B-B14F-4D97-AF65-F5344CB8AC3E}">
-        <p14:creationId xmlns:p14="http://schemas.microsoft.com/office/powerpoint/2010/main" val="51050061"/>
+        <p14:creationId xmlns:p14="http://schemas.microsoft.com/office/powerpoint/2010/main" val="2144058053"/>
       </p:ext>
     </p:extLst>
   </p:cSld>
@@ -2162,13 +2739,7 @@
       </p:grpSpPr>
       <p:sp>
         <p:nvSpPr>
-          <p:cNvPr id="2" name="Title 1">
-            <a:extLst>
-              <a:ext uri="{FF2B5EF4-FFF2-40B4-BE49-F238E27FC236}">
-                <a16:creationId xmlns:a16="http://schemas.microsoft.com/office/drawing/2014/main" id="{8386BB44-5296-3AAD-880C-CDC79BBE6362}"/>
-              </a:ext>
-            </a:extLst>
-          </p:cNvPr>
+          <p:cNvPr id="2" name="Title 1"/>
           <p:cNvSpPr>
             <a:spLocks noGrp="1"/>
           </p:cNvSpPr>
@@ -2178,7 +2749,7 @@
         </p:nvSpPr>
         <p:spPr>
           <a:xfrm>
-            <a:off x="839788" y="457200"/>
+            <a:off x="839791" y="457200"/>
             <a:ext cx="3932237" cy="1600200"/>
           </a:xfrm>
         </p:spPr>
@@ -2194,18 +2765,13 @@
               <a:rPr lang="en-US"/>
               <a:t>Click to edit Master title style</a:t>
             </a:r>
-          </a:p>
-        </p:txBody>
-      </p:sp>
-      <p:sp>
-        <p:nvSpPr>
-          <p:cNvPr id="3" name="Content Placeholder 2">
-            <a:extLst>
-              <a:ext uri="{FF2B5EF4-FFF2-40B4-BE49-F238E27FC236}">
-                <a16:creationId xmlns:a16="http://schemas.microsoft.com/office/drawing/2014/main" id="{22E341A6-D97D-00DD-4A9A-9FFD805865D8}"/>
-              </a:ext>
-            </a:extLst>
-          </p:cNvPr>
+            <a:endParaRPr lang="en-US" dirty="0"/>
+          </a:p>
+        </p:txBody>
+      </p:sp>
+      <p:sp>
+        <p:nvSpPr>
+          <p:cNvPr id="3" name="Content Placeholder 2"/>
           <p:cNvSpPr>
             <a:spLocks noGrp="1"/>
           </p:cNvSpPr>
@@ -2215,7 +2781,7 @@
         </p:nvSpPr>
         <p:spPr>
           <a:xfrm>
-            <a:off x="5183188" y="987425"/>
+            <a:off x="5183190" y="987428"/>
             <a:ext cx="6172200" cy="4873625"/>
           </a:xfrm>
         </p:spPr>
@@ -2284,18 +2850,13 @@
               <a:rPr lang="en-US"/>
               <a:t>Fifth level</a:t>
             </a:r>
-          </a:p>
-        </p:txBody>
-      </p:sp>
-      <p:sp>
-        <p:nvSpPr>
-          <p:cNvPr id="4" name="Text Placeholder 3">
-            <a:extLst>
-              <a:ext uri="{FF2B5EF4-FFF2-40B4-BE49-F238E27FC236}">
-                <a16:creationId xmlns:a16="http://schemas.microsoft.com/office/drawing/2014/main" id="{053BB772-D56E-93E2-D316-7C61F6976B58}"/>
-              </a:ext>
-            </a:extLst>
-          </p:cNvPr>
+            <a:endParaRPr lang="en-US" dirty="0"/>
+          </a:p>
+        </p:txBody>
+      </p:sp>
+      <p:sp>
+        <p:nvSpPr>
+          <p:cNvPr id="4" name="Text Placeholder 3"/>
           <p:cNvSpPr>
             <a:spLocks noGrp="1"/>
           </p:cNvSpPr>
@@ -2305,7 +2866,7 @@
         </p:nvSpPr>
         <p:spPr>
           <a:xfrm>
-            <a:off x="839788" y="2057400"/>
+            <a:off x="839791" y="2057400"/>
             <a:ext cx="3932237" cy="3811588"/>
           </a:xfrm>
         </p:spPr>
@@ -2360,13 +2921,7 @@
       </p:sp>
       <p:sp>
         <p:nvSpPr>
-          <p:cNvPr id="5" name="Date Placeholder 4">
-            <a:extLst>
-              <a:ext uri="{FF2B5EF4-FFF2-40B4-BE49-F238E27FC236}">
-                <a16:creationId xmlns:a16="http://schemas.microsoft.com/office/drawing/2014/main" id="{BE701039-C200-8F57-14B5-C332F499F254}"/>
-              </a:ext>
-            </a:extLst>
-          </p:cNvPr>
+          <p:cNvPr id="5" name="Date Placeholder 4"/>
           <p:cNvSpPr>
             <a:spLocks noGrp="1"/>
           </p:cNvSpPr>
@@ -2381,7 +2936,7 @@
           <a:p>
             <a:fld id="{A8B27BE4-E27A-41D6-9DF3-963E3EE331C4}" type="datetimeFigureOut">
               <a:rPr lang="en-US" smtClean="0"/>
-              <a:t>3/28/2023</a:t>
+              <a:t>3/30/2023</a:t>
             </a:fld>
             <a:endParaRPr lang="en-US"/>
           </a:p>
@@ -2389,13 +2944,7 @@
       </p:sp>
       <p:sp>
         <p:nvSpPr>
-          <p:cNvPr id="6" name="Footer Placeholder 5">
-            <a:extLst>
-              <a:ext uri="{FF2B5EF4-FFF2-40B4-BE49-F238E27FC236}">
-                <a16:creationId xmlns:a16="http://schemas.microsoft.com/office/drawing/2014/main" id="{312B5427-2854-64DE-8E70-C72E1FD0C91A}"/>
-              </a:ext>
-            </a:extLst>
-          </p:cNvPr>
+          <p:cNvPr id="6" name="Footer Placeholder 5"/>
           <p:cNvSpPr>
             <a:spLocks noGrp="1"/>
           </p:cNvSpPr>
@@ -2414,13 +2963,7 @@
       </p:sp>
       <p:sp>
         <p:nvSpPr>
-          <p:cNvPr id="7" name="Slide Number Placeholder 6">
-            <a:extLst>
-              <a:ext uri="{FF2B5EF4-FFF2-40B4-BE49-F238E27FC236}">
-                <a16:creationId xmlns:a16="http://schemas.microsoft.com/office/drawing/2014/main" id="{63EC521D-4FDA-F58F-C2EA-64C0286B4CDC}"/>
-              </a:ext>
-            </a:extLst>
-          </p:cNvPr>
+          <p:cNvPr id="7" name="Slide Number Placeholder 6"/>
           <p:cNvSpPr>
             <a:spLocks noGrp="1"/>
           </p:cNvSpPr>
@@ -2444,7 +2987,7 @@
     </p:spTree>
     <p:extLst>
       <p:ext uri="{BB962C8B-B14F-4D97-AF65-F5344CB8AC3E}">
-        <p14:creationId xmlns:p14="http://schemas.microsoft.com/office/powerpoint/2010/main" val="1028735449"/>
+        <p14:creationId xmlns:p14="http://schemas.microsoft.com/office/powerpoint/2010/main" val="3999527765"/>
       </p:ext>
     </p:extLst>
   </p:cSld>
@@ -2473,13 +3016,7 @@
       </p:grpSpPr>
       <p:sp>
         <p:nvSpPr>
-          <p:cNvPr id="2" name="Title 1">
-            <a:extLst>
-              <a:ext uri="{FF2B5EF4-FFF2-40B4-BE49-F238E27FC236}">
-                <a16:creationId xmlns:a16="http://schemas.microsoft.com/office/drawing/2014/main" id="{996E7562-C9AA-7B32-11B9-F6DFA76DAEDC}"/>
-              </a:ext>
-            </a:extLst>
-          </p:cNvPr>
+          <p:cNvPr id="2" name="Title 1"/>
           <p:cNvSpPr>
             <a:spLocks noGrp="1"/>
           </p:cNvSpPr>
@@ -2489,7 +3026,7 @@
         </p:nvSpPr>
         <p:spPr>
           <a:xfrm>
-            <a:off x="839788" y="457200"/>
+            <a:off x="839791" y="457200"/>
             <a:ext cx="3932237" cy="1600200"/>
           </a:xfrm>
         </p:spPr>
@@ -2505,20 +3042,15 @@
               <a:rPr lang="en-US"/>
               <a:t>Click to edit Master title style</a:t>
             </a:r>
-          </a:p>
-        </p:txBody>
-      </p:sp>
-      <p:sp>
-        <p:nvSpPr>
-          <p:cNvPr id="3" name="Picture Placeholder 2">
-            <a:extLst>
-              <a:ext uri="{FF2B5EF4-FFF2-40B4-BE49-F238E27FC236}">
-                <a16:creationId xmlns:a16="http://schemas.microsoft.com/office/drawing/2014/main" id="{B77844F7-62F4-6089-1DE1-D36771DD152F}"/>
-              </a:ext>
-            </a:extLst>
-          </p:cNvPr>
+            <a:endParaRPr lang="en-US" dirty="0"/>
+          </a:p>
+        </p:txBody>
+      </p:sp>
+      <p:sp>
+        <p:nvSpPr>
+          <p:cNvPr id="3" name="Picture Placeholder 2"/>
           <p:cNvSpPr>
-            <a:spLocks noGrp="1"/>
+            <a:spLocks noGrp="1" noChangeAspect="1"/>
           </p:cNvSpPr>
           <p:nvPr>
             <p:ph type="pic" idx="1"/>
@@ -2526,12 +3058,12 @@
         </p:nvSpPr>
         <p:spPr>
           <a:xfrm>
-            <a:off x="5183188" y="987425"/>
+            <a:off x="5183190" y="987428"/>
             <a:ext cx="6172200" cy="4873625"/>
           </a:xfrm>
         </p:spPr>
         <p:txBody>
-          <a:bodyPr/>
+          <a:bodyPr anchor="t"/>
           <a:lstStyle>
             <a:lvl1pPr marL="0" indent="0">
               <a:buNone/>
@@ -2571,19 +3103,17 @@
             </a:lvl9pPr>
           </a:lstStyle>
           <a:p>
-            <a:endParaRPr lang="en-US"/>
-          </a:p>
-        </p:txBody>
-      </p:sp>
-      <p:sp>
-        <p:nvSpPr>
-          <p:cNvPr id="4" name="Text Placeholder 3">
-            <a:extLst>
-              <a:ext uri="{FF2B5EF4-FFF2-40B4-BE49-F238E27FC236}">
-                <a16:creationId xmlns:a16="http://schemas.microsoft.com/office/drawing/2014/main" id="{F2F2025B-BF61-147B-0FCF-BF3A4C9EF007}"/>
-              </a:ext>
-            </a:extLst>
-          </p:cNvPr>
+            <a:r>
+              <a:rPr lang="en-US"/>
+              <a:t>Click icon to add picture</a:t>
+            </a:r>
+            <a:endParaRPr lang="en-US" dirty="0"/>
+          </a:p>
+        </p:txBody>
+      </p:sp>
+      <p:sp>
+        <p:nvSpPr>
+          <p:cNvPr id="4" name="Text Placeholder 3"/>
           <p:cNvSpPr>
             <a:spLocks noGrp="1"/>
           </p:cNvSpPr>
@@ -2593,7 +3123,7 @@
         </p:nvSpPr>
         <p:spPr>
           <a:xfrm>
-            <a:off x="839788" y="2057400"/>
+            <a:off x="839791" y="2057400"/>
             <a:ext cx="3932237" cy="3811588"/>
           </a:xfrm>
         </p:spPr>
@@ -2648,13 +3178,7 @@
       </p:sp>
       <p:sp>
         <p:nvSpPr>
-          <p:cNvPr id="5" name="Date Placeholder 4">
-            <a:extLst>
-              <a:ext uri="{FF2B5EF4-FFF2-40B4-BE49-F238E27FC236}">
-                <a16:creationId xmlns:a16="http://schemas.microsoft.com/office/drawing/2014/main" id="{65279165-BC56-AEB3-487A-983710B7E70F}"/>
-              </a:ext>
-            </a:extLst>
-          </p:cNvPr>
+          <p:cNvPr id="5" name="Date Placeholder 4"/>
           <p:cNvSpPr>
             <a:spLocks noGrp="1"/>
           </p:cNvSpPr>
@@ -2669,7 +3193,7 @@
           <a:p>
             <a:fld id="{A8B27BE4-E27A-41D6-9DF3-963E3EE331C4}" type="datetimeFigureOut">
               <a:rPr lang="en-US" smtClean="0"/>
-              <a:t>3/28/2023</a:t>
+              <a:t>3/30/2023</a:t>
             </a:fld>
             <a:endParaRPr lang="en-US"/>
           </a:p>
@@ -2677,13 +3201,7 @@
       </p:sp>
       <p:sp>
         <p:nvSpPr>
-          <p:cNvPr id="6" name="Footer Placeholder 5">
-            <a:extLst>
-              <a:ext uri="{FF2B5EF4-FFF2-40B4-BE49-F238E27FC236}">
-                <a16:creationId xmlns:a16="http://schemas.microsoft.com/office/drawing/2014/main" id="{723CC116-3DF8-48A7-9A9C-9E7EFC6ADA85}"/>
-              </a:ext>
-            </a:extLst>
-          </p:cNvPr>
+          <p:cNvPr id="6" name="Footer Placeholder 5"/>
           <p:cNvSpPr>
             <a:spLocks noGrp="1"/>
           </p:cNvSpPr>
@@ -2702,13 +3220,7 @@
       </p:sp>
       <p:sp>
         <p:nvSpPr>
-          <p:cNvPr id="7" name="Slide Number Placeholder 6">
-            <a:extLst>
-              <a:ext uri="{FF2B5EF4-FFF2-40B4-BE49-F238E27FC236}">
-                <a16:creationId xmlns:a16="http://schemas.microsoft.com/office/drawing/2014/main" id="{A03FB982-225A-14C4-541E-75E136DF648C}"/>
-              </a:ext>
-            </a:extLst>
-          </p:cNvPr>
+          <p:cNvPr id="7" name="Slide Number Placeholder 6"/>
           <p:cNvSpPr>
             <a:spLocks noGrp="1"/>
           </p:cNvSpPr>
@@ -2732,7 +3244,7 @@
     </p:spTree>
     <p:extLst>
       <p:ext uri="{BB962C8B-B14F-4D97-AF65-F5344CB8AC3E}">
-        <p14:creationId xmlns:p14="http://schemas.microsoft.com/office/powerpoint/2010/main" val="1739119303"/>
+        <p14:creationId xmlns:p14="http://schemas.microsoft.com/office/powerpoint/2010/main" val="2690442710"/>
       </p:ext>
     </p:extLst>
   </p:cSld>
@@ -2766,13 +3278,7 @@
       </p:grpSpPr>
       <p:sp>
         <p:nvSpPr>
-          <p:cNvPr id="2" name="Title Placeholder 1">
-            <a:extLst>
-              <a:ext uri="{FF2B5EF4-FFF2-40B4-BE49-F238E27FC236}">
-                <a16:creationId xmlns:a16="http://schemas.microsoft.com/office/drawing/2014/main" id="{23876262-DCC8-5F92-45E4-0D7EC34704D9}"/>
-              </a:ext>
-            </a:extLst>
-          </p:cNvPr>
+          <p:cNvPr id="2" name="Title Placeholder 1"/>
           <p:cNvSpPr>
             <a:spLocks noGrp="1"/>
           </p:cNvSpPr>
@@ -2782,7 +3288,7 @@
         </p:nvSpPr>
         <p:spPr>
           <a:xfrm>
-            <a:off x="838200" y="365125"/>
+            <a:off x="838200" y="365128"/>
             <a:ext cx="10515600" cy="1325563"/>
           </a:xfrm>
           <a:prstGeom prst="rect">
@@ -2799,18 +3305,13 @@
               <a:rPr lang="en-US"/>
               <a:t>Click to edit Master title style</a:t>
             </a:r>
-          </a:p>
-        </p:txBody>
-      </p:sp>
-      <p:sp>
-        <p:nvSpPr>
-          <p:cNvPr id="3" name="Text Placeholder 2">
-            <a:extLst>
-              <a:ext uri="{FF2B5EF4-FFF2-40B4-BE49-F238E27FC236}">
-                <a16:creationId xmlns:a16="http://schemas.microsoft.com/office/drawing/2014/main" id="{186A62E5-32BA-4728-F8A1-782D279AA448}"/>
-              </a:ext>
-            </a:extLst>
-          </p:cNvPr>
+            <a:endParaRPr lang="en-US" dirty="0"/>
+          </a:p>
+        </p:txBody>
+      </p:sp>
+      <p:sp>
+        <p:nvSpPr>
+          <p:cNvPr id="3" name="Text Placeholder 2"/>
           <p:cNvSpPr>
             <a:spLocks noGrp="1"/>
           </p:cNvSpPr>
@@ -2866,18 +3367,13 @@
               <a:rPr lang="en-US"/>
               <a:t>Fifth level</a:t>
             </a:r>
-          </a:p>
-        </p:txBody>
-      </p:sp>
-      <p:sp>
-        <p:nvSpPr>
-          <p:cNvPr id="4" name="Date Placeholder 3">
-            <a:extLst>
-              <a:ext uri="{FF2B5EF4-FFF2-40B4-BE49-F238E27FC236}">
-                <a16:creationId xmlns:a16="http://schemas.microsoft.com/office/drawing/2014/main" id="{A4347286-9B3F-7E5B-F4DE-60341DCC1027}"/>
-              </a:ext>
-            </a:extLst>
-          </p:cNvPr>
+            <a:endParaRPr lang="en-US" dirty="0"/>
+          </a:p>
+        </p:txBody>
+      </p:sp>
+      <p:sp>
+        <p:nvSpPr>
+          <p:cNvPr id="4" name="Date Placeholder 3"/>
           <p:cNvSpPr>
             <a:spLocks noGrp="1"/>
           </p:cNvSpPr>
@@ -2887,7 +3383,7 @@
         </p:nvSpPr>
         <p:spPr>
           <a:xfrm>
-            <a:off x="838200" y="6356350"/>
+            <a:off x="838200" y="6356353"/>
             <a:ext cx="2743200" cy="365125"/>
           </a:xfrm>
           <a:prstGeom prst="rect">
@@ -2910,7 +3406,7 @@
           <a:p>
             <a:fld id="{A8B27BE4-E27A-41D6-9DF3-963E3EE331C4}" type="datetimeFigureOut">
               <a:rPr lang="en-US" smtClean="0"/>
-              <a:t>3/28/2023</a:t>
+              <a:t>3/30/2023</a:t>
             </a:fld>
             <a:endParaRPr lang="en-US"/>
           </a:p>
@@ -2918,13 +3414,7 @@
       </p:sp>
       <p:sp>
         <p:nvSpPr>
-          <p:cNvPr id="5" name="Footer Placeholder 4">
-            <a:extLst>
-              <a:ext uri="{FF2B5EF4-FFF2-40B4-BE49-F238E27FC236}">
-                <a16:creationId xmlns:a16="http://schemas.microsoft.com/office/drawing/2014/main" id="{DE889AA6-595D-9E37-F467-8452B16D3700}"/>
-              </a:ext>
-            </a:extLst>
-          </p:cNvPr>
+          <p:cNvPr id="5" name="Footer Placeholder 4"/>
           <p:cNvSpPr>
             <a:spLocks noGrp="1"/>
           </p:cNvSpPr>
@@ -2934,7 +3424,7 @@
         </p:nvSpPr>
         <p:spPr>
           <a:xfrm>
-            <a:off x="4038600" y="6356350"/>
+            <a:off x="4038600" y="6356353"/>
             <a:ext cx="4114800" cy="365125"/>
           </a:xfrm>
           <a:prstGeom prst="rect">
@@ -2961,13 +3451,7 @@
       </p:sp>
       <p:sp>
         <p:nvSpPr>
-          <p:cNvPr id="6" name="Slide Number Placeholder 5">
-            <a:extLst>
-              <a:ext uri="{FF2B5EF4-FFF2-40B4-BE49-F238E27FC236}">
-                <a16:creationId xmlns:a16="http://schemas.microsoft.com/office/drawing/2014/main" id="{4CE1D2ED-5D59-67E4-8471-C566BDAD175D}"/>
-              </a:ext>
-            </a:extLst>
-          </p:cNvPr>
+          <p:cNvPr id="6" name="Slide Number Placeholder 5"/>
           <p:cNvSpPr>
             <a:spLocks noGrp="1"/>
           </p:cNvSpPr>
@@ -2977,7 +3461,7 @@
         </p:nvSpPr>
         <p:spPr>
           <a:xfrm>
-            <a:off x="8610600" y="6356350"/>
+            <a:off x="8610600" y="6356353"/>
             <a:ext cx="2743200" cy="365125"/>
           </a:xfrm>
           <a:prstGeom prst="rect">
@@ -3009,23 +3493,23 @@
     </p:spTree>
     <p:extLst>
       <p:ext uri="{BB962C8B-B14F-4D97-AF65-F5344CB8AC3E}">
-        <p14:creationId xmlns:p14="http://schemas.microsoft.com/office/powerpoint/2010/main" val="3616782355"/>
+        <p14:creationId xmlns:p14="http://schemas.microsoft.com/office/powerpoint/2010/main" val="2624075967"/>
       </p:ext>
     </p:extLst>
   </p:cSld>
   <p:clrMap bg1="lt1" tx1="dk1" bg2="lt2" tx2="dk2" accent1="accent1" accent2="accent2" accent3="accent3" accent4="accent4" accent5="accent5" accent6="accent6" hlink="hlink" folHlink="folHlink"/>
   <p:sldLayoutIdLst>
-    <p:sldLayoutId id="2147483649" r:id="rId1"/>
-    <p:sldLayoutId id="2147483650" r:id="rId2"/>
-    <p:sldLayoutId id="2147483651" r:id="rId3"/>
-    <p:sldLayoutId id="2147483652" r:id="rId4"/>
-    <p:sldLayoutId id="2147483653" r:id="rId5"/>
-    <p:sldLayoutId id="2147483654" r:id="rId6"/>
-    <p:sldLayoutId id="2147483655" r:id="rId7"/>
-    <p:sldLayoutId id="2147483656" r:id="rId8"/>
-    <p:sldLayoutId id="2147483657" r:id="rId9"/>
-    <p:sldLayoutId id="2147483658" r:id="rId10"/>
-    <p:sldLayoutId id="2147483659" r:id="rId11"/>
+    <p:sldLayoutId id="2147483685" r:id="rId1"/>
+    <p:sldLayoutId id="2147483686" r:id="rId2"/>
+    <p:sldLayoutId id="2147483687" r:id="rId3"/>
+    <p:sldLayoutId id="2147483688" r:id="rId4"/>
+    <p:sldLayoutId id="2147483689" r:id="rId5"/>
+    <p:sldLayoutId id="2147483690" r:id="rId6"/>
+    <p:sldLayoutId id="2147483691" r:id="rId7"/>
+    <p:sldLayoutId id="2147483692" r:id="rId8"/>
+    <p:sldLayoutId id="2147483693" r:id="rId9"/>
+    <p:sldLayoutId id="2147483694" r:id="rId10"/>
+    <p:sldLayoutId id="2147483695" r:id="rId11"/>
   </p:sldLayoutIdLst>
   <p:txStyles>
     <p:titleStyle>
@@ -3329,10 +3813,1188 @@
       </p:grpSpPr>
       <p:pic>
         <p:nvPicPr>
-          <p:cNvPr id="17" name="Picture 16">
+          <p:cNvPr id="18" name="Picture 17">
             <a:extLst>
               <a:ext uri="{FF2B5EF4-FFF2-40B4-BE49-F238E27FC236}">
-                <a16:creationId xmlns:a16="http://schemas.microsoft.com/office/drawing/2014/main" id="{8CC5BFA0-B78B-F3F9-1C49-BAB880701591}"/>
+                <a16:creationId xmlns:a16="http://schemas.microsoft.com/office/drawing/2014/main" id="{C1FB6AD5-2C9D-93C3-5B5E-3ABEEC7444DE}"/>
+              </a:ext>
+            </a:extLst>
+          </p:cNvPr>
+          <p:cNvPicPr>
+            <a:picLocks noChangeAspect="1"/>
+          </p:cNvPicPr>
+          <p:nvPr/>
+        </p:nvPicPr>
+        <p:blipFill>
+          <a:blip r:embed="rId3">
+            <a:extLst>
+              <a:ext uri="{28A0092B-C50C-407E-A947-70E740481C1C}">
+                <a14:useLocalDpi xmlns:a14="http://schemas.microsoft.com/office/drawing/2010/main" val="0"/>
+              </a:ext>
+            </a:extLst>
+          </a:blip>
+          <a:stretch>
+            <a:fillRect/>
+          </a:stretch>
+        </p:blipFill>
+        <p:spPr>
+          <a:xfrm>
+            <a:off x="1" y="371903"/>
+            <a:ext cx="9902642" cy="6486098"/>
+          </a:xfrm>
+          <a:prstGeom prst="rect">
+            <a:avLst/>
+          </a:prstGeom>
+        </p:spPr>
+      </p:pic>
+      <p:sp>
+        <p:nvSpPr>
+          <p:cNvPr id="8" name="TextBox 7">
+            <a:extLst>
+              <a:ext uri="{FF2B5EF4-FFF2-40B4-BE49-F238E27FC236}">
+                <a16:creationId xmlns:a16="http://schemas.microsoft.com/office/drawing/2014/main" id="{EAE2C7F5-FB60-407B-EC88-9929A7309008}"/>
+              </a:ext>
+            </a:extLst>
+          </p:cNvPr>
+          <p:cNvSpPr txBox="1"/>
+          <p:nvPr/>
+        </p:nvSpPr>
+        <p:spPr>
+          <a:xfrm>
+            <a:off x="10700954" y="111214"/>
+            <a:ext cx="1932414" cy="369332"/>
+          </a:xfrm>
+          <a:prstGeom prst="rect">
+            <a:avLst/>
+          </a:prstGeom>
+          <a:noFill/>
+        </p:spPr>
+        <p:txBody>
+          <a:bodyPr wrap="square" rtlCol="0">
+            <a:spAutoFit/>
+          </a:bodyPr>
+          <a:lstStyle/>
+          <a:p>
+            <a:r>
+              <a:rPr lang="en-US" dirty="0"/>
+              <a:t>Without TPU</a:t>
+            </a:r>
+          </a:p>
+        </p:txBody>
+      </p:sp>
+      <p:pic>
+        <p:nvPicPr>
+          <p:cNvPr id="15" name="Picture 14">
+            <a:extLst>
+              <a:ext uri="{FF2B5EF4-FFF2-40B4-BE49-F238E27FC236}">
+                <a16:creationId xmlns:a16="http://schemas.microsoft.com/office/drawing/2014/main" id="{62924D85-A6C2-2FF4-E081-54890F50DEB9}"/>
+              </a:ext>
+            </a:extLst>
+          </p:cNvPr>
+          <p:cNvPicPr>
+            <a:picLocks noChangeAspect="1"/>
+          </p:cNvPicPr>
+          <p:nvPr/>
+        </p:nvPicPr>
+        <p:blipFill rotWithShape="1">
+          <a:blip r:embed="rId4">
+            <a:clrChange>
+              <a:clrFrom>
+                <a:srgbClr val="FFFFFF"/>
+              </a:clrFrom>
+              <a:clrTo>
+                <a:srgbClr val="FFFFFF">
+                  <a:alpha val="0"/>
+                </a:srgbClr>
+              </a:clrTo>
+            </a:clrChange>
+            <a:extLst>
+              <a:ext uri="{28A0092B-C50C-407E-A947-70E740481C1C}">
+                <a14:useLocalDpi xmlns:a14="http://schemas.microsoft.com/office/drawing/2010/main" val="0"/>
+              </a:ext>
+            </a:extLst>
+          </a:blip>
+          <a:srcRect l="16984" r="16545"/>
+          <a:stretch/>
+        </p:blipFill>
+        <p:spPr>
+          <a:xfrm>
+            <a:off x="5511116" y="3286865"/>
+            <a:ext cx="2681416" cy="2570358"/>
+          </a:xfrm>
+          <a:prstGeom prst="rect">
+            <a:avLst/>
+          </a:prstGeom>
+        </p:spPr>
+      </p:pic>
+      <p:sp>
+        <p:nvSpPr>
+          <p:cNvPr id="19" name="TextBox 18">
+            <a:extLst>
+              <a:ext uri="{FF2B5EF4-FFF2-40B4-BE49-F238E27FC236}">
+                <a16:creationId xmlns:a16="http://schemas.microsoft.com/office/drawing/2014/main" id="{E9126BD4-75B8-88EA-4E2A-D9ACC337E83B}"/>
+              </a:ext>
+            </a:extLst>
+          </p:cNvPr>
+          <p:cNvSpPr txBox="1"/>
+          <p:nvPr/>
+        </p:nvSpPr>
+        <p:spPr>
+          <a:xfrm>
+            <a:off x="6956856" y="3102198"/>
+            <a:ext cx="642552" cy="369332"/>
+          </a:xfrm>
+          <a:prstGeom prst="rect">
+            <a:avLst/>
+          </a:prstGeom>
+          <a:noFill/>
+        </p:spPr>
+        <p:txBody>
+          <a:bodyPr wrap="square" rtlCol="0">
+            <a:spAutoFit/>
+          </a:bodyPr>
+          <a:lstStyle/>
+          <a:p>
+            <a:r>
+              <a:rPr lang="en-US" dirty="0">
+                <a:solidFill>
+                  <a:srgbClr val="FF0000"/>
+                </a:solidFill>
+                <a:latin typeface="Times New Roman" panose="02020603050405020304" pitchFamily="18" charset="0"/>
+                <a:cs typeface="Times New Roman" panose="02020603050405020304" pitchFamily="18" charset="0"/>
+              </a:rPr>
+              <a:t>*</a:t>
+            </a:r>
+          </a:p>
+        </p:txBody>
+      </p:sp>
+    </p:spTree>
+    <p:extLst>
+      <p:ext uri="{BB962C8B-B14F-4D97-AF65-F5344CB8AC3E}">
+        <p14:creationId xmlns:p14="http://schemas.microsoft.com/office/powerpoint/2010/main" val="3233434183"/>
+      </p:ext>
+    </p:extLst>
+  </p:cSld>
+  <p:clrMapOvr>
+    <a:masterClrMapping/>
+  </p:clrMapOvr>
+</p:sld>
+</file>
+
+<file path=ppt/slides/slide10.xml><?xml version="1.0" encoding="utf-8"?>
+<p:sld xmlns:a="http://schemas.openxmlformats.org/drawingml/2006/main" xmlns:r="http://schemas.openxmlformats.org/officeDocument/2006/relationships" xmlns:p="http://schemas.openxmlformats.org/presentationml/2006/main">
+  <p:cSld>
+    <p:spTree>
+      <p:nvGrpSpPr>
+        <p:cNvPr id="1" name=""/>
+        <p:cNvGrpSpPr/>
+        <p:nvPr/>
+      </p:nvGrpSpPr>
+      <p:grpSpPr>
+        <a:xfrm>
+          <a:off x="0" y="0"/>
+          <a:ext cx="0" cy="0"/>
+          <a:chOff x="0" y="0"/>
+          <a:chExt cx="0" cy="0"/>
+        </a:xfrm>
+      </p:grpSpPr>
+      <mc:AlternateContent xmlns:mc="http://schemas.openxmlformats.org/markup-compatibility/2006">
+        <mc:Choice xmlns:a14="http://schemas.microsoft.com/office/drawing/2010/main" Requires="a14">
+          <p:sp>
+            <p:nvSpPr>
+              <p:cNvPr id="14" name="TextBox 13">
+                <a:extLst>
+                  <a:ext uri="{FF2B5EF4-FFF2-40B4-BE49-F238E27FC236}">
+                    <a16:creationId xmlns:a16="http://schemas.microsoft.com/office/drawing/2014/main" id="{EE598C33-A17C-D838-BD7A-928FC5F946BA}"/>
+                  </a:ext>
+                </a:extLst>
+              </p:cNvPr>
+              <p:cNvSpPr txBox="1"/>
+              <p:nvPr/>
+            </p:nvSpPr>
+            <p:spPr>
+              <a:xfrm>
+                <a:off x="4968798" y="5792640"/>
+                <a:ext cx="1426854" cy="461665"/>
+              </a:xfrm>
+              <a:prstGeom prst="rect">
+                <a:avLst/>
+              </a:prstGeom>
+              <a:noFill/>
+            </p:spPr>
+            <p:txBody>
+              <a:bodyPr wrap="square" rtlCol="0">
+                <a:spAutoFit/>
+              </a:bodyPr>
+              <a:lstStyle/>
+              <a:p>
+                <a:pPr/>
+                <a14:m>
+                  <m:oMathPara xmlns:m="http://schemas.openxmlformats.org/officeDocument/2006/math">
+                    <m:oMathParaPr>
+                      <m:jc m:val="centerGroup"/>
+                    </m:oMathParaPr>
+                    <m:oMath xmlns:m="http://schemas.openxmlformats.org/officeDocument/2006/math">
+                      <m:sSub>
+                        <m:sSubPr>
+                          <m:ctrlPr>
+                            <a:rPr lang="en-US" sz="2400" i="1">
+                              <a:latin typeface="Cambria Math" panose="02040503050406030204" pitchFamily="18" charset="0"/>
+                            </a:rPr>
+                          </m:ctrlPr>
+                        </m:sSubPr>
+                        <m:e>
+                          <m:r>
+                            <m:rPr>
+                              <m:sty m:val="p"/>
+                            </m:rPr>
+                            <a:rPr lang="en-US" sz="2400">
+                              <a:latin typeface="Cambria Math" panose="02040503050406030204" pitchFamily="18" charset="0"/>
+                            </a:rPr>
+                            <m:t>C</m:t>
+                          </m:r>
+                        </m:e>
+                        <m:sub>
+                          <m:r>
+                            <m:rPr>
+                              <m:sty m:val="p"/>
+                            </m:rPr>
+                            <a:rPr lang="en-US" sz="2400">
+                              <a:latin typeface="Cambria Math" panose="02040503050406030204" pitchFamily="18" charset="0"/>
+                            </a:rPr>
+                            <m:t>i</m:t>
+                          </m:r>
+                        </m:sub>
+                      </m:sSub>
+                    </m:oMath>
+                  </m:oMathPara>
+                </a14:m>
+                <a:endParaRPr lang="en-US" sz="2400" dirty="0"/>
+              </a:p>
+            </p:txBody>
+          </p:sp>
+        </mc:Choice>
+        <mc:Fallback>
+          <p:sp>
+            <p:nvSpPr>
+              <p:cNvPr id="14" name="TextBox 13">
+                <a:extLst>
+                  <a:ext uri="{FF2B5EF4-FFF2-40B4-BE49-F238E27FC236}">
+                    <a16:creationId xmlns:a16="http://schemas.microsoft.com/office/drawing/2014/main" id="{EE598C33-A17C-D838-BD7A-928FC5F946BA}"/>
+                  </a:ext>
+                </a:extLst>
+              </p:cNvPr>
+              <p:cNvSpPr txBox="1">
+                <a:spLocks noRot="1" noChangeAspect="1" noMove="1" noResize="1" noEditPoints="1" noAdjustHandles="1" noChangeArrowheads="1" noChangeShapeType="1" noTextEdit="1"/>
+              </p:cNvSpPr>
+              <p:nvPr/>
+            </p:nvSpPr>
+            <p:spPr>
+              <a:xfrm>
+                <a:off x="4968798" y="5792640"/>
+                <a:ext cx="1426854" cy="461665"/>
+              </a:xfrm>
+              <a:prstGeom prst="rect">
+                <a:avLst/>
+              </a:prstGeom>
+              <a:blipFill>
+                <a:blip r:embed="rId2"/>
+                <a:stretch>
+                  <a:fillRect b="-2632"/>
+                </a:stretch>
+              </a:blipFill>
+            </p:spPr>
+            <p:txBody>
+              <a:bodyPr/>
+              <a:lstStyle/>
+              <a:p>
+                <a:r>
+                  <a:rPr lang="en-US">
+                    <a:noFill/>
+                  </a:rPr>
+                  <a:t> </a:t>
+                </a:r>
+              </a:p>
+            </p:txBody>
+          </p:sp>
+        </mc:Fallback>
+      </mc:AlternateContent>
+      <p:grpSp>
+        <p:nvGrpSpPr>
+          <p:cNvPr id="26" name="Group 25">
+            <a:extLst>
+              <a:ext uri="{FF2B5EF4-FFF2-40B4-BE49-F238E27FC236}">
+                <a16:creationId xmlns:a16="http://schemas.microsoft.com/office/drawing/2014/main" id="{4631BC48-0105-0B66-183E-49F11C7BD15A}"/>
+              </a:ext>
+            </a:extLst>
+          </p:cNvPr>
+          <p:cNvGrpSpPr/>
+          <p:nvPr/>
+        </p:nvGrpSpPr>
+        <p:grpSpPr>
+          <a:xfrm>
+            <a:off x="1575159" y="1342937"/>
+            <a:ext cx="7625803" cy="4459910"/>
+            <a:chOff x="1575152" y="1342934"/>
+            <a:chExt cx="7625802" cy="4459910"/>
+          </a:xfrm>
+        </p:grpSpPr>
+        <p:pic>
+          <p:nvPicPr>
+            <p:cNvPr id="23" name="Picture 22">
+              <a:extLst>
+                <a:ext uri="{FF2B5EF4-FFF2-40B4-BE49-F238E27FC236}">
+                  <a16:creationId xmlns:a16="http://schemas.microsoft.com/office/drawing/2014/main" id="{D9183E2D-F7CB-421F-4F9A-FC06D05F4A53}"/>
+                </a:ext>
+              </a:extLst>
+            </p:cNvPr>
+            <p:cNvPicPr>
+              <a:picLocks noChangeAspect="1"/>
+            </p:cNvPicPr>
+            <p:nvPr/>
+          </p:nvPicPr>
+          <p:blipFill rotWithShape="1">
+            <a:blip r:embed="rId3"/>
+            <a:srcRect l="974" r="3647" b="16014"/>
+            <a:stretch/>
+          </p:blipFill>
+          <p:spPr>
+            <a:xfrm>
+              <a:off x="2397657" y="1424566"/>
+              <a:ext cx="6489168" cy="4082122"/>
+            </a:xfrm>
+            <a:prstGeom prst="rect">
+              <a:avLst/>
+            </a:prstGeom>
+          </p:spPr>
+        </p:pic>
+        <p:cxnSp>
+          <p:nvCxnSpPr>
+            <p:cNvPr id="3" name="Straight Connector 2">
+              <a:extLst>
+                <a:ext uri="{FF2B5EF4-FFF2-40B4-BE49-F238E27FC236}">
+                  <a16:creationId xmlns:a16="http://schemas.microsoft.com/office/drawing/2014/main" id="{97BED092-8931-19ED-4D41-A52A34691AFE}"/>
+                </a:ext>
+              </a:extLst>
+            </p:cNvPr>
+            <p:cNvCxnSpPr>
+              <a:cxnSpLocks/>
+            </p:cNvCxnSpPr>
+            <p:nvPr/>
+          </p:nvCxnSpPr>
+          <p:spPr>
+            <a:xfrm flipH="1">
+              <a:off x="2397657" y="5491951"/>
+              <a:ext cx="6559053" cy="0"/>
+            </a:xfrm>
+            <a:prstGeom prst="line">
+              <a:avLst/>
+            </a:prstGeom>
+            <a:ln w="19050"/>
+          </p:spPr>
+          <p:style>
+            <a:lnRef idx="1">
+              <a:schemeClr val="dk1"/>
+            </a:lnRef>
+            <a:fillRef idx="0">
+              <a:schemeClr val="dk1"/>
+            </a:fillRef>
+            <a:effectRef idx="0">
+              <a:schemeClr val="dk1"/>
+            </a:effectRef>
+            <a:fontRef idx="minor">
+              <a:schemeClr val="tx1"/>
+            </a:fontRef>
+          </p:style>
+        </p:cxnSp>
+        <p:sp>
+          <p:nvSpPr>
+            <p:cNvPr id="4" name="TextBox 3">
+              <a:extLst>
+                <a:ext uri="{FF2B5EF4-FFF2-40B4-BE49-F238E27FC236}">
+                  <a16:creationId xmlns:a16="http://schemas.microsoft.com/office/drawing/2014/main" id="{6F338B5C-9239-17B3-A00F-37C17F000F12}"/>
+                </a:ext>
+              </a:extLst>
+            </p:cNvPr>
+            <p:cNvSpPr txBox="1"/>
+            <p:nvPr/>
+          </p:nvSpPr>
+          <p:spPr>
+            <a:xfrm>
+              <a:off x="2374797" y="5490803"/>
+              <a:ext cx="230132" cy="307777"/>
+            </a:xfrm>
+            <a:prstGeom prst="rect">
+              <a:avLst/>
+            </a:prstGeom>
+            <a:noFill/>
+          </p:spPr>
+          <p:txBody>
+            <a:bodyPr wrap="square" rtlCol="0">
+              <a:spAutoFit/>
+            </a:bodyPr>
+            <a:lstStyle/>
+            <a:p>
+              <a:r>
+                <a:rPr lang="en-US" sz="1400" dirty="0">
+                  <a:latin typeface="Cambria Math" panose="02040503050406030204" pitchFamily="18" charset="0"/>
+                  <a:ea typeface="Cambria Math" panose="02040503050406030204" pitchFamily="18" charset="0"/>
+                </a:rPr>
+                <a:t>0</a:t>
+              </a:r>
+            </a:p>
+          </p:txBody>
+        </p:sp>
+        <p:sp>
+          <p:nvSpPr>
+            <p:cNvPr id="5" name="TextBox 4">
+              <a:extLst>
+                <a:ext uri="{FF2B5EF4-FFF2-40B4-BE49-F238E27FC236}">
+                  <a16:creationId xmlns:a16="http://schemas.microsoft.com/office/drawing/2014/main" id="{87AF076C-9FF9-5CED-85DF-953436780BEB}"/>
+                </a:ext>
+              </a:extLst>
+            </p:cNvPr>
+            <p:cNvSpPr txBox="1"/>
+            <p:nvPr/>
+          </p:nvSpPr>
+          <p:spPr>
+            <a:xfrm>
+              <a:off x="4110205" y="5495067"/>
+              <a:ext cx="609216" cy="307777"/>
+            </a:xfrm>
+            <a:prstGeom prst="rect">
+              <a:avLst/>
+            </a:prstGeom>
+            <a:noFill/>
+          </p:spPr>
+          <p:txBody>
+            <a:bodyPr wrap="square" rtlCol="0">
+              <a:spAutoFit/>
+            </a:bodyPr>
+            <a:lstStyle/>
+            <a:p>
+              <a:r>
+                <a:rPr lang="en-US" sz="1400" dirty="0">
+                  <a:latin typeface="Cambria Math" panose="02040503050406030204" pitchFamily="18" charset="0"/>
+                  <a:ea typeface="Cambria Math" panose="02040503050406030204" pitchFamily="18" charset="0"/>
+                </a:rPr>
+                <a:t>500</a:t>
+              </a:r>
+            </a:p>
+          </p:txBody>
+        </p:sp>
+        <p:sp>
+          <p:nvSpPr>
+            <p:cNvPr id="6" name="TextBox 5">
+              <a:extLst>
+                <a:ext uri="{FF2B5EF4-FFF2-40B4-BE49-F238E27FC236}">
+                  <a16:creationId xmlns:a16="http://schemas.microsoft.com/office/drawing/2014/main" id="{D9135F00-26BE-BC32-89F9-B725BDCE81A8}"/>
+                </a:ext>
+              </a:extLst>
+            </p:cNvPr>
+            <p:cNvSpPr txBox="1"/>
+            <p:nvPr/>
+          </p:nvSpPr>
+          <p:spPr>
+            <a:xfrm>
+              <a:off x="5873224" y="5489060"/>
+              <a:ext cx="813295" cy="307777"/>
+            </a:xfrm>
+            <a:prstGeom prst="rect">
+              <a:avLst/>
+            </a:prstGeom>
+            <a:noFill/>
+          </p:spPr>
+          <p:txBody>
+            <a:bodyPr wrap="square" rtlCol="0">
+              <a:spAutoFit/>
+            </a:bodyPr>
+            <a:lstStyle/>
+            <a:p>
+              <a:r>
+                <a:rPr lang="en-US" sz="1400" dirty="0">
+                  <a:latin typeface="Cambria Math" panose="02040503050406030204" pitchFamily="18" charset="0"/>
+                  <a:ea typeface="Cambria Math" panose="02040503050406030204" pitchFamily="18" charset="0"/>
+                </a:rPr>
+                <a:t>1000</a:t>
+              </a:r>
+            </a:p>
+          </p:txBody>
+        </p:sp>
+        <p:sp>
+          <p:nvSpPr>
+            <p:cNvPr id="7" name="TextBox 6">
+              <a:extLst>
+                <a:ext uri="{FF2B5EF4-FFF2-40B4-BE49-F238E27FC236}">
+                  <a16:creationId xmlns:a16="http://schemas.microsoft.com/office/drawing/2014/main" id="{DB4D5E7F-CCAE-4754-7A24-3BD4BEDB1D3A}"/>
+                </a:ext>
+              </a:extLst>
+            </p:cNvPr>
+            <p:cNvSpPr txBox="1"/>
+            <p:nvPr/>
+          </p:nvSpPr>
+          <p:spPr>
+            <a:xfrm>
+              <a:off x="7720972" y="5491951"/>
+              <a:ext cx="950924" cy="307777"/>
+            </a:xfrm>
+            <a:prstGeom prst="rect">
+              <a:avLst/>
+            </a:prstGeom>
+            <a:noFill/>
+          </p:spPr>
+          <p:txBody>
+            <a:bodyPr wrap="square" rtlCol="0">
+              <a:spAutoFit/>
+            </a:bodyPr>
+            <a:lstStyle/>
+            <a:p>
+              <a:r>
+                <a:rPr lang="en-US" sz="1400" dirty="0">
+                  <a:latin typeface="Cambria Math" panose="02040503050406030204" pitchFamily="18" charset="0"/>
+                  <a:ea typeface="Cambria Math" panose="02040503050406030204" pitchFamily="18" charset="0"/>
+                </a:rPr>
+                <a:t>1500</a:t>
+              </a:r>
+            </a:p>
+          </p:txBody>
+        </p:sp>
+        <p:cxnSp>
+          <p:nvCxnSpPr>
+            <p:cNvPr id="8" name="Straight Connector 7">
+              <a:extLst>
+                <a:ext uri="{FF2B5EF4-FFF2-40B4-BE49-F238E27FC236}">
+                  <a16:creationId xmlns:a16="http://schemas.microsoft.com/office/drawing/2014/main" id="{30B6FD53-AD75-FB34-E1E7-005E8A986F46}"/>
+                </a:ext>
+              </a:extLst>
+            </p:cNvPr>
+            <p:cNvCxnSpPr>
+              <a:cxnSpLocks/>
+            </p:cNvCxnSpPr>
+            <p:nvPr/>
+          </p:nvCxnSpPr>
+          <p:spPr>
+            <a:xfrm flipV="1">
+              <a:off x="2397657" y="1342934"/>
+              <a:ext cx="0" cy="4146126"/>
+            </a:xfrm>
+            <a:prstGeom prst="line">
+              <a:avLst/>
+            </a:prstGeom>
+            <a:ln w="19050"/>
+          </p:spPr>
+          <p:style>
+            <a:lnRef idx="1">
+              <a:schemeClr val="dk1"/>
+            </a:lnRef>
+            <a:fillRef idx="0">
+              <a:schemeClr val="dk1"/>
+            </a:fillRef>
+            <a:effectRef idx="0">
+              <a:schemeClr val="dk1"/>
+            </a:effectRef>
+            <a:fontRef idx="minor">
+              <a:schemeClr val="tx1"/>
+            </a:fontRef>
+          </p:style>
+        </p:cxnSp>
+        <p:sp>
+          <p:nvSpPr>
+            <p:cNvPr id="9" name="TextBox 8">
+              <a:extLst>
+                <a:ext uri="{FF2B5EF4-FFF2-40B4-BE49-F238E27FC236}">
+                  <a16:creationId xmlns:a16="http://schemas.microsoft.com/office/drawing/2014/main" id="{1ECA08D2-EA84-3198-F4F3-48C73A05C9BF}"/>
+                </a:ext>
+              </a:extLst>
+            </p:cNvPr>
+            <p:cNvSpPr txBox="1"/>
+            <p:nvPr/>
+          </p:nvSpPr>
+          <p:spPr>
+            <a:xfrm>
+              <a:off x="2144982" y="5070612"/>
+              <a:ext cx="230132" cy="307777"/>
+            </a:xfrm>
+            <a:prstGeom prst="rect">
+              <a:avLst/>
+            </a:prstGeom>
+            <a:noFill/>
+          </p:spPr>
+          <p:txBody>
+            <a:bodyPr wrap="square" rtlCol="0">
+              <a:spAutoFit/>
+            </a:bodyPr>
+            <a:lstStyle/>
+            <a:p>
+              <a:r>
+                <a:rPr lang="en-US" sz="1400" dirty="0">
+                  <a:latin typeface="Cambria Math" panose="02040503050406030204" pitchFamily="18" charset="0"/>
+                  <a:ea typeface="Cambria Math" panose="02040503050406030204" pitchFamily="18" charset="0"/>
+                </a:rPr>
+                <a:t>0</a:t>
+              </a:r>
+            </a:p>
+          </p:txBody>
+        </p:sp>
+        <p:sp>
+          <p:nvSpPr>
+            <p:cNvPr id="10" name="TextBox 9">
+              <a:extLst>
+                <a:ext uri="{FF2B5EF4-FFF2-40B4-BE49-F238E27FC236}">
+                  <a16:creationId xmlns:a16="http://schemas.microsoft.com/office/drawing/2014/main" id="{7911A4A2-3989-4FAE-58A5-69437363EA10}"/>
+                </a:ext>
+              </a:extLst>
+            </p:cNvPr>
+            <p:cNvSpPr txBox="1"/>
+            <p:nvPr/>
+          </p:nvSpPr>
+          <p:spPr>
+            <a:xfrm>
+              <a:off x="2144982" y="4162130"/>
+              <a:ext cx="230132" cy="307777"/>
+            </a:xfrm>
+            <a:prstGeom prst="rect">
+              <a:avLst/>
+            </a:prstGeom>
+            <a:noFill/>
+          </p:spPr>
+          <p:txBody>
+            <a:bodyPr wrap="square" rtlCol="0">
+              <a:spAutoFit/>
+            </a:bodyPr>
+            <a:lstStyle/>
+            <a:p>
+              <a:r>
+                <a:rPr lang="en-US" sz="1400" dirty="0">
+                  <a:latin typeface="Cambria Math" panose="02040503050406030204" pitchFamily="18" charset="0"/>
+                  <a:ea typeface="Cambria Math" panose="02040503050406030204" pitchFamily="18" charset="0"/>
+                </a:rPr>
+                <a:t>5</a:t>
+              </a:r>
+            </a:p>
+          </p:txBody>
+        </p:sp>
+        <p:sp>
+          <p:nvSpPr>
+            <p:cNvPr id="11" name="TextBox 10">
+              <a:extLst>
+                <a:ext uri="{FF2B5EF4-FFF2-40B4-BE49-F238E27FC236}">
+                  <a16:creationId xmlns:a16="http://schemas.microsoft.com/office/drawing/2014/main" id="{682129BB-7CE4-40B3-B913-38E7ABCAB056}"/>
+                </a:ext>
+              </a:extLst>
+            </p:cNvPr>
+            <p:cNvSpPr txBox="1"/>
+            <p:nvPr/>
+          </p:nvSpPr>
+          <p:spPr>
+            <a:xfrm>
+              <a:off x="2036818" y="3251826"/>
+              <a:ext cx="423824" cy="307777"/>
+            </a:xfrm>
+            <a:prstGeom prst="rect">
+              <a:avLst/>
+            </a:prstGeom>
+            <a:noFill/>
+          </p:spPr>
+          <p:txBody>
+            <a:bodyPr wrap="square" rtlCol="0">
+              <a:spAutoFit/>
+            </a:bodyPr>
+            <a:lstStyle/>
+            <a:p>
+              <a:r>
+                <a:rPr lang="en-US" sz="1400" dirty="0">
+                  <a:latin typeface="Cambria Math" panose="02040503050406030204" pitchFamily="18" charset="0"/>
+                  <a:ea typeface="Cambria Math" panose="02040503050406030204" pitchFamily="18" charset="0"/>
+                </a:rPr>
+                <a:t>10</a:t>
+              </a:r>
+            </a:p>
+          </p:txBody>
+        </p:sp>
+        <p:sp>
+          <p:nvSpPr>
+            <p:cNvPr id="12" name="TextBox 11">
+              <a:extLst>
+                <a:ext uri="{FF2B5EF4-FFF2-40B4-BE49-F238E27FC236}">
+                  <a16:creationId xmlns:a16="http://schemas.microsoft.com/office/drawing/2014/main" id="{0733AC36-76C6-0A9D-CC84-A3C129AE80D8}"/>
+                </a:ext>
+              </a:extLst>
+            </p:cNvPr>
+            <p:cNvSpPr txBox="1"/>
+            <p:nvPr/>
+          </p:nvSpPr>
+          <p:spPr>
+            <a:xfrm>
+              <a:off x="2036818" y="2350763"/>
+              <a:ext cx="423824" cy="307777"/>
+            </a:xfrm>
+            <a:prstGeom prst="rect">
+              <a:avLst/>
+            </a:prstGeom>
+            <a:noFill/>
+          </p:spPr>
+          <p:txBody>
+            <a:bodyPr wrap="square" rtlCol="0">
+              <a:spAutoFit/>
+            </a:bodyPr>
+            <a:lstStyle/>
+            <a:p>
+              <a:r>
+                <a:rPr lang="en-US" sz="1400" dirty="0">
+                  <a:latin typeface="Cambria Math" panose="02040503050406030204" pitchFamily="18" charset="0"/>
+                  <a:ea typeface="Cambria Math" panose="02040503050406030204" pitchFamily="18" charset="0"/>
+                </a:rPr>
+                <a:t>15</a:t>
+              </a:r>
+            </a:p>
+          </p:txBody>
+        </p:sp>
+        <p:sp>
+          <p:nvSpPr>
+            <p:cNvPr id="13" name="TextBox 12">
+              <a:extLst>
+                <a:ext uri="{FF2B5EF4-FFF2-40B4-BE49-F238E27FC236}">
+                  <a16:creationId xmlns:a16="http://schemas.microsoft.com/office/drawing/2014/main" id="{376F79BB-53C0-C18D-A51E-75F07A8EFA3F}"/>
+                </a:ext>
+              </a:extLst>
+            </p:cNvPr>
+            <p:cNvSpPr txBox="1"/>
+            <p:nvPr/>
+          </p:nvSpPr>
+          <p:spPr>
+            <a:xfrm rot="16200000">
+              <a:off x="989129" y="3020993"/>
+              <a:ext cx="1633711" cy="461665"/>
+            </a:xfrm>
+            <a:prstGeom prst="rect">
+              <a:avLst/>
+            </a:prstGeom>
+            <a:noFill/>
+          </p:spPr>
+          <p:txBody>
+            <a:bodyPr wrap="square" rtlCol="0">
+              <a:spAutoFit/>
+            </a:bodyPr>
+            <a:lstStyle/>
+            <a:p>
+              <a:r>
+                <a:rPr lang="en-US" sz="2400" dirty="0">
+                  <a:latin typeface="Cambria Math" panose="02040503050406030204" pitchFamily="18" charset="0"/>
+                  <a:ea typeface="Cambria Math" panose="02040503050406030204" pitchFamily="18" charset="0"/>
+                </a:rPr>
+                <a:t>Modeled A</a:t>
+              </a:r>
+            </a:p>
+          </p:txBody>
+        </p:sp>
+        <p:grpSp>
+          <p:nvGrpSpPr>
+            <p:cNvPr id="15" name="Group 14">
+              <a:extLst>
+                <a:ext uri="{FF2B5EF4-FFF2-40B4-BE49-F238E27FC236}">
+                  <a16:creationId xmlns:a16="http://schemas.microsoft.com/office/drawing/2014/main" id="{936DC1D7-F9B5-FFAE-18CC-3B8FEEE8B8EA}"/>
+                </a:ext>
+              </a:extLst>
+            </p:cNvPr>
+            <p:cNvGrpSpPr/>
+            <p:nvPr/>
+          </p:nvGrpSpPr>
+          <p:grpSpPr>
+            <a:xfrm>
+              <a:off x="7945174" y="4106957"/>
+              <a:ext cx="1255780" cy="1077218"/>
+              <a:chOff x="9893102" y="4195019"/>
+              <a:chExt cx="1763019" cy="1077218"/>
+            </a:xfrm>
+          </p:grpSpPr>
+          <p:sp>
+            <p:nvSpPr>
+              <p:cNvPr id="16" name="TextBox 15">
+                <a:extLst>
+                  <a:ext uri="{FF2B5EF4-FFF2-40B4-BE49-F238E27FC236}">
+                    <a16:creationId xmlns:a16="http://schemas.microsoft.com/office/drawing/2014/main" id="{E382F486-1E61-B371-D809-D5A7C25ECB2A}"/>
+                  </a:ext>
+                </a:extLst>
+              </p:cNvPr>
+              <p:cNvSpPr txBox="1"/>
+              <p:nvPr/>
+            </p:nvSpPr>
+            <p:spPr>
+              <a:xfrm>
+                <a:off x="10240838" y="4195019"/>
+                <a:ext cx="1415283" cy="1077218"/>
+              </a:xfrm>
+              <a:prstGeom prst="rect">
+                <a:avLst/>
+              </a:prstGeom>
+              <a:noFill/>
+            </p:spPr>
+            <p:txBody>
+              <a:bodyPr wrap="square" rtlCol="0">
+                <a:spAutoFit/>
+              </a:bodyPr>
+              <a:lstStyle/>
+              <a:p>
+                <a:r>
+                  <a:rPr lang="en-US" sz="1600" dirty="0" err="1">
+                    <a:latin typeface="Cambria Math" panose="02040503050406030204" pitchFamily="18" charset="0"/>
+                    <a:ea typeface="Cambria Math" panose="02040503050406030204" pitchFamily="18" charset="0"/>
+                  </a:rPr>
+                  <a:t>Amod</a:t>
+                </a:r>
+                <a:endParaRPr lang="en-US" sz="1600" dirty="0">
+                  <a:latin typeface="Cambria Math" panose="02040503050406030204" pitchFamily="18" charset="0"/>
+                  <a:ea typeface="Cambria Math" panose="02040503050406030204" pitchFamily="18" charset="0"/>
+                </a:endParaRPr>
+              </a:p>
+              <a:p>
+                <a:r>
+                  <a:rPr lang="en-US" sz="1600" dirty="0">
+                    <a:latin typeface="Cambria Math" panose="02040503050406030204" pitchFamily="18" charset="0"/>
+                    <a:ea typeface="Cambria Math" panose="02040503050406030204" pitchFamily="18" charset="0"/>
+                  </a:rPr>
+                  <a:t>Ac</a:t>
+                </a:r>
+              </a:p>
+              <a:p>
+                <a:r>
+                  <a:rPr lang="en-US" sz="1600" dirty="0" err="1">
+                    <a:latin typeface="Cambria Math" panose="02040503050406030204" pitchFamily="18" charset="0"/>
+                    <a:ea typeface="Cambria Math" panose="02040503050406030204" pitchFamily="18" charset="0"/>
+                  </a:rPr>
+                  <a:t>Aj</a:t>
+                </a:r>
+                <a:endParaRPr lang="en-US" sz="1600" dirty="0">
+                  <a:latin typeface="Cambria Math" panose="02040503050406030204" pitchFamily="18" charset="0"/>
+                  <a:ea typeface="Cambria Math" panose="02040503050406030204" pitchFamily="18" charset="0"/>
+                </a:endParaRPr>
+              </a:p>
+              <a:p>
+                <a:r>
+                  <a:rPr lang="en-US" sz="1600" dirty="0">
+                    <a:latin typeface="Cambria Math" panose="02040503050406030204" pitchFamily="18" charset="0"/>
+                    <a:ea typeface="Cambria Math" panose="02040503050406030204" pitchFamily="18" charset="0"/>
+                  </a:rPr>
+                  <a:t>Ap</a:t>
+                </a:r>
+              </a:p>
+            </p:txBody>
+          </p:sp>
+          <p:sp>
+            <p:nvSpPr>
+              <p:cNvPr id="17" name="Rectangle: Rounded Corners 16">
+                <a:extLst>
+                  <a:ext uri="{FF2B5EF4-FFF2-40B4-BE49-F238E27FC236}">
+                    <a16:creationId xmlns:a16="http://schemas.microsoft.com/office/drawing/2014/main" id="{069DEA83-14E7-C529-38AE-56CD0499B078}"/>
+                  </a:ext>
+                </a:extLst>
+              </p:cNvPr>
+              <p:cNvSpPr/>
+              <p:nvPr/>
+            </p:nvSpPr>
+            <p:spPr>
+              <a:xfrm>
+                <a:off x="9893103" y="4301491"/>
+                <a:ext cx="347735" cy="186690"/>
+              </a:xfrm>
+              <a:prstGeom prst="roundRect">
+                <a:avLst/>
+              </a:prstGeom>
+              <a:solidFill>
+                <a:srgbClr val="000000"/>
+              </a:solidFill>
+              <a:ln>
+                <a:noFill/>
+              </a:ln>
+            </p:spPr>
+            <p:style>
+              <a:lnRef idx="2">
+                <a:schemeClr val="accent1">
+                  <a:shade val="50000"/>
+                </a:schemeClr>
+              </a:lnRef>
+              <a:fillRef idx="1">
+                <a:schemeClr val="accent1"/>
+              </a:fillRef>
+              <a:effectRef idx="0">
+                <a:schemeClr val="accent1"/>
+              </a:effectRef>
+              <a:fontRef idx="minor">
+                <a:schemeClr val="lt1"/>
+              </a:fontRef>
+            </p:style>
+            <p:txBody>
+              <a:bodyPr rtlCol="0" anchor="ctr"/>
+              <a:lstStyle/>
+              <a:p>
+                <a:pPr algn="ctr"/>
+                <a:endParaRPr lang="en-US"/>
+              </a:p>
+            </p:txBody>
+          </p:sp>
+          <p:sp>
+            <p:nvSpPr>
+              <p:cNvPr id="18" name="Rectangle: Rounded Corners 17">
+                <a:extLst>
+                  <a:ext uri="{FF2B5EF4-FFF2-40B4-BE49-F238E27FC236}">
+                    <a16:creationId xmlns:a16="http://schemas.microsoft.com/office/drawing/2014/main" id="{FC1964A6-488C-A28C-29C9-AD570F4807F5}"/>
+                  </a:ext>
+                </a:extLst>
+              </p:cNvPr>
+              <p:cNvSpPr/>
+              <p:nvPr/>
+            </p:nvSpPr>
+            <p:spPr>
+              <a:xfrm>
+                <a:off x="9894313" y="4540874"/>
+                <a:ext cx="347734" cy="186690"/>
+              </a:xfrm>
+              <a:prstGeom prst="roundRect">
+                <a:avLst/>
+              </a:prstGeom>
+              <a:solidFill>
+                <a:srgbClr val="0000FF"/>
+              </a:solidFill>
+              <a:ln>
+                <a:noFill/>
+              </a:ln>
+            </p:spPr>
+            <p:style>
+              <a:lnRef idx="2">
+                <a:schemeClr val="accent1">
+                  <a:shade val="50000"/>
+                </a:schemeClr>
+              </a:lnRef>
+              <a:fillRef idx="1">
+                <a:schemeClr val="accent1"/>
+              </a:fillRef>
+              <a:effectRef idx="0">
+                <a:schemeClr val="accent1"/>
+              </a:effectRef>
+              <a:fontRef idx="minor">
+                <a:schemeClr val="lt1"/>
+              </a:fontRef>
+            </p:style>
+            <p:txBody>
+              <a:bodyPr rtlCol="0" anchor="ctr"/>
+              <a:lstStyle/>
+              <a:p>
+                <a:pPr algn="ctr"/>
+                <a:endParaRPr lang="en-US"/>
+              </a:p>
+            </p:txBody>
+          </p:sp>
+          <p:sp>
+            <p:nvSpPr>
+              <p:cNvPr id="19" name="Rectangle: Rounded Corners 18">
+                <a:extLst>
+                  <a:ext uri="{FF2B5EF4-FFF2-40B4-BE49-F238E27FC236}">
+                    <a16:creationId xmlns:a16="http://schemas.microsoft.com/office/drawing/2014/main" id="{9A3DC9B7-34E8-AD4F-F34F-118EDC6F3497}"/>
+                  </a:ext>
+                </a:extLst>
+              </p:cNvPr>
+              <p:cNvSpPr/>
+              <p:nvPr/>
+            </p:nvSpPr>
+            <p:spPr>
+              <a:xfrm>
+                <a:off x="9893102" y="4780257"/>
+                <a:ext cx="347735" cy="186690"/>
+              </a:xfrm>
+              <a:prstGeom prst="roundRect">
+                <a:avLst/>
+              </a:prstGeom>
+              <a:solidFill>
+                <a:srgbClr val="EF9500"/>
+              </a:solidFill>
+              <a:ln>
+                <a:noFill/>
+              </a:ln>
+            </p:spPr>
+            <p:style>
+              <a:lnRef idx="2">
+                <a:schemeClr val="accent1">
+                  <a:shade val="50000"/>
+                </a:schemeClr>
+              </a:lnRef>
+              <a:fillRef idx="1">
+                <a:schemeClr val="accent1"/>
+              </a:fillRef>
+              <a:effectRef idx="0">
+                <a:schemeClr val="accent1"/>
+              </a:effectRef>
+              <a:fontRef idx="minor">
+                <a:schemeClr val="lt1"/>
+              </a:fontRef>
+            </p:style>
+            <p:txBody>
+              <a:bodyPr rtlCol="0" anchor="ctr"/>
+              <a:lstStyle/>
+              <a:p>
+                <a:pPr algn="ctr"/>
+                <a:endParaRPr lang="en-US"/>
+              </a:p>
+            </p:txBody>
+          </p:sp>
+          <p:sp>
+            <p:nvSpPr>
+              <p:cNvPr id="20" name="Rectangle: Rounded Corners 19">
+                <a:extLst>
+                  <a:ext uri="{FF2B5EF4-FFF2-40B4-BE49-F238E27FC236}">
+                    <a16:creationId xmlns:a16="http://schemas.microsoft.com/office/drawing/2014/main" id="{9D08C9E3-F361-1E52-AB2B-0229AE330BFB}"/>
+                  </a:ext>
+                </a:extLst>
+              </p:cNvPr>
+              <p:cNvSpPr/>
+              <p:nvPr/>
+            </p:nvSpPr>
+            <p:spPr>
+              <a:xfrm>
+                <a:off x="9893102" y="5018549"/>
+                <a:ext cx="347735" cy="186690"/>
+              </a:xfrm>
+              <a:prstGeom prst="roundRect">
+                <a:avLst/>
+              </a:prstGeom>
+              <a:solidFill>
+                <a:srgbClr val="DE0000"/>
+              </a:solidFill>
+              <a:ln>
+                <a:noFill/>
+              </a:ln>
+            </p:spPr>
+            <p:style>
+              <a:lnRef idx="2">
+                <a:schemeClr val="accent1">
+                  <a:shade val="50000"/>
+                </a:schemeClr>
+              </a:lnRef>
+              <a:fillRef idx="1">
+                <a:schemeClr val="accent1"/>
+              </a:fillRef>
+              <a:effectRef idx="0">
+                <a:schemeClr val="accent1"/>
+              </a:effectRef>
+              <a:fontRef idx="minor">
+                <a:schemeClr val="lt1"/>
+              </a:fontRef>
+            </p:style>
+            <p:txBody>
+              <a:bodyPr rtlCol="0" anchor="ctr"/>
+              <a:lstStyle/>
+              <a:p>
+                <a:pPr algn="ctr"/>
+                <a:endParaRPr lang="en-US"/>
+              </a:p>
+            </p:txBody>
+          </p:sp>
+        </p:grpSp>
+        <p:sp>
+          <p:nvSpPr>
+            <p:cNvPr id="21" name="TextBox 20">
+              <a:extLst>
+                <a:ext uri="{FF2B5EF4-FFF2-40B4-BE49-F238E27FC236}">
+                  <a16:creationId xmlns:a16="http://schemas.microsoft.com/office/drawing/2014/main" id="{446705C8-420B-609A-EEDF-1067A85CB389}"/>
+                </a:ext>
+              </a:extLst>
+            </p:cNvPr>
+            <p:cNvSpPr txBox="1"/>
+            <p:nvPr/>
+          </p:nvSpPr>
+          <p:spPr>
+            <a:xfrm>
+              <a:off x="2068368" y="1479611"/>
+              <a:ext cx="423824" cy="307777"/>
+            </a:xfrm>
+            <a:prstGeom prst="rect">
+              <a:avLst/>
+            </a:prstGeom>
+            <a:noFill/>
+          </p:spPr>
+          <p:txBody>
+            <a:bodyPr wrap="square" rtlCol="0">
+              <a:spAutoFit/>
+            </a:bodyPr>
+            <a:lstStyle/>
+            <a:p>
+              <a:r>
+                <a:rPr lang="en-US" sz="1400" dirty="0">
+                  <a:latin typeface="Cambria Math" panose="02040503050406030204" pitchFamily="18" charset="0"/>
+                  <a:ea typeface="Cambria Math" panose="02040503050406030204" pitchFamily="18" charset="0"/>
+                </a:rPr>
+                <a:t>20</a:t>
+              </a:r>
+            </a:p>
+          </p:txBody>
+        </p:sp>
+      </p:grpSp>
+      <p:pic>
+        <p:nvPicPr>
+          <p:cNvPr id="25" name="Picture 24">
+            <a:extLst>
+              <a:ext uri="{FF2B5EF4-FFF2-40B4-BE49-F238E27FC236}">
+                <a16:creationId xmlns:a16="http://schemas.microsoft.com/office/drawing/2014/main" id="{0E368F10-03C6-5382-A96A-87EC85475DEF}"/>
+              </a:ext>
+            </a:extLst>
+          </p:cNvPr>
+          <p:cNvPicPr>
+            <a:picLocks noChangeAspect="1"/>
+          </p:cNvPicPr>
+          <p:nvPr/>
+        </p:nvPicPr>
+        <p:blipFill>
+          <a:blip r:embed="rId4"/>
+          <a:stretch>
+            <a:fillRect/>
+          </a:stretch>
+        </p:blipFill>
+        <p:spPr>
+          <a:xfrm>
+            <a:off x="274280" y="849121"/>
+            <a:ext cx="1390008" cy="493819"/>
+          </a:xfrm>
+          <a:prstGeom prst="rect">
+            <a:avLst/>
+          </a:prstGeom>
+        </p:spPr>
+      </p:pic>
+    </p:spTree>
+    <p:extLst>
+      <p:ext uri="{BB962C8B-B14F-4D97-AF65-F5344CB8AC3E}">
+        <p14:creationId xmlns:p14="http://schemas.microsoft.com/office/powerpoint/2010/main" val="1974753932"/>
+      </p:ext>
+    </p:extLst>
+  </p:cSld>
+  <p:clrMapOvr>
+    <a:masterClrMapping/>
+  </p:clrMapOvr>
+</p:sld>
+</file>
+
+<file path=ppt/slides/slide11.xml><?xml version="1.0" encoding="utf-8"?>
+<p:sld xmlns:a="http://schemas.openxmlformats.org/drawingml/2006/main" xmlns:r="http://schemas.openxmlformats.org/officeDocument/2006/relationships" xmlns:p="http://schemas.openxmlformats.org/presentationml/2006/main">
+  <p:cSld>
+    <p:spTree>
+      <p:nvGrpSpPr>
+        <p:cNvPr id="1" name=""/>
+        <p:cNvGrpSpPr/>
+        <p:nvPr/>
+      </p:nvGrpSpPr>
+      <p:grpSpPr>
+        <a:xfrm>
+          <a:off x="0" y="0"/>
+          <a:ext cx="0" cy="0"/>
+          <a:chOff x="0" y="0"/>
+          <a:chExt cx="0" cy="0"/>
+        </a:xfrm>
+      </p:grpSpPr>
+      <p:pic>
+        <p:nvPicPr>
+          <p:cNvPr id="12" name="Picture 11">
+            <a:extLst>
+              <a:ext uri="{FF2B5EF4-FFF2-40B4-BE49-F238E27FC236}">
+                <a16:creationId xmlns:a16="http://schemas.microsoft.com/office/drawing/2014/main" id="{CB9A1E15-4E9F-5E9C-E165-2FEFDC94CF8D}"/>
               </a:ext>
             </a:extLst>
           </p:cNvPr>
@@ -3349,101 +5011,18 @@
         </p:blipFill>
         <p:spPr>
           <a:xfrm>
-            <a:off x="0" y="77642"/>
-            <a:ext cx="10351904" cy="6780358"/>
+            <a:off x="2792100" y="0"/>
+            <a:ext cx="6607807" cy="6858000"/>
           </a:xfrm>
           <a:prstGeom prst="rect">
             <a:avLst/>
           </a:prstGeom>
         </p:spPr>
       </p:pic>
-      <p:pic>
-        <p:nvPicPr>
-          <p:cNvPr id="20" name="Picture 19">
-            <a:extLst>
-              <a:ext uri="{FF2B5EF4-FFF2-40B4-BE49-F238E27FC236}">
-                <a16:creationId xmlns:a16="http://schemas.microsoft.com/office/drawing/2014/main" id="{2247DD30-9A73-DE7C-573F-939E443BBE72}"/>
-              </a:ext>
-            </a:extLst>
-          </p:cNvPr>
-          <p:cNvPicPr>
-            <a:picLocks noChangeAspect="1"/>
-          </p:cNvPicPr>
-          <p:nvPr/>
-        </p:nvPicPr>
-        <p:blipFill rotWithShape="1">
-          <a:blip r:embed="rId3">
-            <a:clrChange>
-              <a:clrFrom>
-                <a:srgbClr val="FFFFFF"/>
-              </a:clrFrom>
-              <a:clrTo>
-                <a:srgbClr val="FFFFFF">
-                  <a:alpha val="0"/>
-                </a:srgbClr>
-              </a:clrTo>
-            </a:clrChange>
-          </a:blip>
-          <a:srcRect l="16753" r="16582"/>
-          <a:stretch/>
-        </p:blipFill>
-        <p:spPr>
-          <a:xfrm>
-            <a:off x="5759532" y="3039031"/>
-            <a:ext cx="2731325" cy="2687122"/>
-          </a:xfrm>
-          <a:prstGeom prst="rect">
-            <a:avLst/>
-          </a:prstGeom>
-        </p:spPr>
-      </p:pic>
-      <p:sp>
-        <p:nvSpPr>
-          <p:cNvPr id="21" name="TextBox 20">
-            <a:extLst>
-              <a:ext uri="{FF2B5EF4-FFF2-40B4-BE49-F238E27FC236}">
-                <a16:creationId xmlns:a16="http://schemas.microsoft.com/office/drawing/2014/main" id="{ADF0FEBA-1A3F-832C-BC24-2583C4A387EC}"/>
-              </a:ext>
-            </a:extLst>
-          </p:cNvPr>
-          <p:cNvSpPr txBox="1"/>
-          <p:nvPr/>
-        </p:nvSpPr>
-        <p:spPr>
-          <a:xfrm>
-            <a:off x="9215252" y="570016"/>
-            <a:ext cx="2050498" cy="369332"/>
-          </a:xfrm>
-          <a:prstGeom prst="rect">
-            <a:avLst/>
-          </a:prstGeom>
-          <a:noFill/>
-        </p:spPr>
-        <p:txBody>
-          <a:bodyPr wrap="none" rtlCol="0">
-            <a:spAutoFit/>
-          </a:bodyPr>
-          <a:lstStyle/>
-          <a:p>
-            <a:r>
-              <a:rPr lang="en-US" dirty="0"/>
-              <a:t>All </a:t>
-            </a:r>
-            <a:r>
-              <a:rPr lang="en-US" dirty="0" err="1"/>
-              <a:t>Vcmax</a:t>
-            </a:r>
-            <a:r>
-              <a:rPr lang="en-US" dirty="0"/>
-              <a:t> w/o TPU?</a:t>
-            </a:r>
-          </a:p>
-        </p:txBody>
-      </p:sp>
     </p:spTree>
     <p:extLst>
       <p:ext uri="{BB962C8B-B14F-4D97-AF65-F5344CB8AC3E}">
-        <p14:creationId xmlns:p14="http://schemas.microsoft.com/office/powerpoint/2010/main" val="3233434183"/>
+        <p14:creationId xmlns:p14="http://schemas.microsoft.com/office/powerpoint/2010/main" val="1482128103"/>
       </p:ext>
     </p:extLst>
   </p:cSld>
@@ -3472,10 +5051,10 @@
       </p:grpSpPr>
       <p:pic>
         <p:nvPicPr>
-          <p:cNvPr id="2" name="Picture 1">
+          <p:cNvPr id="12" name="Picture 11">
             <a:extLst>
               <a:ext uri="{FF2B5EF4-FFF2-40B4-BE49-F238E27FC236}">
-                <a16:creationId xmlns:a16="http://schemas.microsoft.com/office/drawing/2014/main" id="{3D2D7FA5-CD8C-AC2C-5404-09F4CF1723D5}"/>
+                <a16:creationId xmlns:a16="http://schemas.microsoft.com/office/drawing/2014/main" id="{5F349E6E-F730-BABB-8492-E10F384F1DC4}"/>
               </a:ext>
             </a:extLst>
           </p:cNvPr>
@@ -3485,15 +5064,21 @@
           <p:nvPr/>
         </p:nvPicPr>
         <p:blipFill>
-          <a:blip r:embed="rId2"/>
+          <a:blip r:embed="rId3">
+            <a:extLst>
+              <a:ext uri="{28A0092B-C50C-407E-A947-70E740481C1C}">
+                <a14:useLocalDpi xmlns:a14="http://schemas.microsoft.com/office/drawing/2010/main" val="0"/>
+              </a:ext>
+            </a:extLst>
+          </a:blip>
           <a:stretch>
             <a:fillRect/>
           </a:stretch>
         </p:blipFill>
         <p:spPr>
           <a:xfrm>
-            <a:off x="0" y="0"/>
-            <a:ext cx="10470444" cy="6858000"/>
+            <a:off x="2" y="400774"/>
+            <a:ext cx="9638270" cy="6312937"/>
           </a:xfrm>
           <a:prstGeom prst="rect">
             <a:avLst/>
@@ -3502,10 +5087,10 @@
       </p:pic>
       <p:pic>
         <p:nvPicPr>
-          <p:cNvPr id="3" name="Picture 2">
+          <p:cNvPr id="7" name="Picture 6">
             <a:extLst>
               <a:ext uri="{FF2B5EF4-FFF2-40B4-BE49-F238E27FC236}">
-                <a16:creationId xmlns:a16="http://schemas.microsoft.com/office/drawing/2014/main" id="{634575BE-DD5D-62D8-8457-30011C4BD6FE}"/>
+                <a16:creationId xmlns:a16="http://schemas.microsoft.com/office/drawing/2014/main" id="{4EDCAFE8-ADE6-CB93-2A07-B9A5557BDC9F}"/>
               </a:ext>
             </a:extLst>
           </p:cNvPr>
@@ -3514,15 +5099,32 @@
           </p:cNvPicPr>
           <p:nvPr/>
         </p:nvPicPr>
-        <p:blipFill rotWithShape="1">
-          <a:blip r:embed="rId3"/>
-          <a:srcRect l="16844" r="16807"/>
-          <a:stretch/>
+        <p:blipFill>
+          <a:blip r:embed="rId4">
+            <a:clrChange>
+              <a:clrFrom>
+                <a:srgbClr val="FFFFFF"/>
+              </a:clrFrom>
+              <a:clrTo>
+                <a:srgbClr val="FFFFFF">
+                  <a:alpha val="0"/>
+                </a:srgbClr>
+              </a:clrTo>
+            </a:clrChange>
+            <a:extLst>
+              <a:ext uri="{28A0092B-C50C-407E-A947-70E740481C1C}">
+                <a14:useLocalDpi xmlns:a14="http://schemas.microsoft.com/office/drawing/2010/main" val="0"/>
+              </a:ext>
+            </a:extLst>
+          </a:blip>
+          <a:stretch>
+            <a:fillRect/>
+          </a:stretch>
         </p:blipFill>
         <p:spPr>
           <a:xfrm>
-            <a:off x="6096000" y="3235824"/>
-            <a:ext cx="2454233" cy="2422768"/>
+            <a:off x="4707930" y="3225115"/>
+            <a:ext cx="3884553" cy="2544330"/>
           </a:xfrm>
           <a:prstGeom prst="rect">
             <a:avLst/>
@@ -3531,10 +5133,10 @@
       </p:pic>
       <p:sp>
         <p:nvSpPr>
-          <p:cNvPr id="4" name="TextBox 3">
+          <p:cNvPr id="8" name="TextBox 7">
             <a:extLst>
               <a:ext uri="{FF2B5EF4-FFF2-40B4-BE49-F238E27FC236}">
-                <a16:creationId xmlns:a16="http://schemas.microsoft.com/office/drawing/2014/main" id="{2880AD8B-187A-AEAF-56F2-C01BA607419C}"/>
+                <a16:creationId xmlns:a16="http://schemas.microsoft.com/office/drawing/2014/main" id="{1F49A1A8-BD24-3C48-1FC5-FADE9A372F83}"/>
               </a:ext>
             </a:extLst>
           </p:cNvPr>
@@ -3543,8 +5145,8 @@
         </p:nvSpPr>
         <p:spPr>
           <a:xfrm>
-            <a:off x="9975273" y="748145"/>
-            <a:ext cx="1906612" cy="369332"/>
+            <a:off x="10552673" y="370706"/>
+            <a:ext cx="1285104" cy="369332"/>
           </a:xfrm>
           <a:prstGeom prst="rect">
             <a:avLst/>
@@ -3552,22 +5154,14 @@
           <a:noFill/>
         </p:spPr>
         <p:txBody>
-          <a:bodyPr wrap="none" rtlCol="0">
+          <a:bodyPr wrap="square" rtlCol="0">
             <a:spAutoFit/>
           </a:bodyPr>
           <a:lstStyle/>
           <a:p>
             <a:r>
               <a:rPr lang="en-US" dirty="0"/>
-              <a:t>All </a:t>
-            </a:r>
-            <a:r>
-              <a:rPr lang="en-US" dirty="0" err="1"/>
-              <a:t>Jmax</a:t>
-            </a:r>
-            <a:r>
-              <a:rPr lang="en-US" dirty="0"/>
-              <a:t> w/o TPU?</a:t>
+              <a:t>With TPU</a:t>
             </a:r>
           </a:p>
         </p:txBody>
@@ -3604,68 +5198,10 @@
       </p:grpSpPr>
       <p:pic>
         <p:nvPicPr>
-          <p:cNvPr id="2" name="Picture 1">
+          <p:cNvPr id="12" name="Picture 11">
             <a:extLst>
               <a:ext uri="{FF2B5EF4-FFF2-40B4-BE49-F238E27FC236}">
-                <a16:creationId xmlns:a16="http://schemas.microsoft.com/office/drawing/2014/main" id="{85336D79-1970-3C0D-76A8-691D036B0FCF}"/>
-              </a:ext>
-            </a:extLst>
-          </p:cNvPr>
-          <p:cNvPicPr>
-            <a:picLocks noChangeAspect="1"/>
-          </p:cNvPicPr>
-          <p:nvPr/>
-        </p:nvPicPr>
-        <p:blipFill rotWithShape="1">
-          <a:blip r:embed="rId2"/>
-          <a:srcRect l="25820" b="13958"/>
-          <a:stretch/>
-        </p:blipFill>
-        <p:spPr>
-          <a:xfrm>
-            <a:off x="5189511" y="918676"/>
-            <a:ext cx="4605708" cy="3403941"/>
-          </a:xfrm>
-          <a:prstGeom prst="rect">
-            <a:avLst/>
-          </a:prstGeom>
-        </p:spPr>
-      </p:pic>
-      <p:pic>
-        <p:nvPicPr>
-          <p:cNvPr id="3" name="Picture 2">
-            <a:extLst>
-              <a:ext uri="{FF2B5EF4-FFF2-40B4-BE49-F238E27FC236}">
-                <a16:creationId xmlns:a16="http://schemas.microsoft.com/office/drawing/2014/main" id="{E727E678-B43C-0ABC-91AA-1A83E7D71403}"/>
-              </a:ext>
-            </a:extLst>
-          </p:cNvPr>
-          <p:cNvPicPr>
-            <a:picLocks noChangeAspect="1"/>
-          </p:cNvPicPr>
-          <p:nvPr/>
-        </p:nvPicPr>
-        <p:blipFill rotWithShape="1">
-          <a:blip r:embed="rId3"/>
-          <a:srcRect r="18361" b="13958"/>
-          <a:stretch/>
-        </p:blipFill>
-        <p:spPr>
-          <a:xfrm>
-            <a:off x="168171" y="918677"/>
-            <a:ext cx="5068848" cy="3403941"/>
-          </a:xfrm>
-          <a:prstGeom prst="rect">
-            <a:avLst/>
-          </a:prstGeom>
-        </p:spPr>
-      </p:pic>
-      <p:pic>
-        <p:nvPicPr>
-          <p:cNvPr id="5" name="Picture 4">
-            <a:extLst>
-              <a:ext uri="{FF2B5EF4-FFF2-40B4-BE49-F238E27FC236}">
-                <a16:creationId xmlns:a16="http://schemas.microsoft.com/office/drawing/2014/main" id="{D2B0D4B6-6ED4-D93C-3B8D-BE20AB8909CB}"/>
+                <a16:creationId xmlns:a16="http://schemas.microsoft.com/office/drawing/2014/main" id="{405D350D-3F6B-BF7C-9B13-9E2417A2033D}"/>
               </a:ext>
             </a:extLst>
           </p:cNvPr>
@@ -3675,7 +5211,7 @@
           <p:nvPr/>
         </p:nvPicPr>
         <p:blipFill>
-          <a:blip r:embed="rId4">
+          <a:blip r:embed="rId3">
             <a:extLst>
               <a:ext uri="{28A0092B-C50C-407E-A947-70E740481C1C}">
                 <a14:useLocalDpi xmlns:a14="http://schemas.microsoft.com/office/drawing/2010/main" val="0"/>
@@ -3688,20 +5224,55 @@
         </p:blipFill>
         <p:spPr>
           <a:xfrm>
-            <a:off x="8756741" y="1876301"/>
-            <a:ext cx="3003236" cy="1913589"/>
+            <a:off x="667265" y="350821"/>
+            <a:ext cx="9934832" cy="6507182"/>
           </a:xfrm>
           <a:prstGeom prst="rect">
             <a:avLst/>
           </a:prstGeom>
         </p:spPr>
       </p:pic>
+      <p:sp>
+        <p:nvSpPr>
+          <p:cNvPr id="4" name="TextBox 3">
+            <a:extLst>
+              <a:ext uri="{FF2B5EF4-FFF2-40B4-BE49-F238E27FC236}">
+                <a16:creationId xmlns:a16="http://schemas.microsoft.com/office/drawing/2014/main" id="{336D45FC-5DF7-C035-FF9D-3873040629EA}"/>
+              </a:ext>
+            </a:extLst>
+          </p:cNvPr>
+          <p:cNvSpPr txBox="1"/>
+          <p:nvPr/>
+        </p:nvSpPr>
+        <p:spPr>
+          <a:xfrm>
+            <a:off x="197711" y="354558"/>
+            <a:ext cx="1470454" cy="369332"/>
+          </a:xfrm>
+          <a:prstGeom prst="rect">
+            <a:avLst/>
+          </a:prstGeom>
+          <a:noFill/>
+        </p:spPr>
+        <p:txBody>
+          <a:bodyPr wrap="square" rtlCol="0">
+            <a:spAutoFit/>
+          </a:bodyPr>
+          <a:lstStyle/>
+          <a:p>
+            <a:r>
+              <a:rPr lang="en-US" dirty="0"/>
+              <a:t>Without TPU</a:t>
+            </a:r>
+          </a:p>
+        </p:txBody>
+      </p:sp>
       <p:pic>
         <p:nvPicPr>
-          <p:cNvPr id="8" name="Picture 7">
+          <p:cNvPr id="14" name="Picture 13">
             <a:extLst>
               <a:ext uri="{FF2B5EF4-FFF2-40B4-BE49-F238E27FC236}">
-                <a16:creationId xmlns:a16="http://schemas.microsoft.com/office/drawing/2014/main" id="{EF05FB3C-1527-61E7-EE74-C3F8793A9B3B}"/>
+                <a16:creationId xmlns:a16="http://schemas.microsoft.com/office/drawing/2014/main" id="{71B08E1B-8ED2-FF2C-DF30-CDB5006103C9}"/>
               </a:ext>
             </a:extLst>
           </p:cNvPr>
@@ -3710,25 +5281,83 @@
           </p:cNvPicPr>
           <p:nvPr/>
         </p:nvPicPr>
-        <p:blipFill rotWithShape="1">
-          <a:blip r:embed="rId3"/>
-          <a:srcRect t="86604"/>
-          <a:stretch/>
+        <p:blipFill>
+          <a:blip r:embed="rId4">
+            <a:clrChange>
+              <a:clrFrom>
+                <a:srgbClr val="FFFFFF"/>
+              </a:clrFrom>
+              <a:clrTo>
+                <a:srgbClr val="FFFFFF">
+                  <a:alpha val="0"/>
+                </a:srgbClr>
+              </a:clrTo>
+            </a:clrChange>
+            <a:extLst>
+              <a:ext uri="{28A0092B-C50C-407E-A947-70E740481C1C}">
+                <a14:useLocalDpi xmlns:a14="http://schemas.microsoft.com/office/drawing/2010/main" val="0"/>
+              </a:ext>
+            </a:extLst>
+          </a:blip>
+          <a:stretch>
+            <a:fillRect/>
+          </a:stretch>
         </p:blipFill>
         <p:spPr>
           <a:xfrm>
-            <a:off x="1791132" y="4478659"/>
-            <a:ext cx="6830354" cy="582999"/>
+            <a:off x="2870555" y="437320"/>
+            <a:ext cx="4222226" cy="2765502"/>
           </a:xfrm>
           <a:prstGeom prst="rect">
             <a:avLst/>
           </a:prstGeom>
         </p:spPr>
       </p:pic>
+      <p:sp>
+        <p:nvSpPr>
+          <p:cNvPr id="15" name="TextBox 14">
+            <a:extLst>
+              <a:ext uri="{FF2B5EF4-FFF2-40B4-BE49-F238E27FC236}">
+                <a16:creationId xmlns:a16="http://schemas.microsoft.com/office/drawing/2014/main" id="{F0B24902-22B7-6D26-5F6E-2B7EEFD66187}"/>
+              </a:ext>
+            </a:extLst>
+          </p:cNvPr>
+          <p:cNvSpPr txBox="1"/>
+          <p:nvPr/>
+        </p:nvSpPr>
+        <p:spPr>
+          <a:xfrm>
+            <a:off x="4893277" y="539224"/>
+            <a:ext cx="1075038" cy="369332"/>
+          </a:xfrm>
+          <a:prstGeom prst="rect">
+            <a:avLst/>
+          </a:prstGeom>
+          <a:noFill/>
+        </p:spPr>
+        <p:txBody>
+          <a:bodyPr wrap="square" rtlCol="0">
+            <a:spAutoFit/>
+          </a:bodyPr>
+          <a:lstStyle/>
+          <a:p>
+            <a:r>
+              <a:rPr lang="en-US" dirty="0">
+                <a:solidFill>
+                  <a:srgbClr val="FF0000"/>
+                </a:solidFill>
+                <a:latin typeface="Times New Roman" panose="02020603050405020304" pitchFamily="18" charset="0"/>
+                <a:cs typeface="Times New Roman" panose="02020603050405020304" pitchFamily="18" charset="0"/>
+              </a:rPr>
+              <a:t>****</a:t>
+            </a:r>
+          </a:p>
+        </p:txBody>
+      </p:sp>
     </p:spTree>
     <p:extLst>
       <p:ext uri="{BB962C8B-B14F-4D97-AF65-F5344CB8AC3E}">
-        <p14:creationId xmlns:p14="http://schemas.microsoft.com/office/powerpoint/2010/main" val="3782725563"/>
+        <p14:creationId xmlns:p14="http://schemas.microsoft.com/office/powerpoint/2010/main" val="4281015483"/>
       </p:ext>
     </p:extLst>
   </p:cSld>
@@ -3755,10 +5384,157 @@
           <a:chExt cx="0" cy="0"/>
         </a:xfrm>
       </p:grpSpPr>
+      <p:pic>
+        <p:nvPicPr>
+          <p:cNvPr id="14" name="Picture 13">
+            <a:extLst>
+              <a:ext uri="{FF2B5EF4-FFF2-40B4-BE49-F238E27FC236}">
+                <a16:creationId xmlns:a16="http://schemas.microsoft.com/office/drawing/2014/main" id="{1DE886DE-3B7E-1E9D-5606-270963303541}"/>
+              </a:ext>
+            </a:extLst>
+          </p:cNvPr>
+          <p:cNvPicPr>
+            <a:picLocks noChangeAspect="1"/>
+          </p:cNvPicPr>
+          <p:nvPr/>
+        </p:nvPicPr>
+        <p:blipFill>
+          <a:blip r:embed="rId2">
+            <a:extLst>
+              <a:ext uri="{28A0092B-C50C-407E-A947-70E740481C1C}">
+                <a14:useLocalDpi xmlns:a14="http://schemas.microsoft.com/office/drawing/2010/main" val="0"/>
+              </a:ext>
+            </a:extLst>
+          </a:blip>
+          <a:stretch>
+            <a:fillRect/>
+          </a:stretch>
+        </p:blipFill>
+        <p:spPr>
+          <a:xfrm>
+            <a:off x="3" y="434476"/>
+            <a:ext cx="9700054" cy="6353405"/>
+          </a:xfrm>
+          <a:prstGeom prst="rect">
+            <a:avLst/>
+          </a:prstGeom>
+        </p:spPr>
+      </p:pic>
+      <p:sp>
+        <p:nvSpPr>
+          <p:cNvPr id="4" name="TextBox 3">
+            <a:extLst>
+              <a:ext uri="{FF2B5EF4-FFF2-40B4-BE49-F238E27FC236}">
+                <a16:creationId xmlns:a16="http://schemas.microsoft.com/office/drawing/2014/main" id="{B192ABF6-8EB7-819B-1255-E8B702980176}"/>
+              </a:ext>
+            </a:extLst>
+          </p:cNvPr>
+          <p:cNvSpPr txBox="1"/>
+          <p:nvPr/>
+        </p:nvSpPr>
+        <p:spPr>
+          <a:xfrm>
+            <a:off x="469563" y="185354"/>
+            <a:ext cx="1173893" cy="369332"/>
+          </a:xfrm>
+          <a:prstGeom prst="rect">
+            <a:avLst/>
+          </a:prstGeom>
+          <a:noFill/>
+        </p:spPr>
+        <p:txBody>
+          <a:bodyPr wrap="square" rtlCol="0">
+            <a:spAutoFit/>
+          </a:bodyPr>
+          <a:lstStyle/>
+          <a:p>
+            <a:r>
+              <a:rPr lang="en-US" dirty="0"/>
+              <a:t>With TPU</a:t>
+            </a:r>
+          </a:p>
+        </p:txBody>
+      </p:sp>
+      <p:pic>
+        <p:nvPicPr>
+          <p:cNvPr id="12" name="Picture 11">
+            <a:extLst>
+              <a:ext uri="{FF2B5EF4-FFF2-40B4-BE49-F238E27FC236}">
+                <a16:creationId xmlns:a16="http://schemas.microsoft.com/office/drawing/2014/main" id="{6F80C490-5E79-DA8D-5046-199BCCD3ED6F}"/>
+              </a:ext>
+            </a:extLst>
+          </p:cNvPr>
+          <p:cNvPicPr>
+            <a:picLocks noChangeAspect="1"/>
+          </p:cNvPicPr>
+          <p:nvPr/>
+        </p:nvPicPr>
+        <p:blipFill>
+          <a:blip r:embed="rId3">
+            <a:clrChange>
+              <a:clrFrom>
+                <a:srgbClr val="FFFFFF"/>
+              </a:clrFrom>
+              <a:clrTo>
+                <a:srgbClr val="FFFFFF">
+                  <a:alpha val="0"/>
+                </a:srgbClr>
+              </a:clrTo>
+            </a:clrChange>
+            <a:extLst>
+              <a:ext uri="{28A0092B-C50C-407E-A947-70E740481C1C}">
+                <a14:useLocalDpi xmlns:a14="http://schemas.microsoft.com/office/drawing/2010/main" val="0"/>
+              </a:ext>
+            </a:extLst>
+          </a:blip>
+          <a:stretch>
+            <a:fillRect/>
+          </a:stretch>
+        </p:blipFill>
+        <p:spPr>
+          <a:xfrm>
+            <a:off x="2178575" y="519669"/>
+            <a:ext cx="4049234" cy="2652193"/>
+          </a:xfrm>
+          <a:prstGeom prst="rect">
+            <a:avLst/>
+          </a:prstGeom>
+        </p:spPr>
+      </p:pic>
+      <p:pic>
+        <p:nvPicPr>
+          <p:cNvPr id="15" name="Picture 14">
+            <a:extLst>
+              <a:ext uri="{FF2B5EF4-FFF2-40B4-BE49-F238E27FC236}">
+                <a16:creationId xmlns:a16="http://schemas.microsoft.com/office/drawing/2014/main" id="{605E0BEE-6794-98C8-FB7D-8C0A500A666F}"/>
+              </a:ext>
+            </a:extLst>
+          </p:cNvPr>
+          <p:cNvPicPr>
+            <a:picLocks noChangeAspect="1"/>
+          </p:cNvPicPr>
+          <p:nvPr/>
+        </p:nvPicPr>
+        <p:blipFill>
+          <a:blip r:embed="rId4"/>
+          <a:stretch>
+            <a:fillRect/>
+          </a:stretch>
+        </p:blipFill>
+        <p:spPr>
+          <a:xfrm>
+            <a:off x="4098689" y="554689"/>
+            <a:ext cx="1127858" cy="493819"/>
+          </a:xfrm>
+          <a:prstGeom prst="rect">
+            <a:avLst/>
+          </a:prstGeom>
+        </p:spPr>
+      </p:pic>
     </p:spTree>
     <p:extLst>
       <p:ext uri="{BB962C8B-B14F-4D97-AF65-F5344CB8AC3E}">
-        <p14:creationId xmlns:p14="http://schemas.microsoft.com/office/powerpoint/2010/main" val="2603657128"/>
+        <p14:creationId xmlns:p14="http://schemas.microsoft.com/office/powerpoint/2010/main" val="410165190"/>
       </p:ext>
     </p:extLst>
   </p:cSld>
@@ -3785,10 +5561,46 @@
           <a:chExt cx="0" cy="0"/>
         </a:xfrm>
       </p:grpSpPr>
+      <p:pic>
+        <p:nvPicPr>
+          <p:cNvPr id="3" name="Picture 2">
+            <a:extLst>
+              <a:ext uri="{FF2B5EF4-FFF2-40B4-BE49-F238E27FC236}">
+                <a16:creationId xmlns:a16="http://schemas.microsoft.com/office/drawing/2014/main" id="{769F0ABF-28DA-BE58-7775-E9D80079A296}"/>
+              </a:ext>
+            </a:extLst>
+          </p:cNvPr>
+          <p:cNvPicPr>
+            <a:picLocks noChangeAspect="1"/>
+          </p:cNvPicPr>
+          <p:nvPr/>
+        </p:nvPicPr>
+        <p:blipFill>
+          <a:blip r:embed="rId3">
+            <a:extLst>
+              <a:ext uri="{28A0092B-C50C-407E-A947-70E740481C1C}">
+                <a14:useLocalDpi xmlns:a14="http://schemas.microsoft.com/office/drawing/2010/main" val="0"/>
+              </a:ext>
+            </a:extLst>
+          </a:blip>
+          <a:stretch>
+            <a:fillRect/>
+          </a:stretch>
+        </p:blipFill>
+        <p:spPr>
+          <a:xfrm>
+            <a:off x="624685" y="1062683"/>
+            <a:ext cx="7572305" cy="4959758"/>
+          </a:xfrm>
+          <a:prstGeom prst="rect">
+            <a:avLst/>
+          </a:prstGeom>
+        </p:spPr>
+      </p:pic>
     </p:spTree>
     <p:extLst>
       <p:ext uri="{BB962C8B-B14F-4D97-AF65-F5344CB8AC3E}">
-        <p14:creationId xmlns:p14="http://schemas.microsoft.com/office/powerpoint/2010/main" val="4281015483"/>
+        <p14:creationId xmlns:p14="http://schemas.microsoft.com/office/powerpoint/2010/main" val="2469789143"/>
       </p:ext>
     </p:extLst>
   </p:cSld>
@@ -3815,10 +5627,722 @@
           <a:chExt cx="0" cy="0"/>
         </a:xfrm>
       </p:grpSpPr>
+      <p:pic>
+        <p:nvPicPr>
+          <p:cNvPr id="3" name="Picture 2">
+            <a:extLst>
+              <a:ext uri="{FF2B5EF4-FFF2-40B4-BE49-F238E27FC236}">
+                <a16:creationId xmlns:a16="http://schemas.microsoft.com/office/drawing/2014/main" id="{DDB824F1-B368-F9A8-9C0F-7F9059A8D25E}"/>
+              </a:ext>
+            </a:extLst>
+          </p:cNvPr>
+          <p:cNvPicPr>
+            <a:picLocks noChangeAspect="1"/>
+          </p:cNvPicPr>
+          <p:nvPr/>
+        </p:nvPicPr>
+        <p:blipFill rotWithShape="1">
+          <a:blip r:embed="rId2">
+            <a:extLst>
+              <a:ext uri="{28A0092B-C50C-407E-A947-70E740481C1C}">
+                <a14:useLocalDpi xmlns:a14="http://schemas.microsoft.com/office/drawing/2010/main" val="0"/>
+              </a:ext>
+            </a:extLst>
+          </a:blip>
+          <a:srcRect l="7381" r="25671" b="10422"/>
+          <a:stretch/>
+        </p:blipFill>
+        <p:spPr>
+          <a:xfrm>
+            <a:off x="5676411" y="539062"/>
+            <a:ext cx="3028209" cy="2653904"/>
+          </a:xfrm>
+          <a:prstGeom prst="rect">
+            <a:avLst/>
+          </a:prstGeom>
+        </p:spPr>
+      </p:pic>
+      <p:pic>
+        <p:nvPicPr>
+          <p:cNvPr id="5" name="Picture 4">
+            <a:extLst>
+              <a:ext uri="{FF2B5EF4-FFF2-40B4-BE49-F238E27FC236}">
+                <a16:creationId xmlns:a16="http://schemas.microsoft.com/office/drawing/2014/main" id="{8FDDB810-8915-F688-EC56-735A2083E247}"/>
+              </a:ext>
+            </a:extLst>
+          </p:cNvPr>
+          <p:cNvPicPr>
+            <a:picLocks noChangeAspect="1"/>
+          </p:cNvPicPr>
+          <p:nvPr/>
+        </p:nvPicPr>
+        <p:blipFill rotWithShape="1">
+          <a:blip r:embed="rId3">
+            <a:extLst>
+              <a:ext uri="{28A0092B-C50C-407E-A947-70E740481C1C}">
+                <a14:useLocalDpi xmlns:a14="http://schemas.microsoft.com/office/drawing/2010/main" val="0"/>
+              </a:ext>
+            </a:extLst>
+          </a:blip>
+          <a:srcRect r="25934" b="10422"/>
+          <a:stretch/>
+        </p:blipFill>
+        <p:spPr>
+          <a:xfrm>
+            <a:off x="2289145" y="539062"/>
+            <a:ext cx="3350193" cy="2653904"/>
+          </a:xfrm>
+          <a:prstGeom prst="rect">
+            <a:avLst/>
+          </a:prstGeom>
+        </p:spPr>
+      </p:pic>
+      <p:pic>
+        <p:nvPicPr>
+          <p:cNvPr id="7" name="Picture 6">
+            <a:extLst>
+              <a:ext uri="{FF2B5EF4-FFF2-40B4-BE49-F238E27FC236}">
+                <a16:creationId xmlns:a16="http://schemas.microsoft.com/office/drawing/2014/main" id="{786510CD-5900-97AA-1220-ECD783E0517D}"/>
+              </a:ext>
+            </a:extLst>
+          </p:cNvPr>
+          <p:cNvPicPr>
+            <a:picLocks noChangeAspect="1"/>
+          </p:cNvPicPr>
+          <p:nvPr/>
+        </p:nvPicPr>
+        <p:blipFill rotWithShape="1">
+          <a:blip r:embed="rId4">
+            <a:extLst>
+              <a:ext uri="{28A0092B-C50C-407E-A947-70E740481C1C}">
+                <a14:useLocalDpi xmlns:a14="http://schemas.microsoft.com/office/drawing/2010/main" val="0"/>
+              </a:ext>
+            </a:extLst>
+          </a:blip>
+          <a:srcRect l="7381" r="25671"/>
+          <a:stretch/>
+        </p:blipFill>
+        <p:spPr>
+          <a:xfrm>
+            <a:off x="5602264" y="3230041"/>
+            <a:ext cx="3028209" cy="2962662"/>
+          </a:xfrm>
+          <a:prstGeom prst="rect">
+            <a:avLst/>
+          </a:prstGeom>
+        </p:spPr>
+      </p:pic>
+      <p:pic>
+        <p:nvPicPr>
+          <p:cNvPr id="9" name="Picture 8">
+            <a:extLst>
+              <a:ext uri="{FF2B5EF4-FFF2-40B4-BE49-F238E27FC236}">
+                <a16:creationId xmlns:a16="http://schemas.microsoft.com/office/drawing/2014/main" id="{11777628-66B3-9507-300B-F586E46254C5}"/>
+              </a:ext>
+            </a:extLst>
+          </p:cNvPr>
+          <p:cNvPicPr>
+            <a:picLocks noChangeAspect="1"/>
+          </p:cNvPicPr>
+          <p:nvPr/>
+        </p:nvPicPr>
+        <p:blipFill rotWithShape="1">
+          <a:blip r:embed="rId5">
+            <a:extLst>
+              <a:ext uri="{28A0092B-C50C-407E-A947-70E740481C1C}">
+                <a14:useLocalDpi xmlns:a14="http://schemas.microsoft.com/office/drawing/2010/main" val="0"/>
+              </a:ext>
+            </a:extLst>
+          </a:blip>
+          <a:srcRect r="25934"/>
+          <a:stretch/>
+        </p:blipFill>
+        <p:spPr>
+          <a:xfrm>
+            <a:off x="2214993" y="3230041"/>
+            <a:ext cx="3350192" cy="2962662"/>
+          </a:xfrm>
+          <a:prstGeom prst="rect">
+            <a:avLst/>
+          </a:prstGeom>
+        </p:spPr>
+      </p:pic>
+      <p:sp>
+        <p:nvSpPr>
+          <p:cNvPr id="10" name="TextBox 9">
+            <a:extLst>
+              <a:ext uri="{FF2B5EF4-FFF2-40B4-BE49-F238E27FC236}">
+                <a16:creationId xmlns:a16="http://schemas.microsoft.com/office/drawing/2014/main" id="{74BA8DEA-98C4-F463-E6B9-90EAD134F439}"/>
+              </a:ext>
+            </a:extLst>
+          </p:cNvPr>
+          <p:cNvSpPr txBox="1"/>
+          <p:nvPr/>
+        </p:nvSpPr>
+        <p:spPr>
+          <a:xfrm>
+            <a:off x="3260597" y="74275"/>
+            <a:ext cx="2118589" cy="461665"/>
+          </a:xfrm>
+          <a:prstGeom prst="rect">
+            <a:avLst/>
+          </a:prstGeom>
+          <a:noFill/>
+        </p:spPr>
+        <p:txBody>
+          <a:bodyPr wrap="square" rtlCol="0">
+            <a:spAutoFit/>
+          </a:bodyPr>
+          <a:lstStyle/>
+          <a:p>
+            <a:r>
+              <a:rPr lang="en-US" sz="2400" dirty="0">
+                <a:latin typeface="Times New Roman" panose="02020603050405020304" pitchFamily="18" charset="0"/>
+                <a:cs typeface="Times New Roman" panose="02020603050405020304" pitchFamily="18" charset="0"/>
+              </a:rPr>
+              <a:t>Without TPU</a:t>
+            </a:r>
+          </a:p>
+        </p:txBody>
+      </p:sp>
+      <p:sp>
+        <p:nvSpPr>
+          <p:cNvPr id="11" name="TextBox 10">
+            <a:extLst>
+              <a:ext uri="{FF2B5EF4-FFF2-40B4-BE49-F238E27FC236}">
+                <a16:creationId xmlns:a16="http://schemas.microsoft.com/office/drawing/2014/main" id="{D341E8A2-9FD8-2BCC-35DF-26D840BE2DE0}"/>
+              </a:ext>
+            </a:extLst>
+          </p:cNvPr>
+          <p:cNvSpPr txBox="1"/>
+          <p:nvPr/>
+        </p:nvSpPr>
+        <p:spPr>
+          <a:xfrm>
+            <a:off x="6511877" y="47843"/>
+            <a:ext cx="2301106" cy="461665"/>
+          </a:xfrm>
+          <a:prstGeom prst="rect">
+            <a:avLst/>
+          </a:prstGeom>
+          <a:noFill/>
+        </p:spPr>
+        <p:txBody>
+          <a:bodyPr wrap="square" rtlCol="0">
+            <a:spAutoFit/>
+          </a:bodyPr>
+          <a:lstStyle/>
+          <a:p>
+            <a:r>
+              <a:rPr lang="en-US" sz="2400" dirty="0">
+                <a:latin typeface="Times New Roman" panose="02020603050405020304" pitchFamily="18" charset="0"/>
+                <a:cs typeface="Times New Roman" panose="02020603050405020304" pitchFamily="18" charset="0"/>
+              </a:rPr>
+              <a:t>With TPU</a:t>
+            </a:r>
+          </a:p>
+        </p:txBody>
+      </p:sp>
+      <p:pic>
+        <p:nvPicPr>
+          <p:cNvPr id="13" name="Picture 12">
+            <a:extLst>
+              <a:ext uri="{FF2B5EF4-FFF2-40B4-BE49-F238E27FC236}">
+                <a16:creationId xmlns:a16="http://schemas.microsoft.com/office/drawing/2014/main" id="{C57A6398-BCEB-574F-EDF9-8464E0F5581A}"/>
+              </a:ext>
+            </a:extLst>
+          </p:cNvPr>
+          <p:cNvPicPr>
+            <a:picLocks noChangeAspect="1"/>
+          </p:cNvPicPr>
+          <p:nvPr/>
+        </p:nvPicPr>
+        <p:blipFill rotWithShape="1">
+          <a:blip r:embed="rId5">
+            <a:extLst>
+              <a:ext uri="{28A0092B-C50C-407E-A947-70E740481C1C}">
+                <a14:useLocalDpi xmlns:a14="http://schemas.microsoft.com/office/drawing/2010/main" val="0"/>
+              </a:ext>
+            </a:extLst>
+          </a:blip>
+          <a:srcRect l="73949"/>
+          <a:stretch/>
+        </p:blipFill>
+        <p:spPr>
+          <a:xfrm>
+            <a:off x="8630471" y="1297406"/>
+            <a:ext cx="1537337" cy="3865264"/>
+          </a:xfrm>
+          <a:prstGeom prst="rect">
+            <a:avLst/>
+          </a:prstGeom>
+        </p:spPr>
+      </p:pic>
+      <p:sp>
+        <p:nvSpPr>
+          <p:cNvPr id="14" name="TextBox 13">
+            <a:extLst>
+              <a:ext uri="{FF2B5EF4-FFF2-40B4-BE49-F238E27FC236}">
+                <a16:creationId xmlns:a16="http://schemas.microsoft.com/office/drawing/2014/main" id="{2A5C7266-9F78-BBA0-C2DD-8498D5B4B520}"/>
+              </a:ext>
+            </a:extLst>
+          </p:cNvPr>
+          <p:cNvSpPr txBox="1"/>
+          <p:nvPr/>
+        </p:nvSpPr>
+        <p:spPr>
+          <a:xfrm>
+            <a:off x="2214999" y="6192703"/>
+            <a:ext cx="7952809" cy="369332"/>
+          </a:xfrm>
+          <a:prstGeom prst="rect">
+            <a:avLst/>
+          </a:prstGeom>
+          <a:noFill/>
+        </p:spPr>
+        <p:txBody>
+          <a:bodyPr wrap="square" rtlCol="0">
+            <a:spAutoFit/>
+          </a:bodyPr>
+          <a:lstStyle/>
+          <a:p>
+            <a:pPr algn="just"/>
+            <a:r>
+              <a:rPr lang="en-US" dirty="0"/>
+              <a:t>Figure #: </a:t>
+            </a:r>
+            <a:r>
+              <a:rPr lang="en-US" i="1" dirty="0" err="1">
+                <a:solidFill>
+                  <a:srgbClr val="000000"/>
+                </a:solidFill>
+                <a:latin typeface="Times New Roman" panose="02020603050405020304" pitchFamily="18" charset="0"/>
+              </a:rPr>
+              <a:t>V</a:t>
+            </a:r>
+            <a:r>
+              <a:rPr lang="en-US" i="1" baseline="-25000" dirty="0" err="1">
+                <a:solidFill>
+                  <a:srgbClr val="000000"/>
+                </a:solidFill>
+                <a:latin typeface="Times New Roman" panose="02020603050405020304" pitchFamily="18" charset="0"/>
+              </a:rPr>
+              <a:t>cmax</a:t>
+            </a:r>
+            <a:r>
+              <a:rPr lang="en-US" dirty="0">
+                <a:solidFill>
+                  <a:srgbClr val="000000"/>
+                </a:solidFill>
+                <a:latin typeface="Times New Roman" panose="02020603050405020304" pitchFamily="18" charset="0"/>
+              </a:rPr>
+              <a:t> and </a:t>
+            </a:r>
+            <a:r>
+              <a:rPr lang="en-US" i="1" dirty="0" err="1">
+                <a:solidFill>
+                  <a:srgbClr val="000000"/>
+                </a:solidFill>
+                <a:latin typeface="Times New Roman" panose="02020603050405020304" pitchFamily="18" charset="0"/>
+              </a:rPr>
+              <a:t>J</a:t>
+            </a:r>
+            <a:r>
+              <a:rPr lang="en-US" i="1" baseline="-25000" dirty="0" err="1">
+                <a:solidFill>
+                  <a:srgbClr val="000000"/>
+                </a:solidFill>
+                <a:latin typeface="Times New Roman" panose="02020603050405020304" pitchFamily="18" charset="0"/>
+              </a:rPr>
+              <a:t>max</a:t>
+            </a:r>
+            <a:r>
+              <a:rPr lang="en-US" dirty="0">
+                <a:solidFill>
+                  <a:srgbClr val="000000"/>
+                </a:solidFill>
+                <a:latin typeface="Times New Roman" panose="02020603050405020304" pitchFamily="18" charset="0"/>
+              </a:rPr>
+              <a:t> estimates between the full dataset and the  </a:t>
+            </a:r>
+            <a:endParaRPr lang="en-US" dirty="0"/>
+          </a:p>
+        </p:txBody>
+      </p:sp>
+      <p:sp>
+        <p:nvSpPr>
+          <p:cNvPr id="15" name="TextBox 14">
+            <a:extLst>
+              <a:ext uri="{FF2B5EF4-FFF2-40B4-BE49-F238E27FC236}">
+                <a16:creationId xmlns:a16="http://schemas.microsoft.com/office/drawing/2014/main" id="{8CE6C076-78DA-BB28-34E7-3CAC01AF1735}"/>
+              </a:ext>
+            </a:extLst>
+          </p:cNvPr>
+          <p:cNvSpPr txBox="1"/>
+          <p:nvPr/>
+        </p:nvSpPr>
+        <p:spPr>
+          <a:xfrm>
+            <a:off x="2977977" y="578371"/>
+            <a:ext cx="400066" cy="338554"/>
+          </a:xfrm>
+          <a:prstGeom prst="rect">
+            <a:avLst/>
+          </a:prstGeom>
+          <a:noFill/>
+        </p:spPr>
+        <p:txBody>
+          <a:bodyPr wrap="square" rtlCol="0">
+            <a:spAutoFit/>
+          </a:bodyPr>
+          <a:lstStyle/>
+          <a:p>
+            <a:r>
+              <a:rPr lang="en-US" sz="1600" dirty="0"/>
+              <a:t>a</a:t>
+            </a:r>
+          </a:p>
+        </p:txBody>
+      </p:sp>
+      <p:sp>
+        <p:nvSpPr>
+          <p:cNvPr id="16" name="TextBox 15">
+            <a:extLst>
+              <a:ext uri="{FF2B5EF4-FFF2-40B4-BE49-F238E27FC236}">
+                <a16:creationId xmlns:a16="http://schemas.microsoft.com/office/drawing/2014/main" id="{BCDF1E7D-6B3C-44B9-B2D0-4884336EDB82}"/>
+              </a:ext>
+            </a:extLst>
+          </p:cNvPr>
+          <p:cNvSpPr txBox="1"/>
+          <p:nvPr/>
+        </p:nvSpPr>
+        <p:spPr>
+          <a:xfrm>
+            <a:off x="2982631" y="3259726"/>
+            <a:ext cx="400066" cy="338554"/>
+          </a:xfrm>
+          <a:prstGeom prst="rect">
+            <a:avLst/>
+          </a:prstGeom>
+          <a:noFill/>
+        </p:spPr>
+        <p:txBody>
+          <a:bodyPr wrap="square" rtlCol="0">
+            <a:spAutoFit/>
+          </a:bodyPr>
+          <a:lstStyle/>
+          <a:p>
+            <a:r>
+              <a:rPr lang="en-US" sz="1600" dirty="0"/>
+              <a:t>c</a:t>
+            </a:r>
+          </a:p>
+        </p:txBody>
+      </p:sp>
+      <p:sp>
+        <p:nvSpPr>
+          <p:cNvPr id="17" name="TextBox 16">
+            <a:extLst>
+              <a:ext uri="{FF2B5EF4-FFF2-40B4-BE49-F238E27FC236}">
+                <a16:creationId xmlns:a16="http://schemas.microsoft.com/office/drawing/2014/main" id="{B82106CE-0067-A99C-A1B5-39BEEDE4B3A8}"/>
+              </a:ext>
+            </a:extLst>
+          </p:cNvPr>
+          <p:cNvSpPr txBox="1"/>
+          <p:nvPr/>
+        </p:nvSpPr>
+        <p:spPr>
+          <a:xfrm>
+            <a:off x="5991367" y="578371"/>
+            <a:ext cx="400066" cy="338554"/>
+          </a:xfrm>
+          <a:prstGeom prst="rect">
+            <a:avLst/>
+          </a:prstGeom>
+          <a:noFill/>
+        </p:spPr>
+        <p:txBody>
+          <a:bodyPr wrap="square" rtlCol="0">
+            <a:spAutoFit/>
+          </a:bodyPr>
+          <a:lstStyle/>
+          <a:p>
+            <a:r>
+              <a:rPr lang="en-US" sz="1600" dirty="0"/>
+              <a:t>b</a:t>
+            </a:r>
+          </a:p>
+        </p:txBody>
+      </p:sp>
+      <p:sp>
+        <p:nvSpPr>
+          <p:cNvPr id="18" name="TextBox 17">
+            <a:extLst>
+              <a:ext uri="{FF2B5EF4-FFF2-40B4-BE49-F238E27FC236}">
+                <a16:creationId xmlns:a16="http://schemas.microsoft.com/office/drawing/2014/main" id="{1E2460CE-161E-44B9-B4A5-0FABB9CC188F}"/>
+              </a:ext>
+            </a:extLst>
+          </p:cNvPr>
+          <p:cNvSpPr txBox="1"/>
+          <p:nvPr/>
+        </p:nvSpPr>
+        <p:spPr>
+          <a:xfrm>
+            <a:off x="5991367" y="3259726"/>
+            <a:ext cx="400066" cy="338554"/>
+          </a:xfrm>
+          <a:prstGeom prst="rect">
+            <a:avLst/>
+          </a:prstGeom>
+          <a:noFill/>
+        </p:spPr>
+        <p:txBody>
+          <a:bodyPr wrap="square" rtlCol="0">
+            <a:spAutoFit/>
+          </a:bodyPr>
+          <a:lstStyle/>
+          <a:p>
+            <a:r>
+              <a:rPr lang="en-US" sz="1600" dirty="0"/>
+              <a:t>d</a:t>
+            </a:r>
+          </a:p>
+        </p:txBody>
+      </p:sp>
+      <p:sp>
+        <p:nvSpPr>
+          <p:cNvPr id="19" name="TextBox 18">
+            <a:extLst>
+              <a:ext uri="{FF2B5EF4-FFF2-40B4-BE49-F238E27FC236}">
+                <a16:creationId xmlns:a16="http://schemas.microsoft.com/office/drawing/2014/main" id="{D903221F-060F-9CD3-057E-DD86E61FD926}"/>
+              </a:ext>
+            </a:extLst>
+          </p:cNvPr>
+          <p:cNvSpPr txBox="1"/>
+          <p:nvPr/>
+        </p:nvSpPr>
+        <p:spPr>
+          <a:xfrm>
+            <a:off x="160645" y="257434"/>
+            <a:ext cx="1967257" cy="1938992"/>
+          </a:xfrm>
+          <a:prstGeom prst="rect">
+            <a:avLst/>
+          </a:prstGeom>
+          <a:noFill/>
+        </p:spPr>
+        <p:txBody>
+          <a:bodyPr wrap="square" rtlCol="0">
+            <a:spAutoFit/>
+          </a:bodyPr>
+          <a:lstStyle/>
+          <a:p>
+            <a:r>
+              <a:rPr lang="en-US" sz="2000" dirty="0"/>
+              <a:t>Comparing all v no-overshoot data between methods, and between TPU fitting</a:t>
+            </a:r>
+          </a:p>
+        </p:txBody>
+      </p:sp>
+      <p:sp>
+        <p:nvSpPr>
+          <p:cNvPr id="22" name="TextBox 21">
+            <a:extLst>
+              <a:ext uri="{FF2B5EF4-FFF2-40B4-BE49-F238E27FC236}">
+                <a16:creationId xmlns:a16="http://schemas.microsoft.com/office/drawing/2014/main" id="{757CEEF7-1E3F-EA22-874B-CC18D2EC2B12}"/>
+              </a:ext>
+            </a:extLst>
+          </p:cNvPr>
+          <p:cNvSpPr txBox="1"/>
+          <p:nvPr/>
+        </p:nvSpPr>
+        <p:spPr>
+          <a:xfrm>
+            <a:off x="3464550" y="504515"/>
+            <a:ext cx="469557" cy="369332"/>
+          </a:xfrm>
+          <a:prstGeom prst="rect">
+            <a:avLst/>
+          </a:prstGeom>
+          <a:noFill/>
+        </p:spPr>
+        <p:txBody>
+          <a:bodyPr wrap="square" rtlCol="0">
+            <a:spAutoFit/>
+          </a:bodyPr>
+          <a:lstStyle/>
+          <a:p>
+            <a:r>
+              <a:rPr lang="en-US" dirty="0">
+                <a:solidFill>
+                  <a:srgbClr val="FF0000"/>
+                </a:solidFill>
+              </a:rPr>
+              <a:t>*</a:t>
+            </a:r>
+          </a:p>
+        </p:txBody>
+      </p:sp>
+      <p:sp>
+        <p:nvSpPr>
+          <p:cNvPr id="24" name="TextBox 23">
+            <a:extLst>
+              <a:ext uri="{FF2B5EF4-FFF2-40B4-BE49-F238E27FC236}">
+                <a16:creationId xmlns:a16="http://schemas.microsoft.com/office/drawing/2014/main" id="{49FCDB1F-091E-0027-1333-2EB8AD1671C8}"/>
+              </a:ext>
+            </a:extLst>
+          </p:cNvPr>
+          <p:cNvSpPr txBox="1"/>
+          <p:nvPr/>
+        </p:nvSpPr>
+        <p:spPr>
+          <a:xfrm>
+            <a:off x="3277061" y="3249398"/>
+            <a:ext cx="787781" cy="369332"/>
+          </a:xfrm>
+          <a:prstGeom prst="rect">
+            <a:avLst/>
+          </a:prstGeom>
+          <a:noFill/>
+        </p:spPr>
+        <p:txBody>
+          <a:bodyPr wrap="square" rtlCol="0">
+            <a:spAutoFit/>
+          </a:bodyPr>
+          <a:lstStyle/>
+          <a:p>
+            <a:r>
+              <a:rPr lang="en-US" dirty="0">
+                <a:solidFill>
+                  <a:srgbClr val="FF0000"/>
+                </a:solidFill>
+              </a:rPr>
+              <a:t>****</a:t>
+            </a:r>
+          </a:p>
+        </p:txBody>
+      </p:sp>
+      <p:sp>
+        <p:nvSpPr>
+          <p:cNvPr id="25" name="TextBox 24">
+            <a:extLst>
+              <a:ext uri="{FF2B5EF4-FFF2-40B4-BE49-F238E27FC236}">
+                <a16:creationId xmlns:a16="http://schemas.microsoft.com/office/drawing/2014/main" id="{7CF9BA81-8DD1-715A-467B-D74B50C20A99}"/>
+              </a:ext>
+            </a:extLst>
+          </p:cNvPr>
+          <p:cNvSpPr txBox="1"/>
+          <p:nvPr/>
+        </p:nvSpPr>
+        <p:spPr>
+          <a:xfrm>
+            <a:off x="4513789" y="3255793"/>
+            <a:ext cx="639430" cy="369332"/>
+          </a:xfrm>
+          <a:prstGeom prst="rect">
+            <a:avLst/>
+          </a:prstGeom>
+          <a:noFill/>
+        </p:spPr>
+        <p:txBody>
+          <a:bodyPr wrap="square" rtlCol="0">
+            <a:spAutoFit/>
+          </a:bodyPr>
+          <a:lstStyle/>
+          <a:p>
+            <a:r>
+              <a:rPr lang="en-US" dirty="0">
+                <a:solidFill>
+                  <a:srgbClr val="FF0000"/>
+                </a:solidFill>
+              </a:rPr>
+              <a:t>***</a:t>
+            </a:r>
+          </a:p>
+        </p:txBody>
+      </p:sp>
+      <p:sp>
+        <p:nvSpPr>
+          <p:cNvPr id="26" name="TextBox 25">
+            <a:extLst>
+              <a:ext uri="{FF2B5EF4-FFF2-40B4-BE49-F238E27FC236}">
+                <a16:creationId xmlns:a16="http://schemas.microsoft.com/office/drawing/2014/main" id="{52C83AF5-7EF9-5CE7-8E21-4DCD51C8E83B}"/>
+              </a:ext>
+            </a:extLst>
+          </p:cNvPr>
+          <p:cNvSpPr txBox="1"/>
+          <p:nvPr/>
+        </p:nvSpPr>
+        <p:spPr>
+          <a:xfrm>
+            <a:off x="6347125" y="3243006"/>
+            <a:ext cx="787781" cy="369332"/>
+          </a:xfrm>
+          <a:prstGeom prst="rect">
+            <a:avLst/>
+          </a:prstGeom>
+          <a:noFill/>
+        </p:spPr>
+        <p:txBody>
+          <a:bodyPr wrap="square" rtlCol="0">
+            <a:spAutoFit/>
+          </a:bodyPr>
+          <a:lstStyle/>
+          <a:p>
+            <a:r>
+              <a:rPr lang="en-US" dirty="0">
+                <a:solidFill>
+                  <a:srgbClr val="FF0000"/>
+                </a:solidFill>
+              </a:rPr>
+              <a:t>****</a:t>
+            </a:r>
+          </a:p>
+        </p:txBody>
+      </p:sp>
+      <p:sp>
+        <p:nvSpPr>
+          <p:cNvPr id="27" name="TextBox 26">
+            <a:extLst>
+              <a:ext uri="{FF2B5EF4-FFF2-40B4-BE49-F238E27FC236}">
+                <a16:creationId xmlns:a16="http://schemas.microsoft.com/office/drawing/2014/main" id="{DBBE7B46-16F1-F6FB-3750-4B37981100D6}"/>
+              </a:ext>
+            </a:extLst>
+          </p:cNvPr>
+          <p:cNvSpPr txBox="1"/>
+          <p:nvPr/>
+        </p:nvSpPr>
+        <p:spPr>
+          <a:xfrm>
+            <a:off x="7584302" y="3248713"/>
+            <a:ext cx="787780" cy="369332"/>
+          </a:xfrm>
+          <a:prstGeom prst="rect">
+            <a:avLst/>
+          </a:prstGeom>
+          <a:noFill/>
+        </p:spPr>
+        <p:txBody>
+          <a:bodyPr wrap="square" rtlCol="0">
+            <a:spAutoFit/>
+          </a:bodyPr>
+          <a:lstStyle/>
+          <a:p>
+            <a:r>
+              <a:rPr lang="en-US" dirty="0">
+                <a:solidFill>
+                  <a:srgbClr val="FF0000"/>
+                </a:solidFill>
+              </a:rPr>
+              <a:t>***</a:t>
+            </a:r>
+          </a:p>
+        </p:txBody>
+      </p:sp>
     </p:spTree>
     <p:extLst>
       <p:ext uri="{BB962C8B-B14F-4D97-AF65-F5344CB8AC3E}">
-        <p14:creationId xmlns:p14="http://schemas.microsoft.com/office/powerpoint/2010/main" val="410165190"/>
+        <p14:creationId xmlns:p14="http://schemas.microsoft.com/office/powerpoint/2010/main" val="2603657128"/>
       </p:ext>
     </p:extLst>
   </p:cSld>
@@ -3847,40 +6371,10 @@
       </p:grpSpPr>
       <p:pic>
         <p:nvPicPr>
-          <p:cNvPr id="5" name="Picture 4">
+          <p:cNvPr id="6" name="Picture 5">
             <a:extLst>
               <a:ext uri="{FF2B5EF4-FFF2-40B4-BE49-F238E27FC236}">
-                <a16:creationId xmlns:a16="http://schemas.microsoft.com/office/drawing/2014/main" id="{997FB399-3298-CDAD-52DF-9D32AD3F8FAC}"/>
-              </a:ext>
-            </a:extLst>
-          </p:cNvPr>
-          <p:cNvPicPr>
-            <a:picLocks noChangeAspect="1"/>
-          </p:cNvPicPr>
-          <p:nvPr/>
-        </p:nvPicPr>
-        <p:blipFill>
-          <a:blip r:embed="rId2"/>
-          <a:stretch>
-            <a:fillRect/>
-          </a:stretch>
-        </p:blipFill>
-        <p:spPr>
-          <a:xfrm>
-            <a:off x="0" y="0"/>
-            <a:ext cx="5890161" cy="5953242"/>
-          </a:xfrm>
-          <a:prstGeom prst="rect">
-            <a:avLst/>
-          </a:prstGeom>
-        </p:spPr>
-      </p:pic>
-      <p:pic>
-        <p:nvPicPr>
-          <p:cNvPr id="3" name="Picture 2">
-            <a:extLst>
-              <a:ext uri="{FF2B5EF4-FFF2-40B4-BE49-F238E27FC236}">
-                <a16:creationId xmlns:a16="http://schemas.microsoft.com/office/drawing/2014/main" id="{0D7590D8-822D-A004-DECC-47C421FB27FB}"/>
+                <a16:creationId xmlns:a16="http://schemas.microsoft.com/office/drawing/2014/main" id="{3BEA3BBD-AF77-B408-98C9-72A3CD568BFA}"/>
               </a:ext>
             </a:extLst>
           </p:cNvPr>
@@ -3890,24 +6384,2897 @@
           <p:nvPr/>
         </p:nvPicPr>
         <p:blipFill rotWithShape="1">
-          <a:blip r:embed="rId3"/>
-          <a:srcRect t="546"/>
+          <a:blip r:embed="rId2">
+            <a:extLst>
+              <a:ext uri="{BEBA8EAE-BF5A-486C-A8C5-ECC9F3942E4B}">
+                <a14:imgProps xmlns:a14="http://schemas.microsoft.com/office/drawing/2010/main">
+                  <a14:imgLayer r:embed="rId3">
+                    <a14:imgEffect>
+                      <a14:sharpenSoften amount="25000"/>
+                    </a14:imgEffect>
+                  </a14:imgLayer>
+                </a14:imgProps>
+              </a:ext>
+            </a:extLst>
+          </a:blip>
+          <a:srcRect l="3035" t="1127" r="5429" b="14068"/>
           <a:stretch/>
         </p:blipFill>
         <p:spPr>
           <a:xfrm>
-            <a:off x="5142016" y="20781"/>
-            <a:ext cx="5934839" cy="5953243"/>
+            <a:off x="2395219" y="883613"/>
+            <a:ext cx="7150005" cy="4627256"/>
           </a:xfrm>
           <a:prstGeom prst="rect">
             <a:avLst/>
           </a:prstGeom>
         </p:spPr>
       </p:pic>
+      <p:cxnSp>
+        <p:nvCxnSpPr>
+          <p:cNvPr id="8" name="Straight Connector 7">
+            <a:extLst>
+              <a:ext uri="{FF2B5EF4-FFF2-40B4-BE49-F238E27FC236}">
+                <a16:creationId xmlns:a16="http://schemas.microsoft.com/office/drawing/2014/main" id="{F2541BCF-B133-280C-7039-BB09ADD18CC7}"/>
+              </a:ext>
+            </a:extLst>
+          </p:cNvPr>
+          <p:cNvCxnSpPr>
+            <a:cxnSpLocks/>
+          </p:cNvCxnSpPr>
+          <p:nvPr/>
+        </p:nvCxnSpPr>
+        <p:spPr>
+          <a:xfrm flipH="1">
+            <a:off x="2397658" y="5491952"/>
+            <a:ext cx="7147560" cy="0"/>
+          </a:xfrm>
+          <a:prstGeom prst="line">
+            <a:avLst/>
+          </a:prstGeom>
+          <a:ln w="19050"/>
+        </p:spPr>
+        <p:style>
+          <a:lnRef idx="1">
+            <a:schemeClr val="dk1"/>
+          </a:lnRef>
+          <a:fillRef idx="0">
+            <a:schemeClr val="dk1"/>
+          </a:fillRef>
+          <a:effectRef idx="0">
+            <a:schemeClr val="dk1"/>
+          </a:effectRef>
+          <a:fontRef idx="minor">
+            <a:schemeClr val="tx1"/>
+          </a:fontRef>
+        </p:style>
+      </p:cxnSp>
+      <p:sp>
+        <p:nvSpPr>
+          <p:cNvPr id="9" name="TextBox 8">
+            <a:extLst>
+              <a:ext uri="{FF2B5EF4-FFF2-40B4-BE49-F238E27FC236}">
+                <a16:creationId xmlns:a16="http://schemas.microsoft.com/office/drawing/2014/main" id="{5CCF98D2-FEBC-366A-40EF-B797E98C6070}"/>
+              </a:ext>
+            </a:extLst>
+          </p:cNvPr>
+          <p:cNvSpPr txBox="1"/>
+          <p:nvPr/>
+        </p:nvSpPr>
+        <p:spPr>
+          <a:xfrm>
+            <a:off x="2374803" y="5490809"/>
+            <a:ext cx="230133" cy="307777"/>
+          </a:xfrm>
+          <a:prstGeom prst="rect">
+            <a:avLst/>
+          </a:prstGeom>
+          <a:noFill/>
+        </p:spPr>
+        <p:txBody>
+          <a:bodyPr wrap="square" rtlCol="0">
+            <a:spAutoFit/>
+          </a:bodyPr>
+          <a:lstStyle/>
+          <a:p>
+            <a:r>
+              <a:rPr lang="en-US" sz="1400" dirty="0">
+                <a:latin typeface="Cambria Math" panose="02040503050406030204" pitchFamily="18" charset="0"/>
+                <a:ea typeface="Cambria Math" panose="02040503050406030204" pitchFamily="18" charset="0"/>
+              </a:rPr>
+              <a:t>0</a:t>
+            </a:r>
+          </a:p>
+        </p:txBody>
+      </p:sp>
+      <p:sp>
+        <p:nvSpPr>
+          <p:cNvPr id="10" name="TextBox 9">
+            <a:extLst>
+              <a:ext uri="{FF2B5EF4-FFF2-40B4-BE49-F238E27FC236}">
+                <a16:creationId xmlns:a16="http://schemas.microsoft.com/office/drawing/2014/main" id="{D4401F93-B686-8E28-5BF6-DDEF620EA0D0}"/>
+              </a:ext>
+            </a:extLst>
+          </p:cNvPr>
+          <p:cNvSpPr txBox="1"/>
+          <p:nvPr/>
+        </p:nvSpPr>
+        <p:spPr>
+          <a:xfrm>
+            <a:off x="4279254" y="5495073"/>
+            <a:ext cx="609216" cy="307777"/>
+          </a:xfrm>
+          <a:prstGeom prst="rect">
+            <a:avLst/>
+          </a:prstGeom>
+          <a:noFill/>
+        </p:spPr>
+        <p:txBody>
+          <a:bodyPr wrap="square" rtlCol="0">
+            <a:spAutoFit/>
+          </a:bodyPr>
+          <a:lstStyle/>
+          <a:p>
+            <a:r>
+              <a:rPr lang="en-US" sz="1400" dirty="0">
+                <a:latin typeface="Cambria Math" panose="02040503050406030204" pitchFamily="18" charset="0"/>
+                <a:ea typeface="Cambria Math" panose="02040503050406030204" pitchFamily="18" charset="0"/>
+              </a:rPr>
+              <a:t>500</a:t>
+            </a:r>
+          </a:p>
+        </p:txBody>
+      </p:sp>
+      <p:sp>
+        <p:nvSpPr>
+          <p:cNvPr id="11" name="TextBox 10">
+            <a:extLst>
+              <a:ext uri="{FF2B5EF4-FFF2-40B4-BE49-F238E27FC236}">
+                <a16:creationId xmlns:a16="http://schemas.microsoft.com/office/drawing/2014/main" id="{D41185FB-E3B3-CCC5-74D0-51D69615507F}"/>
+              </a:ext>
+            </a:extLst>
+          </p:cNvPr>
+          <p:cNvSpPr txBox="1"/>
+          <p:nvPr/>
+        </p:nvSpPr>
+        <p:spPr>
+          <a:xfrm>
+            <a:off x="6203639" y="5489066"/>
+            <a:ext cx="813296" cy="307777"/>
+          </a:xfrm>
+          <a:prstGeom prst="rect">
+            <a:avLst/>
+          </a:prstGeom>
+          <a:noFill/>
+        </p:spPr>
+        <p:txBody>
+          <a:bodyPr wrap="square" rtlCol="0">
+            <a:spAutoFit/>
+          </a:bodyPr>
+          <a:lstStyle/>
+          <a:p>
+            <a:r>
+              <a:rPr lang="en-US" sz="1400" dirty="0">
+                <a:latin typeface="Cambria Math" panose="02040503050406030204" pitchFamily="18" charset="0"/>
+                <a:ea typeface="Cambria Math" panose="02040503050406030204" pitchFamily="18" charset="0"/>
+              </a:rPr>
+              <a:t>1000</a:t>
+            </a:r>
+          </a:p>
+        </p:txBody>
+      </p:sp>
+      <p:sp>
+        <p:nvSpPr>
+          <p:cNvPr id="12" name="TextBox 11">
+            <a:extLst>
+              <a:ext uri="{FF2B5EF4-FFF2-40B4-BE49-F238E27FC236}">
+                <a16:creationId xmlns:a16="http://schemas.microsoft.com/office/drawing/2014/main" id="{6F0366CB-C330-ED03-DE81-28796000D96F}"/>
+              </a:ext>
+            </a:extLst>
+          </p:cNvPr>
+          <p:cNvSpPr txBox="1"/>
+          <p:nvPr/>
+        </p:nvSpPr>
+        <p:spPr>
+          <a:xfrm>
+            <a:off x="8205069" y="5491958"/>
+            <a:ext cx="950925" cy="307777"/>
+          </a:xfrm>
+          <a:prstGeom prst="rect">
+            <a:avLst/>
+          </a:prstGeom>
+          <a:noFill/>
+        </p:spPr>
+        <p:txBody>
+          <a:bodyPr wrap="square" rtlCol="0">
+            <a:spAutoFit/>
+          </a:bodyPr>
+          <a:lstStyle/>
+          <a:p>
+            <a:r>
+              <a:rPr lang="en-US" sz="1400" dirty="0">
+                <a:latin typeface="Cambria Math" panose="02040503050406030204" pitchFamily="18" charset="0"/>
+                <a:ea typeface="Cambria Math" panose="02040503050406030204" pitchFamily="18" charset="0"/>
+              </a:rPr>
+              <a:t>1500</a:t>
+            </a:r>
+          </a:p>
+        </p:txBody>
+      </p:sp>
+      <p:cxnSp>
+        <p:nvCxnSpPr>
+          <p:cNvPr id="14" name="Straight Connector 13">
+            <a:extLst>
+              <a:ext uri="{FF2B5EF4-FFF2-40B4-BE49-F238E27FC236}">
+                <a16:creationId xmlns:a16="http://schemas.microsoft.com/office/drawing/2014/main" id="{BDEFE4ED-09CF-2609-3CAA-0818CA79D1D6}"/>
+              </a:ext>
+            </a:extLst>
+          </p:cNvPr>
+          <p:cNvCxnSpPr/>
+          <p:nvPr/>
+        </p:nvCxnSpPr>
+        <p:spPr>
+          <a:xfrm flipV="1">
+            <a:off x="2397657" y="886505"/>
+            <a:ext cx="0" cy="4602558"/>
+          </a:xfrm>
+          <a:prstGeom prst="line">
+            <a:avLst/>
+          </a:prstGeom>
+          <a:ln w="19050"/>
+        </p:spPr>
+        <p:style>
+          <a:lnRef idx="1">
+            <a:schemeClr val="dk1"/>
+          </a:lnRef>
+          <a:fillRef idx="0">
+            <a:schemeClr val="dk1"/>
+          </a:fillRef>
+          <a:effectRef idx="0">
+            <a:schemeClr val="dk1"/>
+          </a:effectRef>
+          <a:fontRef idx="minor">
+            <a:schemeClr val="tx1"/>
+          </a:fontRef>
+        </p:style>
+      </p:cxnSp>
+      <p:sp>
+        <p:nvSpPr>
+          <p:cNvPr id="16" name="TextBox 15">
+            <a:extLst>
+              <a:ext uri="{FF2B5EF4-FFF2-40B4-BE49-F238E27FC236}">
+                <a16:creationId xmlns:a16="http://schemas.microsoft.com/office/drawing/2014/main" id="{6B771761-D73E-C5AE-1773-DA97B98B306D}"/>
+              </a:ext>
+            </a:extLst>
+          </p:cNvPr>
+          <p:cNvSpPr txBox="1"/>
+          <p:nvPr/>
+        </p:nvSpPr>
+        <p:spPr>
+          <a:xfrm>
+            <a:off x="2144989" y="5126826"/>
+            <a:ext cx="230133" cy="307777"/>
+          </a:xfrm>
+          <a:prstGeom prst="rect">
+            <a:avLst/>
+          </a:prstGeom>
+          <a:noFill/>
+        </p:spPr>
+        <p:txBody>
+          <a:bodyPr wrap="square" rtlCol="0">
+            <a:spAutoFit/>
+          </a:bodyPr>
+          <a:lstStyle/>
+          <a:p>
+            <a:r>
+              <a:rPr lang="en-US" sz="1400" dirty="0">
+                <a:latin typeface="Cambria Math" panose="02040503050406030204" pitchFamily="18" charset="0"/>
+                <a:ea typeface="Cambria Math" panose="02040503050406030204" pitchFamily="18" charset="0"/>
+              </a:rPr>
+              <a:t>0</a:t>
+            </a:r>
+          </a:p>
+        </p:txBody>
+      </p:sp>
+      <p:sp>
+        <p:nvSpPr>
+          <p:cNvPr id="17" name="TextBox 16">
+            <a:extLst>
+              <a:ext uri="{FF2B5EF4-FFF2-40B4-BE49-F238E27FC236}">
+                <a16:creationId xmlns:a16="http://schemas.microsoft.com/office/drawing/2014/main" id="{93D77CB0-51DB-C913-5EBF-7F814AA5E5A3}"/>
+              </a:ext>
+            </a:extLst>
+          </p:cNvPr>
+          <p:cNvSpPr txBox="1"/>
+          <p:nvPr/>
+        </p:nvSpPr>
+        <p:spPr>
+          <a:xfrm>
+            <a:off x="2144989" y="4002191"/>
+            <a:ext cx="230133" cy="307777"/>
+          </a:xfrm>
+          <a:prstGeom prst="rect">
+            <a:avLst/>
+          </a:prstGeom>
+          <a:noFill/>
+        </p:spPr>
+        <p:txBody>
+          <a:bodyPr wrap="square" rtlCol="0">
+            <a:spAutoFit/>
+          </a:bodyPr>
+          <a:lstStyle/>
+          <a:p>
+            <a:r>
+              <a:rPr lang="en-US" sz="1400" dirty="0">
+                <a:latin typeface="Cambria Math" panose="02040503050406030204" pitchFamily="18" charset="0"/>
+                <a:ea typeface="Cambria Math" panose="02040503050406030204" pitchFamily="18" charset="0"/>
+              </a:rPr>
+              <a:t>5</a:t>
+            </a:r>
+          </a:p>
+        </p:txBody>
+      </p:sp>
+      <p:sp>
+        <p:nvSpPr>
+          <p:cNvPr id="18" name="TextBox 17">
+            <a:extLst>
+              <a:ext uri="{FF2B5EF4-FFF2-40B4-BE49-F238E27FC236}">
+                <a16:creationId xmlns:a16="http://schemas.microsoft.com/office/drawing/2014/main" id="{C025A95A-EC38-3673-9061-4E35AFF762E5}"/>
+              </a:ext>
+            </a:extLst>
+          </p:cNvPr>
+          <p:cNvSpPr txBox="1"/>
+          <p:nvPr/>
+        </p:nvSpPr>
+        <p:spPr>
+          <a:xfrm>
+            <a:off x="2036818" y="2889689"/>
+            <a:ext cx="423824" cy="307777"/>
+          </a:xfrm>
+          <a:prstGeom prst="rect">
+            <a:avLst/>
+          </a:prstGeom>
+          <a:noFill/>
+        </p:spPr>
+        <p:txBody>
+          <a:bodyPr wrap="square" rtlCol="0">
+            <a:spAutoFit/>
+          </a:bodyPr>
+          <a:lstStyle/>
+          <a:p>
+            <a:r>
+              <a:rPr lang="en-US" sz="1400" dirty="0">
+                <a:latin typeface="Cambria Math" panose="02040503050406030204" pitchFamily="18" charset="0"/>
+                <a:ea typeface="Cambria Math" panose="02040503050406030204" pitchFamily="18" charset="0"/>
+              </a:rPr>
+              <a:t>10</a:t>
+            </a:r>
+          </a:p>
+        </p:txBody>
+      </p:sp>
+      <p:sp>
+        <p:nvSpPr>
+          <p:cNvPr id="19" name="TextBox 18">
+            <a:extLst>
+              <a:ext uri="{FF2B5EF4-FFF2-40B4-BE49-F238E27FC236}">
+                <a16:creationId xmlns:a16="http://schemas.microsoft.com/office/drawing/2014/main" id="{E3C1223A-F7AF-ED97-95F2-040FFD87D0B9}"/>
+              </a:ext>
+            </a:extLst>
+          </p:cNvPr>
+          <p:cNvSpPr txBox="1"/>
+          <p:nvPr/>
+        </p:nvSpPr>
+        <p:spPr>
+          <a:xfrm>
+            <a:off x="2036818" y="1744185"/>
+            <a:ext cx="423824" cy="307777"/>
+          </a:xfrm>
+          <a:prstGeom prst="rect">
+            <a:avLst/>
+          </a:prstGeom>
+          <a:noFill/>
+        </p:spPr>
+        <p:txBody>
+          <a:bodyPr wrap="square" rtlCol="0">
+            <a:spAutoFit/>
+          </a:bodyPr>
+          <a:lstStyle/>
+          <a:p>
+            <a:r>
+              <a:rPr lang="en-US" sz="1400" dirty="0">
+                <a:latin typeface="Cambria Math" panose="02040503050406030204" pitchFamily="18" charset="0"/>
+                <a:ea typeface="Cambria Math" panose="02040503050406030204" pitchFamily="18" charset="0"/>
+              </a:rPr>
+              <a:t>15</a:t>
+            </a:r>
+          </a:p>
+        </p:txBody>
+      </p:sp>
+      <p:sp>
+        <p:nvSpPr>
+          <p:cNvPr id="20" name="TextBox 19">
+            <a:extLst>
+              <a:ext uri="{FF2B5EF4-FFF2-40B4-BE49-F238E27FC236}">
+                <a16:creationId xmlns:a16="http://schemas.microsoft.com/office/drawing/2014/main" id="{DD828946-2193-F0CB-2D7A-EE06531C7FEE}"/>
+              </a:ext>
+            </a:extLst>
+          </p:cNvPr>
+          <p:cNvSpPr txBox="1"/>
+          <p:nvPr/>
+        </p:nvSpPr>
+        <p:spPr>
+          <a:xfrm rot="16200000">
+            <a:off x="961248" y="2956955"/>
+            <a:ext cx="1586208" cy="461665"/>
+          </a:xfrm>
+          <a:prstGeom prst="rect">
+            <a:avLst/>
+          </a:prstGeom>
+          <a:noFill/>
+        </p:spPr>
+        <p:txBody>
+          <a:bodyPr wrap="square" rtlCol="0">
+            <a:spAutoFit/>
+          </a:bodyPr>
+          <a:lstStyle/>
+          <a:p>
+            <a:r>
+              <a:rPr lang="en-US" sz="2400" dirty="0">
+                <a:latin typeface="Cambria Math" panose="02040503050406030204" pitchFamily="18" charset="0"/>
+                <a:ea typeface="Cambria Math" panose="02040503050406030204" pitchFamily="18" charset="0"/>
+              </a:rPr>
+              <a:t>Modeled A</a:t>
+            </a:r>
+          </a:p>
+        </p:txBody>
+      </p:sp>
+      <mc:AlternateContent xmlns:mc="http://schemas.openxmlformats.org/markup-compatibility/2006">
+        <mc:Choice xmlns:a14="http://schemas.microsoft.com/office/drawing/2010/main" Requires="a14">
+          <p:sp>
+            <p:nvSpPr>
+              <p:cNvPr id="21" name="TextBox 20">
+                <a:extLst>
+                  <a:ext uri="{FF2B5EF4-FFF2-40B4-BE49-F238E27FC236}">
+                    <a16:creationId xmlns:a16="http://schemas.microsoft.com/office/drawing/2014/main" id="{AC7C203F-3440-22BC-A590-23D39E761095}"/>
+                  </a:ext>
+                </a:extLst>
+              </p:cNvPr>
+              <p:cNvSpPr txBox="1"/>
+              <p:nvPr/>
+            </p:nvSpPr>
+            <p:spPr>
+              <a:xfrm>
+                <a:off x="5295333" y="5739376"/>
+                <a:ext cx="1426854" cy="461665"/>
+              </a:xfrm>
+              <a:prstGeom prst="rect">
+                <a:avLst/>
+              </a:prstGeom>
+              <a:noFill/>
+            </p:spPr>
+            <p:txBody>
+              <a:bodyPr wrap="square" rtlCol="0">
+                <a:spAutoFit/>
+              </a:bodyPr>
+              <a:lstStyle/>
+              <a:p>
+                <a:pPr/>
+                <a14:m>
+                  <m:oMathPara xmlns:m="http://schemas.openxmlformats.org/officeDocument/2006/math">
+                    <m:oMathParaPr>
+                      <m:jc m:val="centerGroup"/>
+                    </m:oMathParaPr>
+                    <m:oMath xmlns:m="http://schemas.openxmlformats.org/officeDocument/2006/math">
+                      <m:sSub>
+                        <m:sSubPr>
+                          <m:ctrlPr>
+                            <a:rPr lang="en-US" sz="2400" i="1">
+                              <a:latin typeface="Cambria Math" panose="02040503050406030204" pitchFamily="18" charset="0"/>
+                            </a:rPr>
+                          </m:ctrlPr>
+                        </m:sSubPr>
+                        <m:e>
+                          <m:r>
+                            <m:rPr>
+                              <m:sty m:val="p"/>
+                            </m:rPr>
+                            <a:rPr lang="en-US" sz="2400">
+                              <a:latin typeface="Cambria Math" panose="02040503050406030204" pitchFamily="18" charset="0"/>
+                            </a:rPr>
+                            <m:t>C</m:t>
+                          </m:r>
+                        </m:e>
+                        <m:sub>
+                          <m:r>
+                            <m:rPr>
+                              <m:sty m:val="p"/>
+                            </m:rPr>
+                            <a:rPr lang="en-US" sz="2400">
+                              <a:latin typeface="Cambria Math" panose="02040503050406030204" pitchFamily="18" charset="0"/>
+                            </a:rPr>
+                            <m:t>i</m:t>
+                          </m:r>
+                        </m:sub>
+                      </m:sSub>
+                    </m:oMath>
+                  </m:oMathPara>
+                </a14:m>
+                <a:endParaRPr lang="en-US" sz="2400" dirty="0"/>
+              </a:p>
+            </p:txBody>
+          </p:sp>
+        </mc:Choice>
+        <mc:Fallback>
+          <p:sp>
+            <p:nvSpPr>
+              <p:cNvPr id="21" name="TextBox 20">
+                <a:extLst>
+                  <a:ext uri="{FF2B5EF4-FFF2-40B4-BE49-F238E27FC236}">
+                    <a16:creationId xmlns:a16="http://schemas.microsoft.com/office/drawing/2014/main" id="{AC7C203F-3440-22BC-A590-23D39E761095}"/>
+                  </a:ext>
+                </a:extLst>
+              </p:cNvPr>
+              <p:cNvSpPr txBox="1">
+                <a:spLocks noRot="1" noChangeAspect="1" noMove="1" noResize="1" noEditPoints="1" noAdjustHandles="1" noChangeArrowheads="1" noChangeShapeType="1" noTextEdit="1"/>
+              </p:cNvSpPr>
+              <p:nvPr/>
+            </p:nvSpPr>
+            <p:spPr>
+              <a:xfrm>
+                <a:off x="5295333" y="5739376"/>
+                <a:ext cx="1426854" cy="461665"/>
+              </a:xfrm>
+              <a:prstGeom prst="rect">
+                <a:avLst/>
+              </a:prstGeom>
+              <a:blipFill>
+                <a:blip r:embed="rId4"/>
+                <a:stretch>
+                  <a:fillRect b="-2632"/>
+                </a:stretch>
+              </a:blipFill>
+            </p:spPr>
+            <p:txBody>
+              <a:bodyPr/>
+              <a:lstStyle/>
+              <a:p>
+                <a:r>
+                  <a:rPr lang="en-US">
+                    <a:noFill/>
+                  </a:rPr>
+                  <a:t> </a:t>
+                </a:r>
+              </a:p>
+            </p:txBody>
+          </p:sp>
+        </mc:Fallback>
+      </mc:AlternateContent>
+      <p:grpSp>
+        <p:nvGrpSpPr>
+          <p:cNvPr id="27" name="Group 26">
+            <a:extLst>
+              <a:ext uri="{FF2B5EF4-FFF2-40B4-BE49-F238E27FC236}">
+                <a16:creationId xmlns:a16="http://schemas.microsoft.com/office/drawing/2014/main" id="{63CBB839-9CAA-2EFD-6845-FC5102C61470}"/>
+              </a:ext>
+            </a:extLst>
+          </p:cNvPr>
+          <p:cNvGrpSpPr/>
+          <p:nvPr/>
+        </p:nvGrpSpPr>
+        <p:grpSpPr>
+          <a:xfrm>
+            <a:off x="8444643" y="4049606"/>
+            <a:ext cx="1255781" cy="1077218"/>
+            <a:chOff x="9893102" y="4195019"/>
+            <a:chExt cx="1763019" cy="1077217"/>
+          </a:xfrm>
+        </p:grpSpPr>
+        <p:sp>
+          <p:nvSpPr>
+            <p:cNvPr id="22" name="TextBox 21">
+              <a:extLst>
+                <a:ext uri="{FF2B5EF4-FFF2-40B4-BE49-F238E27FC236}">
+                  <a16:creationId xmlns:a16="http://schemas.microsoft.com/office/drawing/2014/main" id="{E1F2E37C-E8A2-251F-F33E-2B55025F0515}"/>
+                </a:ext>
+              </a:extLst>
+            </p:cNvPr>
+            <p:cNvSpPr txBox="1"/>
+            <p:nvPr/>
+          </p:nvSpPr>
+          <p:spPr>
+            <a:xfrm>
+              <a:off x="10240838" y="4195019"/>
+              <a:ext cx="1415283" cy="1077217"/>
+            </a:xfrm>
+            <a:prstGeom prst="rect">
+              <a:avLst/>
+            </a:prstGeom>
+            <a:noFill/>
+          </p:spPr>
+          <p:txBody>
+            <a:bodyPr wrap="square" rtlCol="0">
+              <a:spAutoFit/>
+            </a:bodyPr>
+            <a:lstStyle/>
+            <a:p>
+              <a:r>
+                <a:rPr lang="en-US" sz="1600" dirty="0" err="1">
+                  <a:latin typeface="Cambria Math" panose="02040503050406030204" pitchFamily="18" charset="0"/>
+                  <a:ea typeface="Cambria Math" panose="02040503050406030204" pitchFamily="18" charset="0"/>
+                </a:rPr>
+                <a:t>Amod</a:t>
+              </a:r>
+              <a:endParaRPr lang="en-US" sz="1600" dirty="0">
+                <a:latin typeface="Cambria Math" panose="02040503050406030204" pitchFamily="18" charset="0"/>
+                <a:ea typeface="Cambria Math" panose="02040503050406030204" pitchFamily="18" charset="0"/>
+              </a:endParaRPr>
+            </a:p>
+            <a:p>
+              <a:r>
+                <a:rPr lang="en-US" sz="1600" dirty="0">
+                  <a:latin typeface="Cambria Math" panose="02040503050406030204" pitchFamily="18" charset="0"/>
+                  <a:ea typeface="Cambria Math" panose="02040503050406030204" pitchFamily="18" charset="0"/>
+                </a:rPr>
+                <a:t>Ac</a:t>
+              </a:r>
+            </a:p>
+            <a:p>
+              <a:r>
+                <a:rPr lang="en-US" sz="1600" dirty="0" err="1">
+                  <a:latin typeface="Cambria Math" panose="02040503050406030204" pitchFamily="18" charset="0"/>
+                  <a:ea typeface="Cambria Math" panose="02040503050406030204" pitchFamily="18" charset="0"/>
+                </a:rPr>
+                <a:t>Aj</a:t>
+              </a:r>
+              <a:endParaRPr lang="en-US" sz="1600" dirty="0">
+                <a:latin typeface="Cambria Math" panose="02040503050406030204" pitchFamily="18" charset="0"/>
+                <a:ea typeface="Cambria Math" panose="02040503050406030204" pitchFamily="18" charset="0"/>
+              </a:endParaRPr>
+            </a:p>
+            <a:p>
+              <a:r>
+                <a:rPr lang="en-US" sz="1600" dirty="0">
+                  <a:latin typeface="Cambria Math" panose="02040503050406030204" pitchFamily="18" charset="0"/>
+                  <a:ea typeface="Cambria Math" panose="02040503050406030204" pitchFamily="18" charset="0"/>
+                </a:rPr>
+                <a:t>Ap</a:t>
+              </a:r>
+            </a:p>
+          </p:txBody>
+        </p:sp>
+        <p:sp>
+          <p:nvSpPr>
+            <p:cNvPr id="23" name="Rectangle: Rounded Corners 22">
+              <a:extLst>
+                <a:ext uri="{FF2B5EF4-FFF2-40B4-BE49-F238E27FC236}">
+                  <a16:creationId xmlns:a16="http://schemas.microsoft.com/office/drawing/2014/main" id="{082B9496-371E-FF4A-C3EB-9C234EA151D3}"/>
+                </a:ext>
+              </a:extLst>
+            </p:cNvPr>
+            <p:cNvSpPr/>
+            <p:nvPr/>
+          </p:nvSpPr>
+          <p:spPr>
+            <a:xfrm>
+              <a:off x="9893103" y="4301491"/>
+              <a:ext cx="347735" cy="186690"/>
+            </a:xfrm>
+            <a:prstGeom prst="roundRect">
+              <a:avLst/>
+            </a:prstGeom>
+            <a:solidFill>
+              <a:srgbClr val="000000"/>
+            </a:solidFill>
+            <a:ln>
+              <a:noFill/>
+            </a:ln>
+          </p:spPr>
+          <p:style>
+            <a:lnRef idx="2">
+              <a:schemeClr val="accent1">
+                <a:shade val="50000"/>
+              </a:schemeClr>
+            </a:lnRef>
+            <a:fillRef idx="1">
+              <a:schemeClr val="accent1"/>
+            </a:fillRef>
+            <a:effectRef idx="0">
+              <a:schemeClr val="accent1"/>
+            </a:effectRef>
+            <a:fontRef idx="minor">
+              <a:schemeClr val="lt1"/>
+            </a:fontRef>
+          </p:style>
+          <p:txBody>
+            <a:bodyPr rtlCol="0" anchor="ctr"/>
+            <a:lstStyle/>
+            <a:p>
+              <a:pPr algn="ctr"/>
+              <a:endParaRPr lang="en-US"/>
+            </a:p>
+          </p:txBody>
+        </p:sp>
+        <p:sp>
+          <p:nvSpPr>
+            <p:cNvPr id="24" name="Rectangle: Rounded Corners 23">
+              <a:extLst>
+                <a:ext uri="{FF2B5EF4-FFF2-40B4-BE49-F238E27FC236}">
+                  <a16:creationId xmlns:a16="http://schemas.microsoft.com/office/drawing/2014/main" id="{775BBAD6-33D3-A423-61F5-B296A96DA776}"/>
+                </a:ext>
+              </a:extLst>
+            </p:cNvPr>
+            <p:cNvSpPr/>
+            <p:nvPr/>
+          </p:nvSpPr>
+          <p:spPr>
+            <a:xfrm>
+              <a:off x="9894313" y="4540874"/>
+              <a:ext cx="347734" cy="186690"/>
+            </a:xfrm>
+            <a:prstGeom prst="roundRect">
+              <a:avLst/>
+            </a:prstGeom>
+            <a:solidFill>
+              <a:srgbClr val="0000FF"/>
+            </a:solidFill>
+            <a:ln>
+              <a:noFill/>
+            </a:ln>
+          </p:spPr>
+          <p:style>
+            <a:lnRef idx="2">
+              <a:schemeClr val="accent1">
+                <a:shade val="50000"/>
+              </a:schemeClr>
+            </a:lnRef>
+            <a:fillRef idx="1">
+              <a:schemeClr val="accent1"/>
+            </a:fillRef>
+            <a:effectRef idx="0">
+              <a:schemeClr val="accent1"/>
+            </a:effectRef>
+            <a:fontRef idx="minor">
+              <a:schemeClr val="lt1"/>
+            </a:fontRef>
+          </p:style>
+          <p:txBody>
+            <a:bodyPr rtlCol="0" anchor="ctr"/>
+            <a:lstStyle/>
+            <a:p>
+              <a:pPr algn="ctr"/>
+              <a:endParaRPr lang="en-US"/>
+            </a:p>
+          </p:txBody>
+        </p:sp>
+        <p:sp>
+          <p:nvSpPr>
+            <p:cNvPr id="25" name="Rectangle: Rounded Corners 24">
+              <a:extLst>
+                <a:ext uri="{FF2B5EF4-FFF2-40B4-BE49-F238E27FC236}">
+                  <a16:creationId xmlns:a16="http://schemas.microsoft.com/office/drawing/2014/main" id="{959BCB9B-99C9-4FB1-6F69-CA726B95ED6E}"/>
+                </a:ext>
+              </a:extLst>
+            </p:cNvPr>
+            <p:cNvSpPr/>
+            <p:nvPr/>
+          </p:nvSpPr>
+          <p:spPr>
+            <a:xfrm>
+              <a:off x="9893102" y="4780257"/>
+              <a:ext cx="347735" cy="186690"/>
+            </a:xfrm>
+            <a:prstGeom prst="roundRect">
+              <a:avLst/>
+            </a:prstGeom>
+            <a:solidFill>
+              <a:srgbClr val="EF9500"/>
+            </a:solidFill>
+            <a:ln>
+              <a:noFill/>
+            </a:ln>
+          </p:spPr>
+          <p:style>
+            <a:lnRef idx="2">
+              <a:schemeClr val="accent1">
+                <a:shade val="50000"/>
+              </a:schemeClr>
+            </a:lnRef>
+            <a:fillRef idx="1">
+              <a:schemeClr val="accent1"/>
+            </a:fillRef>
+            <a:effectRef idx="0">
+              <a:schemeClr val="accent1"/>
+            </a:effectRef>
+            <a:fontRef idx="minor">
+              <a:schemeClr val="lt1"/>
+            </a:fontRef>
+          </p:style>
+          <p:txBody>
+            <a:bodyPr rtlCol="0" anchor="ctr"/>
+            <a:lstStyle/>
+            <a:p>
+              <a:pPr algn="ctr"/>
+              <a:endParaRPr lang="en-US"/>
+            </a:p>
+          </p:txBody>
+        </p:sp>
+        <p:sp>
+          <p:nvSpPr>
+            <p:cNvPr id="26" name="Rectangle: Rounded Corners 25">
+              <a:extLst>
+                <a:ext uri="{FF2B5EF4-FFF2-40B4-BE49-F238E27FC236}">
+                  <a16:creationId xmlns:a16="http://schemas.microsoft.com/office/drawing/2014/main" id="{95558B19-B794-9611-740F-9332CF2D8A32}"/>
+                </a:ext>
+              </a:extLst>
+            </p:cNvPr>
+            <p:cNvSpPr/>
+            <p:nvPr/>
+          </p:nvSpPr>
+          <p:spPr>
+            <a:xfrm>
+              <a:off x="9893102" y="5018549"/>
+              <a:ext cx="347735" cy="186690"/>
+            </a:xfrm>
+            <a:prstGeom prst="roundRect">
+              <a:avLst/>
+            </a:prstGeom>
+            <a:solidFill>
+              <a:srgbClr val="DE0000"/>
+            </a:solidFill>
+            <a:ln>
+              <a:noFill/>
+            </a:ln>
+          </p:spPr>
+          <p:style>
+            <a:lnRef idx="2">
+              <a:schemeClr val="accent1">
+                <a:shade val="50000"/>
+              </a:schemeClr>
+            </a:lnRef>
+            <a:fillRef idx="1">
+              <a:schemeClr val="accent1"/>
+            </a:fillRef>
+            <a:effectRef idx="0">
+              <a:schemeClr val="accent1"/>
+            </a:effectRef>
+            <a:fontRef idx="minor">
+              <a:schemeClr val="lt1"/>
+            </a:fontRef>
+          </p:style>
+          <p:txBody>
+            <a:bodyPr rtlCol="0" anchor="ctr"/>
+            <a:lstStyle/>
+            <a:p>
+              <a:pPr algn="ctr"/>
+              <a:endParaRPr lang="en-US"/>
+            </a:p>
+          </p:txBody>
+        </p:sp>
+      </p:grpSp>
+      <p:sp>
+        <p:nvSpPr>
+          <p:cNvPr id="2" name="TextBox 1">
+            <a:extLst>
+              <a:ext uri="{FF2B5EF4-FFF2-40B4-BE49-F238E27FC236}">
+                <a16:creationId xmlns:a16="http://schemas.microsoft.com/office/drawing/2014/main" id="{1D34ABCB-BB8E-1E04-7616-4ADCC354DE35}"/>
+              </a:ext>
+            </a:extLst>
+          </p:cNvPr>
+          <p:cNvSpPr txBox="1"/>
+          <p:nvPr/>
+        </p:nvSpPr>
+        <p:spPr>
+          <a:xfrm>
+            <a:off x="361956" y="762004"/>
+            <a:ext cx="1336061" cy="369332"/>
+          </a:xfrm>
+          <a:prstGeom prst="rect">
+            <a:avLst/>
+          </a:prstGeom>
+          <a:noFill/>
+        </p:spPr>
+        <p:txBody>
+          <a:bodyPr wrap="square" rtlCol="0">
+            <a:spAutoFit/>
+          </a:bodyPr>
+          <a:lstStyle/>
+          <a:p>
+            <a:r>
+              <a:rPr lang="en-US" dirty="0"/>
+              <a:t>K6706L1</a:t>
+            </a:r>
+          </a:p>
+        </p:txBody>
+      </p:sp>
     </p:spTree>
     <p:extLst>
       <p:ext uri="{BB962C8B-B14F-4D97-AF65-F5344CB8AC3E}">
-        <p14:creationId xmlns:p14="http://schemas.microsoft.com/office/powerpoint/2010/main" val="2393338140"/>
+        <p14:creationId xmlns:p14="http://schemas.microsoft.com/office/powerpoint/2010/main" val="1162542860"/>
+      </p:ext>
+    </p:extLst>
+  </p:cSld>
+  <p:clrMapOvr>
+    <a:masterClrMapping/>
+  </p:clrMapOvr>
+</p:sld>
+</file>
+
+<file path=ppt/slides/slide8.xml><?xml version="1.0" encoding="utf-8"?>
+<p:sld xmlns:a="http://schemas.openxmlformats.org/drawingml/2006/main" xmlns:r="http://schemas.openxmlformats.org/officeDocument/2006/relationships" xmlns:p="http://schemas.openxmlformats.org/presentationml/2006/main">
+  <p:cSld>
+    <p:spTree>
+      <p:nvGrpSpPr>
+        <p:cNvPr id="1" name=""/>
+        <p:cNvGrpSpPr/>
+        <p:nvPr/>
+      </p:nvGrpSpPr>
+      <p:grpSpPr>
+        <a:xfrm>
+          <a:off x="0" y="0"/>
+          <a:ext cx="0" cy="0"/>
+          <a:chOff x="0" y="0"/>
+          <a:chExt cx="0" cy="0"/>
+        </a:xfrm>
+      </p:grpSpPr>
+      <p:grpSp>
+        <p:nvGrpSpPr>
+          <p:cNvPr id="32" name="Group 31">
+            <a:extLst>
+              <a:ext uri="{FF2B5EF4-FFF2-40B4-BE49-F238E27FC236}">
+                <a16:creationId xmlns:a16="http://schemas.microsoft.com/office/drawing/2014/main" id="{D315833F-2D9D-E64D-969B-EACF3D233A48}"/>
+              </a:ext>
+            </a:extLst>
+          </p:cNvPr>
+          <p:cNvGrpSpPr/>
+          <p:nvPr/>
+        </p:nvGrpSpPr>
+        <p:grpSpPr>
+          <a:xfrm>
+            <a:off x="1575161" y="817881"/>
+            <a:ext cx="8125265" cy="5383158"/>
+            <a:chOff x="1575153" y="817880"/>
+            <a:chExt cx="8125264" cy="5383157"/>
+          </a:xfrm>
+        </p:grpSpPr>
+        <p:pic>
+          <p:nvPicPr>
+            <p:cNvPr id="27" name="Picture 26">
+              <a:extLst>
+                <a:ext uri="{FF2B5EF4-FFF2-40B4-BE49-F238E27FC236}">
+                  <a16:creationId xmlns:a16="http://schemas.microsoft.com/office/drawing/2014/main" id="{4DE53A2F-C189-2CDF-AE63-44DCC67B2645}"/>
+                </a:ext>
+              </a:extLst>
+            </p:cNvPr>
+            <p:cNvPicPr>
+              <a:picLocks noChangeAspect="1"/>
+            </p:cNvPicPr>
+            <p:nvPr/>
+          </p:nvPicPr>
+          <p:blipFill rotWithShape="1">
+            <a:blip r:embed="rId2">
+              <a:extLst>
+                <a:ext uri="{BEBA8EAE-BF5A-486C-A8C5-ECC9F3942E4B}">
+                  <a14:imgProps xmlns:a14="http://schemas.microsoft.com/office/drawing/2010/main">
+                    <a14:imgLayer r:embed="rId3">
+                      <a14:imgEffect>
+                        <a14:sharpenSoften amount="25000"/>
+                      </a14:imgEffect>
+                    </a14:imgLayer>
+                  </a14:imgProps>
+                </a:ext>
+              </a:extLst>
+            </a:blip>
+            <a:srcRect l="1634" t="2385" r="4475" b="14292"/>
+            <a:stretch/>
+          </p:blipFill>
+          <p:spPr>
+            <a:xfrm>
+              <a:off x="2406985" y="817880"/>
+              <a:ext cx="7182081" cy="4668065"/>
+            </a:xfrm>
+            <a:prstGeom prst="rect">
+              <a:avLst/>
+            </a:prstGeom>
+          </p:spPr>
+        </p:pic>
+        <p:grpSp>
+          <p:nvGrpSpPr>
+            <p:cNvPr id="30" name="Group 29">
+              <a:extLst>
+                <a:ext uri="{FF2B5EF4-FFF2-40B4-BE49-F238E27FC236}">
+                  <a16:creationId xmlns:a16="http://schemas.microsoft.com/office/drawing/2014/main" id="{C6C21057-B899-064E-B2B3-A5134F0D7163}"/>
+                </a:ext>
+              </a:extLst>
+            </p:cNvPr>
+            <p:cNvGrpSpPr/>
+            <p:nvPr/>
+          </p:nvGrpSpPr>
+          <p:grpSpPr>
+            <a:xfrm>
+              <a:off x="1575153" y="817880"/>
+              <a:ext cx="8125264" cy="5383157"/>
+              <a:chOff x="1575153" y="817880"/>
+              <a:chExt cx="8125264" cy="5383157"/>
+            </a:xfrm>
+          </p:grpSpPr>
+          <p:cxnSp>
+            <p:nvCxnSpPr>
+              <p:cNvPr id="8" name="Straight Connector 7">
+                <a:extLst>
+                  <a:ext uri="{FF2B5EF4-FFF2-40B4-BE49-F238E27FC236}">
+                    <a16:creationId xmlns:a16="http://schemas.microsoft.com/office/drawing/2014/main" id="{02577AA3-1C39-D3A4-6556-79ECF98A1ABD}"/>
+                  </a:ext>
+                </a:extLst>
+              </p:cNvPr>
+              <p:cNvCxnSpPr/>
+              <p:nvPr/>
+            </p:nvCxnSpPr>
+            <p:spPr>
+              <a:xfrm flipH="1">
+                <a:off x="2397657" y="5491951"/>
+                <a:ext cx="7222205" cy="0"/>
+              </a:xfrm>
+              <a:prstGeom prst="line">
+                <a:avLst/>
+              </a:prstGeom>
+              <a:ln w="19050"/>
+            </p:spPr>
+            <p:style>
+              <a:lnRef idx="1">
+                <a:schemeClr val="dk1"/>
+              </a:lnRef>
+              <a:fillRef idx="0">
+                <a:schemeClr val="dk1"/>
+              </a:fillRef>
+              <a:effectRef idx="0">
+                <a:schemeClr val="dk1"/>
+              </a:effectRef>
+              <a:fontRef idx="minor">
+                <a:schemeClr val="tx1"/>
+              </a:fontRef>
+            </p:style>
+          </p:cxnSp>
+          <p:sp>
+            <p:nvSpPr>
+              <p:cNvPr id="9" name="TextBox 8">
+                <a:extLst>
+                  <a:ext uri="{FF2B5EF4-FFF2-40B4-BE49-F238E27FC236}">
+                    <a16:creationId xmlns:a16="http://schemas.microsoft.com/office/drawing/2014/main" id="{D9A9148D-4DCD-46A4-48AE-0110C4277502}"/>
+                  </a:ext>
+                </a:extLst>
+              </p:cNvPr>
+              <p:cNvSpPr txBox="1"/>
+              <p:nvPr/>
+            </p:nvSpPr>
+            <p:spPr>
+              <a:xfrm>
+                <a:off x="2374797" y="5490803"/>
+                <a:ext cx="230132" cy="307777"/>
+              </a:xfrm>
+              <a:prstGeom prst="rect">
+                <a:avLst/>
+              </a:prstGeom>
+              <a:noFill/>
+            </p:spPr>
+            <p:txBody>
+              <a:bodyPr wrap="square" rtlCol="0">
+                <a:spAutoFit/>
+              </a:bodyPr>
+              <a:lstStyle/>
+              <a:p>
+                <a:r>
+                  <a:rPr lang="en-US" sz="1400" dirty="0">
+                    <a:latin typeface="Cambria Math" panose="02040503050406030204" pitchFamily="18" charset="0"/>
+                    <a:ea typeface="Cambria Math" panose="02040503050406030204" pitchFamily="18" charset="0"/>
+                  </a:rPr>
+                  <a:t>0</a:t>
+                </a:r>
+              </a:p>
+            </p:txBody>
+          </p:sp>
+          <p:sp>
+            <p:nvSpPr>
+              <p:cNvPr id="10" name="TextBox 9">
+                <a:extLst>
+                  <a:ext uri="{FF2B5EF4-FFF2-40B4-BE49-F238E27FC236}">
+                    <a16:creationId xmlns:a16="http://schemas.microsoft.com/office/drawing/2014/main" id="{CE49B8E3-C664-4F4A-C180-3998FFD1A3ED}"/>
+                  </a:ext>
+                </a:extLst>
+              </p:cNvPr>
+              <p:cNvSpPr txBox="1"/>
+              <p:nvPr/>
+            </p:nvSpPr>
+            <p:spPr>
+              <a:xfrm>
+                <a:off x="4279253" y="5495067"/>
+                <a:ext cx="609216" cy="307777"/>
+              </a:xfrm>
+              <a:prstGeom prst="rect">
+                <a:avLst/>
+              </a:prstGeom>
+              <a:noFill/>
+            </p:spPr>
+            <p:txBody>
+              <a:bodyPr wrap="square" rtlCol="0">
+                <a:spAutoFit/>
+              </a:bodyPr>
+              <a:lstStyle/>
+              <a:p>
+                <a:r>
+                  <a:rPr lang="en-US" sz="1400" dirty="0">
+                    <a:latin typeface="Cambria Math" panose="02040503050406030204" pitchFamily="18" charset="0"/>
+                    <a:ea typeface="Cambria Math" panose="02040503050406030204" pitchFamily="18" charset="0"/>
+                  </a:rPr>
+                  <a:t>500</a:t>
+                </a:r>
+              </a:p>
+            </p:txBody>
+          </p:sp>
+          <p:sp>
+            <p:nvSpPr>
+              <p:cNvPr id="11" name="TextBox 10">
+                <a:extLst>
+                  <a:ext uri="{FF2B5EF4-FFF2-40B4-BE49-F238E27FC236}">
+                    <a16:creationId xmlns:a16="http://schemas.microsoft.com/office/drawing/2014/main" id="{D16C34F3-A448-0394-78CD-252D05B2B614}"/>
+                  </a:ext>
+                </a:extLst>
+              </p:cNvPr>
+              <p:cNvSpPr txBox="1"/>
+              <p:nvPr/>
+            </p:nvSpPr>
+            <p:spPr>
+              <a:xfrm>
+                <a:off x="6203636" y="5489060"/>
+                <a:ext cx="813295" cy="307777"/>
+              </a:xfrm>
+              <a:prstGeom prst="rect">
+                <a:avLst/>
+              </a:prstGeom>
+              <a:noFill/>
+            </p:spPr>
+            <p:txBody>
+              <a:bodyPr wrap="square" rtlCol="0">
+                <a:spAutoFit/>
+              </a:bodyPr>
+              <a:lstStyle/>
+              <a:p>
+                <a:r>
+                  <a:rPr lang="en-US" sz="1400" dirty="0">
+                    <a:latin typeface="Cambria Math" panose="02040503050406030204" pitchFamily="18" charset="0"/>
+                    <a:ea typeface="Cambria Math" panose="02040503050406030204" pitchFamily="18" charset="0"/>
+                  </a:rPr>
+                  <a:t>1000</a:t>
+                </a:r>
+              </a:p>
+            </p:txBody>
+          </p:sp>
+          <p:sp>
+            <p:nvSpPr>
+              <p:cNvPr id="12" name="TextBox 11">
+                <a:extLst>
+                  <a:ext uri="{FF2B5EF4-FFF2-40B4-BE49-F238E27FC236}">
+                    <a16:creationId xmlns:a16="http://schemas.microsoft.com/office/drawing/2014/main" id="{52E8FD98-BFDE-E816-512C-1B025757DA23}"/>
+                  </a:ext>
+                </a:extLst>
+              </p:cNvPr>
+              <p:cNvSpPr txBox="1"/>
+              <p:nvPr/>
+            </p:nvSpPr>
+            <p:spPr>
+              <a:xfrm>
+                <a:off x="8205064" y="5491951"/>
+                <a:ext cx="950924" cy="307777"/>
+              </a:xfrm>
+              <a:prstGeom prst="rect">
+                <a:avLst/>
+              </a:prstGeom>
+              <a:noFill/>
+            </p:spPr>
+            <p:txBody>
+              <a:bodyPr wrap="square" rtlCol="0">
+                <a:spAutoFit/>
+              </a:bodyPr>
+              <a:lstStyle/>
+              <a:p>
+                <a:r>
+                  <a:rPr lang="en-US" sz="1400" dirty="0">
+                    <a:latin typeface="Cambria Math" panose="02040503050406030204" pitchFamily="18" charset="0"/>
+                    <a:ea typeface="Cambria Math" panose="02040503050406030204" pitchFamily="18" charset="0"/>
+                  </a:rPr>
+                  <a:t>1500</a:t>
+                </a:r>
+              </a:p>
+            </p:txBody>
+          </p:sp>
+          <p:cxnSp>
+            <p:nvCxnSpPr>
+              <p:cNvPr id="13" name="Straight Connector 12">
+                <a:extLst>
+                  <a:ext uri="{FF2B5EF4-FFF2-40B4-BE49-F238E27FC236}">
+                    <a16:creationId xmlns:a16="http://schemas.microsoft.com/office/drawing/2014/main" id="{478CE1C2-6AB8-0099-2693-4DEFBB11335A}"/>
+                  </a:ext>
+                </a:extLst>
+              </p:cNvPr>
+              <p:cNvCxnSpPr>
+                <a:cxnSpLocks/>
+              </p:cNvCxnSpPr>
+              <p:nvPr/>
+            </p:nvCxnSpPr>
+            <p:spPr>
+              <a:xfrm flipV="1">
+                <a:off x="2397657" y="817880"/>
+                <a:ext cx="0" cy="4671180"/>
+              </a:xfrm>
+              <a:prstGeom prst="line">
+                <a:avLst/>
+              </a:prstGeom>
+              <a:ln w="19050"/>
+            </p:spPr>
+            <p:style>
+              <a:lnRef idx="1">
+                <a:schemeClr val="dk1"/>
+              </a:lnRef>
+              <a:fillRef idx="0">
+                <a:schemeClr val="dk1"/>
+              </a:fillRef>
+              <a:effectRef idx="0">
+                <a:schemeClr val="dk1"/>
+              </a:effectRef>
+              <a:fontRef idx="minor">
+                <a:schemeClr val="tx1"/>
+              </a:fontRef>
+            </p:style>
+          </p:cxnSp>
+          <p:sp>
+            <p:nvSpPr>
+              <p:cNvPr id="14" name="TextBox 13">
+                <a:extLst>
+                  <a:ext uri="{FF2B5EF4-FFF2-40B4-BE49-F238E27FC236}">
+                    <a16:creationId xmlns:a16="http://schemas.microsoft.com/office/drawing/2014/main" id="{D079897E-B7C3-F1E7-652C-F09F1FE7CBED}"/>
+                  </a:ext>
+                </a:extLst>
+              </p:cNvPr>
+              <p:cNvSpPr txBox="1"/>
+              <p:nvPr/>
+            </p:nvSpPr>
+            <p:spPr>
+              <a:xfrm>
+                <a:off x="2144982" y="5126820"/>
+                <a:ext cx="230132" cy="307777"/>
+              </a:xfrm>
+              <a:prstGeom prst="rect">
+                <a:avLst/>
+              </a:prstGeom>
+              <a:noFill/>
+            </p:spPr>
+            <p:txBody>
+              <a:bodyPr wrap="square" rtlCol="0">
+                <a:spAutoFit/>
+              </a:bodyPr>
+              <a:lstStyle/>
+              <a:p>
+                <a:r>
+                  <a:rPr lang="en-US" sz="1400" dirty="0">
+                    <a:latin typeface="Cambria Math" panose="02040503050406030204" pitchFamily="18" charset="0"/>
+                    <a:ea typeface="Cambria Math" panose="02040503050406030204" pitchFamily="18" charset="0"/>
+                  </a:rPr>
+                  <a:t>0</a:t>
+                </a:r>
+              </a:p>
+            </p:txBody>
+          </p:sp>
+          <p:sp>
+            <p:nvSpPr>
+              <p:cNvPr id="15" name="TextBox 14">
+                <a:extLst>
+                  <a:ext uri="{FF2B5EF4-FFF2-40B4-BE49-F238E27FC236}">
+                    <a16:creationId xmlns:a16="http://schemas.microsoft.com/office/drawing/2014/main" id="{8E611D06-8917-3E87-E7D8-BE1B47002506}"/>
+                  </a:ext>
+                </a:extLst>
+              </p:cNvPr>
+              <p:cNvSpPr txBox="1"/>
+              <p:nvPr/>
+            </p:nvSpPr>
+            <p:spPr>
+              <a:xfrm>
+                <a:off x="2144982" y="4002185"/>
+                <a:ext cx="230132" cy="307777"/>
+              </a:xfrm>
+              <a:prstGeom prst="rect">
+                <a:avLst/>
+              </a:prstGeom>
+              <a:noFill/>
+            </p:spPr>
+            <p:txBody>
+              <a:bodyPr wrap="square" rtlCol="0">
+                <a:spAutoFit/>
+              </a:bodyPr>
+              <a:lstStyle/>
+              <a:p>
+                <a:r>
+                  <a:rPr lang="en-US" sz="1400" dirty="0">
+                    <a:latin typeface="Cambria Math" panose="02040503050406030204" pitchFamily="18" charset="0"/>
+                    <a:ea typeface="Cambria Math" panose="02040503050406030204" pitchFamily="18" charset="0"/>
+                  </a:rPr>
+                  <a:t>5</a:t>
+                </a:r>
+              </a:p>
+            </p:txBody>
+          </p:sp>
+          <p:sp>
+            <p:nvSpPr>
+              <p:cNvPr id="16" name="TextBox 15">
+                <a:extLst>
+                  <a:ext uri="{FF2B5EF4-FFF2-40B4-BE49-F238E27FC236}">
+                    <a16:creationId xmlns:a16="http://schemas.microsoft.com/office/drawing/2014/main" id="{2159F4AD-DB9B-44DD-3579-4C3D8D4FA5F2}"/>
+                  </a:ext>
+                </a:extLst>
+              </p:cNvPr>
+              <p:cNvSpPr txBox="1"/>
+              <p:nvPr/>
+            </p:nvSpPr>
+            <p:spPr>
+              <a:xfrm>
+                <a:off x="2036818" y="2889683"/>
+                <a:ext cx="423824" cy="307777"/>
+              </a:xfrm>
+              <a:prstGeom prst="rect">
+                <a:avLst/>
+              </a:prstGeom>
+              <a:noFill/>
+            </p:spPr>
+            <p:txBody>
+              <a:bodyPr wrap="square" rtlCol="0">
+                <a:spAutoFit/>
+              </a:bodyPr>
+              <a:lstStyle/>
+              <a:p>
+                <a:r>
+                  <a:rPr lang="en-US" sz="1400" dirty="0">
+                    <a:latin typeface="Cambria Math" panose="02040503050406030204" pitchFamily="18" charset="0"/>
+                    <a:ea typeface="Cambria Math" panose="02040503050406030204" pitchFamily="18" charset="0"/>
+                  </a:rPr>
+                  <a:t>10</a:t>
+                </a:r>
+              </a:p>
+            </p:txBody>
+          </p:sp>
+          <p:sp>
+            <p:nvSpPr>
+              <p:cNvPr id="17" name="TextBox 16">
+                <a:extLst>
+                  <a:ext uri="{FF2B5EF4-FFF2-40B4-BE49-F238E27FC236}">
+                    <a16:creationId xmlns:a16="http://schemas.microsoft.com/office/drawing/2014/main" id="{E76C1F1F-D2B6-1082-5951-00B3B5309644}"/>
+                  </a:ext>
+                </a:extLst>
+              </p:cNvPr>
+              <p:cNvSpPr txBox="1"/>
+              <p:nvPr/>
+            </p:nvSpPr>
+            <p:spPr>
+              <a:xfrm>
+                <a:off x="2036818" y="1744179"/>
+                <a:ext cx="423824" cy="307777"/>
+              </a:xfrm>
+              <a:prstGeom prst="rect">
+                <a:avLst/>
+              </a:prstGeom>
+              <a:noFill/>
+            </p:spPr>
+            <p:txBody>
+              <a:bodyPr wrap="square" rtlCol="0">
+                <a:spAutoFit/>
+              </a:bodyPr>
+              <a:lstStyle/>
+              <a:p>
+                <a:r>
+                  <a:rPr lang="en-US" sz="1400" dirty="0">
+                    <a:latin typeface="Cambria Math" panose="02040503050406030204" pitchFamily="18" charset="0"/>
+                    <a:ea typeface="Cambria Math" panose="02040503050406030204" pitchFamily="18" charset="0"/>
+                  </a:rPr>
+                  <a:t>15</a:t>
+                </a:r>
+              </a:p>
+            </p:txBody>
+          </p:sp>
+          <p:sp>
+            <p:nvSpPr>
+              <p:cNvPr id="18" name="TextBox 17">
+                <a:extLst>
+                  <a:ext uri="{FF2B5EF4-FFF2-40B4-BE49-F238E27FC236}">
+                    <a16:creationId xmlns:a16="http://schemas.microsoft.com/office/drawing/2014/main" id="{C70A367D-2CAF-D454-6D04-F4558B9B2910}"/>
+                  </a:ext>
+                </a:extLst>
+              </p:cNvPr>
+              <p:cNvSpPr txBox="1"/>
+              <p:nvPr/>
+            </p:nvSpPr>
+            <p:spPr>
+              <a:xfrm rot="16200000">
+                <a:off x="904766" y="2812738"/>
+                <a:ext cx="1802439" cy="461665"/>
+              </a:xfrm>
+              <a:prstGeom prst="rect">
+                <a:avLst/>
+              </a:prstGeom>
+              <a:noFill/>
+            </p:spPr>
+            <p:txBody>
+              <a:bodyPr wrap="square" rtlCol="0">
+                <a:spAutoFit/>
+              </a:bodyPr>
+              <a:lstStyle/>
+              <a:p>
+                <a:r>
+                  <a:rPr lang="en-US" sz="2400" dirty="0">
+                    <a:latin typeface="Cambria Math" panose="02040503050406030204" pitchFamily="18" charset="0"/>
+                    <a:ea typeface="Cambria Math" panose="02040503050406030204" pitchFamily="18" charset="0"/>
+                  </a:rPr>
+                  <a:t>Modeled A</a:t>
+                </a:r>
+              </a:p>
+            </p:txBody>
+          </p:sp>
+          <mc:AlternateContent xmlns:mc="http://schemas.openxmlformats.org/markup-compatibility/2006">
+            <mc:Choice xmlns:a14="http://schemas.microsoft.com/office/drawing/2010/main" Requires="a14">
+              <p:sp>
+                <p:nvSpPr>
+                  <p:cNvPr id="19" name="TextBox 18">
+                    <a:extLst>
+                      <a:ext uri="{FF2B5EF4-FFF2-40B4-BE49-F238E27FC236}">
+                        <a16:creationId xmlns:a16="http://schemas.microsoft.com/office/drawing/2014/main" id="{1499FF03-816E-734C-4D7F-18F43F5B589D}"/>
+                      </a:ext>
+                    </a:extLst>
+                  </p:cNvPr>
+                  <p:cNvSpPr txBox="1"/>
+                  <p:nvPr/>
+                </p:nvSpPr>
+                <p:spPr>
+                  <a:xfrm>
+                    <a:off x="5295332" y="5739372"/>
+                    <a:ext cx="1426853" cy="461665"/>
+                  </a:xfrm>
+                  <a:prstGeom prst="rect">
+                    <a:avLst/>
+                  </a:prstGeom>
+                  <a:noFill/>
+                </p:spPr>
+                <p:txBody>
+                  <a:bodyPr wrap="square" rtlCol="0">
+                    <a:spAutoFit/>
+                  </a:bodyPr>
+                  <a:lstStyle/>
+                  <a:p>
+                    <a:pPr/>
+                    <a14:m>
+                      <m:oMathPara xmlns:m="http://schemas.openxmlformats.org/officeDocument/2006/math">
+                        <m:oMathParaPr>
+                          <m:jc m:val="centerGroup"/>
+                        </m:oMathParaPr>
+                        <m:oMath xmlns:m="http://schemas.openxmlformats.org/officeDocument/2006/math">
+                          <m:sSub>
+                            <m:sSubPr>
+                              <m:ctrlPr>
+                                <a:rPr lang="en-US" sz="2400" i="1">
+                                  <a:latin typeface="Cambria Math" panose="02040503050406030204" pitchFamily="18" charset="0"/>
+                                </a:rPr>
+                              </m:ctrlPr>
+                            </m:sSubPr>
+                            <m:e>
+                              <m:r>
+                                <m:rPr>
+                                  <m:sty m:val="p"/>
+                                </m:rPr>
+                                <a:rPr lang="en-US" sz="2400">
+                                  <a:latin typeface="Cambria Math" panose="02040503050406030204" pitchFamily="18" charset="0"/>
+                                </a:rPr>
+                                <m:t>C</m:t>
+                              </m:r>
+                            </m:e>
+                            <m:sub>
+                              <m:r>
+                                <m:rPr>
+                                  <m:sty m:val="p"/>
+                                </m:rPr>
+                                <a:rPr lang="en-US" sz="2400">
+                                  <a:latin typeface="Cambria Math" panose="02040503050406030204" pitchFamily="18" charset="0"/>
+                                </a:rPr>
+                                <m:t>i</m:t>
+                              </m:r>
+                            </m:sub>
+                          </m:sSub>
+                        </m:oMath>
+                      </m:oMathPara>
+                    </a14:m>
+                    <a:endParaRPr lang="en-US" sz="2400" dirty="0"/>
+                  </a:p>
+                </p:txBody>
+              </p:sp>
+            </mc:Choice>
+            <mc:Fallback>
+              <p:sp>
+                <p:nvSpPr>
+                  <p:cNvPr id="19" name="TextBox 18">
+                    <a:extLst>
+                      <a:ext uri="{FF2B5EF4-FFF2-40B4-BE49-F238E27FC236}">
+                        <a16:creationId xmlns:a16="http://schemas.microsoft.com/office/drawing/2014/main" id="{1499FF03-816E-734C-4D7F-18F43F5B589D}"/>
+                      </a:ext>
+                    </a:extLst>
+                  </p:cNvPr>
+                  <p:cNvSpPr txBox="1">
+                    <a:spLocks noRot="1" noChangeAspect="1" noMove="1" noResize="1" noEditPoints="1" noAdjustHandles="1" noChangeArrowheads="1" noChangeShapeType="1" noTextEdit="1"/>
+                  </p:cNvSpPr>
+                  <p:nvPr/>
+                </p:nvSpPr>
+                <p:spPr>
+                  <a:xfrm>
+                    <a:off x="5295332" y="5739372"/>
+                    <a:ext cx="1426853" cy="461665"/>
+                  </a:xfrm>
+                  <a:prstGeom prst="rect">
+                    <a:avLst/>
+                  </a:prstGeom>
+                  <a:blipFill>
+                    <a:blip r:embed="rId4"/>
+                    <a:stretch>
+                      <a:fillRect b="-2632"/>
+                    </a:stretch>
+                  </a:blipFill>
+                </p:spPr>
+                <p:txBody>
+                  <a:bodyPr/>
+                  <a:lstStyle/>
+                  <a:p>
+                    <a:r>
+                      <a:rPr lang="en-US">
+                        <a:noFill/>
+                      </a:rPr>
+                      <a:t> </a:t>
+                    </a:r>
+                  </a:p>
+                </p:txBody>
+              </p:sp>
+            </mc:Fallback>
+          </mc:AlternateContent>
+          <p:grpSp>
+            <p:nvGrpSpPr>
+              <p:cNvPr id="20" name="Group 19">
+                <a:extLst>
+                  <a:ext uri="{FF2B5EF4-FFF2-40B4-BE49-F238E27FC236}">
+                    <a16:creationId xmlns:a16="http://schemas.microsoft.com/office/drawing/2014/main" id="{3D7EC4A2-AE49-AC4A-75E0-AB5D750F005D}"/>
+                  </a:ext>
+                </a:extLst>
+              </p:cNvPr>
+              <p:cNvGrpSpPr/>
+              <p:nvPr/>
+            </p:nvGrpSpPr>
+            <p:grpSpPr>
+              <a:xfrm>
+                <a:off x="8444637" y="4049602"/>
+                <a:ext cx="1255780" cy="1077218"/>
+                <a:chOff x="9893102" y="4195019"/>
+                <a:chExt cx="1763019" cy="1077218"/>
+              </a:xfrm>
+            </p:grpSpPr>
+            <p:sp>
+              <p:nvSpPr>
+                <p:cNvPr id="21" name="TextBox 20">
+                  <a:extLst>
+                    <a:ext uri="{FF2B5EF4-FFF2-40B4-BE49-F238E27FC236}">
+                      <a16:creationId xmlns:a16="http://schemas.microsoft.com/office/drawing/2014/main" id="{40CDA00F-EE49-EC46-C4C3-1CEF88B0E026}"/>
+                    </a:ext>
+                  </a:extLst>
+                </p:cNvPr>
+                <p:cNvSpPr txBox="1"/>
+                <p:nvPr/>
+              </p:nvSpPr>
+              <p:spPr>
+                <a:xfrm>
+                  <a:off x="10240838" y="4195019"/>
+                  <a:ext cx="1415283" cy="1077218"/>
+                </a:xfrm>
+                <a:prstGeom prst="rect">
+                  <a:avLst/>
+                </a:prstGeom>
+                <a:noFill/>
+              </p:spPr>
+              <p:txBody>
+                <a:bodyPr wrap="square" rtlCol="0">
+                  <a:spAutoFit/>
+                </a:bodyPr>
+                <a:lstStyle/>
+                <a:p>
+                  <a:r>
+                    <a:rPr lang="en-US" sz="1600" dirty="0" err="1">
+                      <a:latin typeface="Cambria Math" panose="02040503050406030204" pitchFamily="18" charset="0"/>
+                      <a:ea typeface="Cambria Math" panose="02040503050406030204" pitchFamily="18" charset="0"/>
+                    </a:rPr>
+                    <a:t>Amod</a:t>
+                  </a:r>
+                  <a:endParaRPr lang="en-US" sz="1600" dirty="0">
+                    <a:latin typeface="Cambria Math" panose="02040503050406030204" pitchFamily="18" charset="0"/>
+                    <a:ea typeface="Cambria Math" panose="02040503050406030204" pitchFamily="18" charset="0"/>
+                  </a:endParaRPr>
+                </a:p>
+                <a:p>
+                  <a:r>
+                    <a:rPr lang="en-US" sz="1600" dirty="0">
+                      <a:latin typeface="Cambria Math" panose="02040503050406030204" pitchFamily="18" charset="0"/>
+                      <a:ea typeface="Cambria Math" panose="02040503050406030204" pitchFamily="18" charset="0"/>
+                    </a:rPr>
+                    <a:t>Ac</a:t>
+                  </a:r>
+                </a:p>
+                <a:p>
+                  <a:r>
+                    <a:rPr lang="en-US" sz="1600" dirty="0" err="1">
+                      <a:latin typeface="Cambria Math" panose="02040503050406030204" pitchFamily="18" charset="0"/>
+                      <a:ea typeface="Cambria Math" panose="02040503050406030204" pitchFamily="18" charset="0"/>
+                    </a:rPr>
+                    <a:t>Aj</a:t>
+                  </a:r>
+                  <a:endParaRPr lang="en-US" sz="1600" dirty="0">
+                    <a:latin typeface="Cambria Math" panose="02040503050406030204" pitchFamily="18" charset="0"/>
+                    <a:ea typeface="Cambria Math" panose="02040503050406030204" pitchFamily="18" charset="0"/>
+                  </a:endParaRPr>
+                </a:p>
+                <a:p>
+                  <a:r>
+                    <a:rPr lang="en-US" sz="1600" dirty="0">
+                      <a:latin typeface="Cambria Math" panose="02040503050406030204" pitchFamily="18" charset="0"/>
+                      <a:ea typeface="Cambria Math" panose="02040503050406030204" pitchFamily="18" charset="0"/>
+                    </a:rPr>
+                    <a:t>Ap</a:t>
+                  </a:r>
+                </a:p>
+              </p:txBody>
+            </p:sp>
+            <p:sp>
+              <p:nvSpPr>
+                <p:cNvPr id="22" name="Rectangle: Rounded Corners 21">
+                  <a:extLst>
+                    <a:ext uri="{FF2B5EF4-FFF2-40B4-BE49-F238E27FC236}">
+                      <a16:creationId xmlns:a16="http://schemas.microsoft.com/office/drawing/2014/main" id="{48759E2E-66B9-B6B8-D801-A941ADB00972}"/>
+                    </a:ext>
+                  </a:extLst>
+                </p:cNvPr>
+                <p:cNvSpPr/>
+                <p:nvPr/>
+              </p:nvSpPr>
+              <p:spPr>
+                <a:xfrm>
+                  <a:off x="9893103" y="4301491"/>
+                  <a:ext cx="347735" cy="186690"/>
+                </a:xfrm>
+                <a:prstGeom prst="roundRect">
+                  <a:avLst/>
+                </a:prstGeom>
+                <a:solidFill>
+                  <a:srgbClr val="000000"/>
+                </a:solidFill>
+                <a:ln>
+                  <a:noFill/>
+                </a:ln>
+              </p:spPr>
+              <p:style>
+                <a:lnRef idx="2">
+                  <a:schemeClr val="accent1">
+                    <a:shade val="50000"/>
+                  </a:schemeClr>
+                </a:lnRef>
+                <a:fillRef idx="1">
+                  <a:schemeClr val="accent1"/>
+                </a:fillRef>
+                <a:effectRef idx="0">
+                  <a:schemeClr val="accent1"/>
+                </a:effectRef>
+                <a:fontRef idx="minor">
+                  <a:schemeClr val="lt1"/>
+                </a:fontRef>
+              </p:style>
+              <p:txBody>
+                <a:bodyPr rtlCol="0" anchor="ctr"/>
+                <a:lstStyle/>
+                <a:p>
+                  <a:pPr algn="ctr"/>
+                  <a:endParaRPr lang="en-US"/>
+                </a:p>
+              </p:txBody>
+            </p:sp>
+            <p:sp>
+              <p:nvSpPr>
+                <p:cNvPr id="23" name="Rectangle: Rounded Corners 22">
+                  <a:extLst>
+                    <a:ext uri="{FF2B5EF4-FFF2-40B4-BE49-F238E27FC236}">
+                      <a16:creationId xmlns:a16="http://schemas.microsoft.com/office/drawing/2014/main" id="{F9695FEF-F591-63D3-6924-A4501D9F86F2}"/>
+                    </a:ext>
+                  </a:extLst>
+                </p:cNvPr>
+                <p:cNvSpPr/>
+                <p:nvPr/>
+              </p:nvSpPr>
+              <p:spPr>
+                <a:xfrm>
+                  <a:off x="9894313" y="4540874"/>
+                  <a:ext cx="347734" cy="186690"/>
+                </a:xfrm>
+                <a:prstGeom prst="roundRect">
+                  <a:avLst/>
+                </a:prstGeom>
+                <a:solidFill>
+                  <a:srgbClr val="0000FF"/>
+                </a:solidFill>
+                <a:ln>
+                  <a:noFill/>
+                </a:ln>
+              </p:spPr>
+              <p:style>
+                <a:lnRef idx="2">
+                  <a:schemeClr val="accent1">
+                    <a:shade val="50000"/>
+                  </a:schemeClr>
+                </a:lnRef>
+                <a:fillRef idx="1">
+                  <a:schemeClr val="accent1"/>
+                </a:fillRef>
+                <a:effectRef idx="0">
+                  <a:schemeClr val="accent1"/>
+                </a:effectRef>
+                <a:fontRef idx="minor">
+                  <a:schemeClr val="lt1"/>
+                </a:fontRef>
+              </p:style>
+              <p:txBody>
+                <a:bodyPr rtlCol="0" anchor="ctr"/>
+                <a:lstStyle/>
+                <a:p>
+                  <a:pPr algn="ctr"/>
+                  <a:endParaRPr lang="en-US"/>
+                </a:p>
+              </p:txBody>
+            </p:sp>
+            <p:sp>
+              <p:nvSpPr>
+                <p:cNvPr id="24" name="Rectangle: Rounded Corners 23">
+                  <a:extLst>
+                    <a:ext uri="{FF2B5EF4-FFF2-40B4-BE49-F238E27FC236}">
+                      <a16:creationId xmlns:a16="http://schemas.microsoft.com/office/drawing/2014/main" id="{22663167-3E6B-1239-DD45-4E6219E32D67}"/>
+                    </a:ext>
+                  </a:extLst>
+                </p:cNvPr>
+                <p:cNvSpPr/>
+                <p:nvPr/>
+              </p:nvSpPr>
+              <p:spPr>
+                <a:xfrm>
+                  <a:off x="9893102" y="4780257"/>
+                  <a:ext cx="347735" cy="186690"/>
+                </a:xfrm>
+                <a:prstGeom prst="roundRect">
+                  <a:avLst/>
+                </a:prstGeom>
+                <a:solidFill>
+                  <a:srgbClr val="EF9500"/>
+                </a:solidFill>
+                <a:ln>
+                  <a:noFill/>
+                </a:ln>
+              </p:spPr>
+              <p:style>
+                <a:lnRef idx="2">
+                  <a:schemeClr val="accent1">
+                    <a:shade val="50000"/>
+                  </a:schemeClr>
+                </a:lnRef>
+                <a:fillRef idx="1">
+                  <a:schemeClr val="accent1"/>
+                </a:fillRef>
+                <a:effectRef idx="0">
+                  <a:schemeClr val="accent1"/>
+                </a:effectRef>
+                <a:fontRef idx="minor">
+                  <a:schemeClr val="lt1"/>
+                </a:fontRef>
+              </p:style>
+              <p:txBody>
+                <a:bodyPr rtlCol="0" anchor="ctr"/>
+                <a:lstStyle/>
+                <a:p>
+                  <a:pPr algn="ctr"/>
+                  <a:endParaRPr lang="en-US"/>
+                </a:p>
+              </p:txBody>
+            </p:sp>
+            <p:sp>
+              <p:nvSpPr>
+                <p:cNvPr id="25" name="Rectangle: Rounded Corners 24">
+                  <a:extLst>
+                    <a:ext uri="{FF2B5EF4-FFF2-40B4-BE49-F238E27FC236}">
+                      <a16:creationId xmlns:a16="http://schemas.microsoft.com/office/drawing/2014/main" id="{349E2FD2-E76F-0D71-2106-5FBA1804E999}"/>
+                    </a:ext>
+                  </a:extLst>
+                </p:cNvPr>
+                <p:cNvSpPr/>
+                <p:nvPr/>
+              </p:nvSpPr>
+              <p:spPr>
+                <a:xfrm>
+                  <a:off x="9893102" y="5018549"/>
+                  <a:ext cx="347735" cy="186690"/>
+                </a:xfrm>
+                <a:prstGeom prst="roundRect">
+                  <a:avLst/>
+                </a:prstGeom>
+                <a:solidFill>
+                  <a:srgbClr val="DE0000"/>
+                </a:solidFill>
+                <a:ln>
+                  <a:noFill/>
+                </a:ln>
+              </p:spPr>
+              <p:style>
+                <a:lnRef idx="2">
+                  <a:schemeClr val="accent1">
+                    <a:shade val="50000"/>
+                  </a:schemeClr>
+                </a:lnRef>
+                <a:fillRef idx="1">
+                  <a:schemeClr val="accent1"/>
+                </a:fillRef>
+                <a:effectRef idx="0">
+                  <a:schemeClr val="accent1"/>
+                </a:effectRef>
+                <a:fontRef idx="minor">
+                  <a:schemeClr val="lt1"/>
+                </a:fontRef>
+              </p:style>
+              <p:txBody>
+                <a:bodyPr rtlCol="0" anchor="ctr"/>
+                <a:lstStyle/>
+                <a:p>
+                  <a:pPr algn="ctr"/>
+                  <a:endParaRPr lang="en-US"/>
+                </a:p>
+              </p:txBody>
+            </p:sp>
+          </p:grpSp>
+        </p:grpSp>
+      </p:grpSp>
+      <p:sp>
+        <p:nvSpPr>
+          <p:cNvPr id="2" name="TextBox 1">
+            <a:extLst>
+              <a:ext uri="{FF2B5EF4-FFF2-40B4-BE49-F238E27FC236}">
+                <a16:creationId xmlns:a16="http://schemas.microsoft.com/office/drawing/2014/main" id="{36216A77-4E6C-E4B3-02D8-131FD6BAF237}"/>
+              </a:ext>
+            </a:extLst>
+          </p:cNvPr>
+          <p:cNvSpPr txBox="1"/>
+          <p:nvPr/>
+        </p:nvSpPr>
+        <p:spPr>
+          <a:xfrm>
+            <a:off x="361956" y="762004"/>
+            <a:ext cx="1336061" cy="369332"/>
+          </a:xfrm>
+          <a:prstGeom prst="rect">
+            <a:avLst/>
+          </a:prstGeom>
+          <a:noFill/>
+        </p:spPr>
+        <p:txBody>
+          <a:bodyPr wrap="square" rtlCol="0">
+            <a:spAutoFit/>
+          </a:bodyPr>
+          <a:lstStyle/>
+          <a:p>
+            <a:r>
+              <a:rPr lang="en-US" dirty="0"/>
+              <a:t>K6706L1</a:t>
+            </a:r>
+          </a:p>
+        </p:txBody>
+      </p:sp>
+    </p:spTree>
+    <p:extLst>
+      <p:ext uri="{BB962C8B-B14F-4D97-AF65-F5344CB8AC3E}">
+        <p14:creationId xmlns:p14="http://schemas.microsoft.com/office/powerpoint/2010/main" val="1825971582"/>
+      </p:ext>
+    </p:extLst>
+  </p:cSld>
+  <p:clrMapOvr>
+    <a:masterClrMapping/>
+  </p:clrMapOvr>
+</p:sld>
+</file>
+
+<file path=ppt/slides/slide9.xml><?xml version="1.0" encoding="utf-8"?>
+<p:sld xmlns:a="http://schemas.openxmlformats.org/drawingml/2006/main" xmlns:r="http://schemas.openxmlformats.org/officeDocument/2006/relationships" xmlns:p="http://schemas.openxmlformats.org/presentationml/2006/main">
+  <p:cSld>
+    <p:spTree>
+      <p:nvGrpSpPr>
+        <p:cNvPr id="1" name=""/>
+        <p:cNvGrpSpPr/>
+        <p:nvPr/>
+      </p:nvGrpSpPr>
+      <p:grpSpPr>
+        <a:xfrm>
+          <a:off x="0" y="0"/>
+          <a:ext cx="0" cy="0"/>
+          <a:chOff x="0" y="0"/>
+          <a:chExt cx="0" cy="0"/>
+        </a:xfrm>
+      </p:grpSpPr>
+      <p:grpSp>
+        <p:nvGrpSpPr>
+          <p:cNvPr id="28" name="Group 27">
+            <a:extLst>
+              <a:ext uri="{FF2B5EF4-FFF2-40B4-BE49-F238E27FC236}">
+                <a16:creationId xmlns:a16="http://schemas.microsoft.com/office/drawing/2014/main" id="{40F1D146-BF41-FA21-B286-B053828B62B1}"/>
+              </a:ext>
+            </a:extLst>
+          </p:cNvPr>
+          <p:cNvGrpSpPr/>
+          <p:nvPr/>
+        </p:nvGrpSpPr>
+        <p:grpSpPr>
+          <a:xfrm>
+            <a:off x="1575156" y="1342936"/>
+            <a:ext cx="7625802" cy="4911368"/>
+            <a:chOff x="1575153" y="1342934"/>
+            <a:chExt cx="7625801" cy="4911367"/>
+          </a:xfrm>
+        </p:grpSpPr>
+        <p:pic>
+          <p:nvPicPr>
+            <p:cNvPr id="3" name="Picture 2">
+              <a:extLst>
+                <a:ext uri="{FF2B5EF4-FFF2-40B4-BE49-F238E27FC236}">
+                  <a16:creationId xmlns:a16="http://schemas.microsoft.com/office/drawing/2014/main" id="{AD3253AA-482C-6135-0046-22F5CFE5D361}"/>
+                </a:ext>
+              </a:extLst>
+            </p:cNvPr>
+            <p:cNvPicPr>
+              <a:picLocks noChangeAspect="1"/>
+            </p:cNvPicPr>
+            <p:nvPr/>
+          </p:nvPicPr>
+          <p:blipFill rotWithShape="1">
+            <a:blip r:embed="rId2"/>
+            <a:srcRect l="2220" t="1600" r="851" b="15676"/>
+            <a:stretch/>
+          </p:blipFill>
+          <p:spPr>
+            <a:xfrm>
+              <a:off x="2397656" y="1421546"/>
+              <a:ext cx="6501941" cy="4064396"/>
+            </a:xfrm>
+            <a:prstGeom prst="rect">
+              <a:avLst/>
+            </a:prstGeom>
+          </p:spPr>
+        </p:pic>
+        <p:cxnSp>
+          <p:nvCxnSpPr>
+            <p:cNvPr id="6" name="Straight Connector 5">
+              <a:extLst>
+                <a:ext uri="{FF2B5EF4-FFF2-40B4-BE49-F238E27FC236}">
+                  <a16:creationId xmlns:a16="http://schemas.microsoft.com/office/drawing/2014/main" id="{B5F68BAE-4F53-3965-A058-E5918518947E}"/>
+                </a:ext>
+              </a:extLst>
+            </p:cNvPr>
+            <p:cNvCxnSpPr>
+              <a:cxnSpLocks/>
+            </p:cNvCxnSpPr>
+            <p:nvPr/>
+          </p:nvCxnSpPr>
+          <p:spPr>
+            <a:xfrm flipH="1">
+              <a:off x="2397657" y="5491951"/>
+              <a:ext cx="6559053" cy="0"/>
+            </a:xfrm>
+            <a:prstGeom prst="line">
+              <a:avLst/>
+            </a:prstGeom>
+            <a:ln w="19050"/>
+          </p:spPr>
+          <p:style>
+            <a:lnRef idx="1">
+              <a:schemeClr val="dk1"/>
+            </a:lnRef>
+            <a:fillRef idx="0">
+              <a:schemeClr val="dk1"/>
+            </a:fillRef>
+            <a:effectRef idx="0">
+              <a:schemeClr val="dk1"/>
+            </a:effectRef>
+            <a:fontRef idx="minor">
+              <a:schemeClr val="tx1"/>
+            </a:fontRef>
+          </p:style>
+        </p:cxnSp>
+        <p:sp>
+          <p:nvSpPr>
+            <p:cNvPr id="7" name="TextBox 6">
+              <a:extLst>
+                <a:ext uri="{FF2B5EF4-FFF2-40B4-BE49-F238E27FC236}">
+                  <a16:creationId xmlns:a16="http://schemas.microsoft.com/office/drawing/2014/main" id="{0523CB0E-30AA-6C2B-3955-598276A7AF25}"/>
+                </a:ext>
+              </a:extLst>
+            </p:cNvPr>
+            <p:cNvSpPr txBox="1"/>
+            <p:nvPr/>
+          </p:nvSpPr>
+          <p:spPr>
+            <a:xfrm>
+              <a:off x="2374797" y="5490803"/>
+              <a:ext cx="230132" cy="307777"/>
+            </a:xfrm>
+            <a:prstGeom prst="rect">
+              <a:avLst/>
+            </a:prstGeom>
+            <a:noFill/>
+          </p:spPr>
+          <p:txBody>
+            <a:bodyPr wrap="square" rtlCol="0">
+              <a:spAutoFit/>
+            </a:bodyPr>
+            <a:lstStyle/>
+            <a:p>
+              <a:r>
+                <a:rPr lang="en-US" sz="1400" dirty="0">
+                  <a:latin typeface="Cambria Math" panose="02040503050406030204" pitchFamily="18" charset="0"/>
+                  <a:ea typeface="Cambria Math" panose="02040503050406030204" pitchFamily="18" charset="0"/>
+                </a:rPr>
+                <a:t>0</a:t>
+              </a:r>
+            </a:p>
+          </p:txBody>
+        </p:sp>
+        <p:sp>
+          <p:nvSpPr>
+            <p:cNvPr id="8" name="TextBox 7">
+              <a:extLst>
+                <a:ext uri="{FF2B5EF4-FFF2-40B4-BE49-F238E27FC236}">
+                  <a16:creationId xmlns:a16="http://schemas.microsoft.com/office/drawing/2014/main" id="{EECE43B5-34F5-4D79-4CD5-E0D484170446}"/>
+                </a:ext>
+              </a:extLst>
+            </p:cNvPr>
+            <p:cNvSpPr txBox="1"/>
+            <p:nvPr/>
+          </p:nvSpPr>
+          <p:spPr>
+            <a:xfrm>
+              <a:off x="4110205" y="5495067"/>
+              <a:ext cx="609216" cy="307777"/>
+            </a:xfrm>
+            <a:prstGeom prst="rect">
+              <a:avLst/>
+            </a:prstGeom>
+            <a:noFill/>
+          </p:spPr>
+          <p:txBody>
+            <a:bodyPr wrap="square" rtlCol="0">
+              <a:spAutoFit/>
+            </a:bodyPr>
+            <a:lstStyle/>
+            <a:p>
+              <a:r>
+                <a:rPr lang="en-US" sz="1400" dirty="0">
+                  <a:latin typeface="Cambria Math" panose="02040503050406030204" pitchFamily="18" charset="0"/>
+                  <a:ea typeface="Cambria Math" panose="02040503050406030204" pitchFamily="18" charset="0"/>
+                </a:rPr>
+                <a:t>500</a:t>
+              </a:r>
+            </a:p>
+          </p:txBody>
+        </p:sp>
+        <p:sp>
+          <p:nvSpPr>
+            <p:cNvPr id="9" name="TextBox 8">
+              <a:extLst>
+                <a:ext uri="{FF2B5EF4-FFF2-40B4-BE49-F238E27FC236}">
+                  <a16:creationId xmlns:a16="http://schemas.microsoft.com/office/drawing/2014/main" id="{9B285330-92EE-D7BA-2482-99F4586E420C}"/>
+                </a:ext>
+              </a:extLst>
+            </p:cNvPr>
+            <p:cNvSpPr txBox="1"/>
+            <p:nvPr/>
+          </p:nvSpPr>
+          <p:spPr>
+            <a:xfrm>
+              <a:off x="5873224" y="5489060"/>
+              <a:ext cx="813295" cy="307777"/>
+            </a:xfrm>
+            <a:prstGeom prst="rect">
+              <a:avLst/>
+            </a:prstGeom>
+            <a:noFill/>
+          </p:spPr>
+          <p:txBody>
+            <a:bodyPr wrap="square" rtlCol="0">
+              <a:spAutoFit/>
+            </a:bodyPr>
+            <a:lstStyle/>
+            <a:p>
+              <a:r>
+                <a:rPr lang="en-US" sz="1400" dirty="0">
+                  <a:latin typeface="Cambria Math" panose="02040503050406030204" pitchFamily="18" charset="0"/>
+                  <a:ea typeface="Cambria Math" panose="02040503050406030204" pitchFamily="18" charset="0"/>
+                </a:rPr>
+                <a:t>1000</a:t>
+              </a:r>
+            </a:p>
+          </p:txBody>
+        </p:sp>
+        <p:sp>
+          <p:nvSpPr>
+            <p:cNvPr id="10" name="TextBox 9">
+              <a:extLst>
+                <a:ext uri="{FF2B5EF4-FFF2-40B4-BE49-F238E27FC236}">
+                  <a16:creationId xmlns:a16="http://schemas.microsoft.com/office/drawing/2014/main" id="{9D8B98AD-3CC1-E4B1-07C5-9B52D5CE4707}"/>
+                </a:ext>
+              </a:extLst>
+            </p:cNvPr>
+            <p:cNvSpPr txBox="1"/>
+            <p:nvPr/>
+          </p:nvSpPr>
+          <p:spPr>
+            <a:xfrm>
+              <a:off x="7720972" y="5491951"/>
+              <a:ext cx="950924" cy="307777"/>
+            </a:xfrm>
+            <a:prstGeom prst="rect">
+              <a:avLst/>
+            </a:prstGeom>
+            <a:noFill/>
+          </p:spPr>
+          <p:txBody>
+            <a:bodyPr wrap="square" rtlCol="0">
+              <a:spAutoFit/>
+            </a:bodyPr>
+            <a:lstStyle/>
+            <a:p>
+              <a:r>
+                <a:rPr lang="en-US" sz="1400" dirty="0">
+                  <a:latin typeface="Cambria Math" panose="02040503050406030204" pitchFamily="18" charset="0"/>
+                  <a:ea typeface="Cambria Math" panose="02040503050406030204" pitchFamily="18" charset="0"/>
+                </a:rPr>
+                <a:t>1500</a:t>
+              </a:r>
+            </a:p>
+          </p:txBody>
+        </p:sp>
+        <p:cxnSp>
+          <p:nvCxnSpPr>
+            <p:cNvPr id="11" name="Straight Connector 10">
+              <a:extLst>
+                <a:ext uri="{FF2B5EF4-FFF2-40B4-BE49-F238E27FC236}">
+                  <a16:creationId xmlns:a16="http://schemas.microsoft.com/office/drawing/2014/main" id="{CA3E4F66-07B8-280A-968A-F022A8E8B5D1}"/>
+                </a:ext>
+              </a:extLst>
+            </p:cNvPr>
+            <p:cNvCxnSpPr>
+              <a:cxnSpLocks/>
+            </p:cNvCxnSpPr>
+            <p:nvPr/>
+          </p:nvCxnSpPr>
+          <p:spPr>
+            <a:xfrm flipV="1">
+              <a:off x="2397657" y="1342934"/>
+              <a:ext cx="0" cy="4146126"/>
+            </a:xfrm>
+            <a:prstGeom prst="line">
+              <a:avLst/>
+            </a:prstGeom>
+            <a:ln w="19050"/>
+          </p:spPr>
+          <p:style>
+            <a:lnRef idx="1">
+              <a:schemeClr val="dk1"/>
+            </a:lnRef>
+            <a:fillRef idx="0">
+              <a:schemeClr val="dk1"/>
+            </a:fillRef>
+            <a:effectRef idx="0">
+              <a:schemeClr val="dk1"/>
+            </a:effectRef>
+            <a:fontRef idx="minor">
+              <a:schemeClr val="tx1"/>
+            </a:fontRef>
+          </p:style>
+        </p:cxnSp>
+        <p:sp>
+          <p:nvSpPr>
+            <p:cNvPr id="12" name="TextBox 11">
+              <a:extLst>
+                <a:ext uri="{FF2B5EF4-FFF2-40B4-BE49-F238E27FC236}">
+                  <a16:creationId xmlns:a16="http://schemas.microsoft.com/office/drawing/2014/main" id="{DE1C435D-10F5-8980-9C7C-26AFEA842500}"/>
+                </a:ext>
+              </a:extLst>
+            </p:cNvPr>
+            <p:cNvSpPr txBox="1"/>
+            <p:nvPr/>
+          </p:nvSpPr>
+          <p:spPr>
+            <a:xfrm>
+              <a:off x="2144982" y="5070612"/>
+              <a:ext cx="230132" cy="307777"/>
+            </a:xfrm>
+            <a:prstGeom prst="rect">
+              <a:avLst/>
+            </a:prstGeom>
+            <a:noFill/>
+          </p:spPr>
+          <p:txBody>
+            <a:bodyPr wrap="square" rtlCol="0">
+              <a:spAutoFit/>
+            </a:bodyPr>
+            <a:lstStyle/>
+            <a:p>
+              <a:r>
+                <a:rPr lang="en-US" sz="1400" dirty="0">
+                  <a:latin typeface="Cambria Math" panose="02040503050406030204" pitchFamily="18" charset="0"/>
+                  <a:ea typeface="Cambria Math" panose="02040503050406030204" pitchFamily="18" charset="0"/>
+                </a:rPr>
+                <a:t>0</a:t>
+              </a:r>
+            </a:p>
+          </p:txBody>
+        </p:sp>
+        <p:sp>
+          <p:nvSpPr>
+            <p:cNvPr id="13" name="TextBox 12">
+              <a:extLst>
+                <a:ext uri="{FF2B5EF4-FFF2-40B4-BE49-F238E27FC236}">
+                  <a16:creationId xmlns:a16="http://schemas.microsoft.com/office/drawing/2014/main" id="{738136BB-FA56-F6C3-74E6-4D815C767141}"/>
+                </a:ext>
+              </a:extLst>
+            </p:cNvPr>
+            <p:cNvSpPr txBox="1"/>
+            <p:nvPr/>
+          </p:nvSpPr>
+          <p:spPr>
+            <a:xfrm>
+              <a:off x="2144982" y="4162130"/>
+              <a:ext cx="230132" cy="307777"/>
+            </a:xfrm>
+            <a:prstGeom prst="rect">
+              <a:avLst/>
+            </a:prstGeom>
+            <a:noFill/>
+          </p:spPr>
+          <p:txBody>
+            <a:bodyPr wrap="square" rtlCol="0">
+              <a:spAutoFit/>
+            </a:bodyPr>
+            <a:lstStyle/>
+            <a:p>
+              <a:r>
+                <a:rPr lang="en-US" sz="1400" dirty="0">
+                  <a:latin typeface="Cambria Math" panose="02040503050406030204" pitchFamily="18" charset="0"/>
+                  <a:ea typeface="Cambria Math" panose="02040503050406030204" pitchFamily="18" charset="0"/>
+                </a:rPr>
+                <a:t>5</a:t>
+              </a:r>
+            </a:p>
+          </p:txBody>
+        </p:sp>
+        <p:sp>
+          <p:nvSpPr>
+            <p:cNvPr id="14" name="TextBox 13">
+              <a:extLst>
+                <a:ext uri="{FF2B5EF4-FFF2-40B4-BE49-F238E27FC236}">
+                  <a16:creationId xmlns:a16="http://schemas.microsoft.com/office/drawing/2014/main" id="{680C92BC-1860-4C5E-3B07-AE8302F8C2B9}"/>
+                </a:ext>
+              </a:extLst>
+            </p:cNvPr>
+            <p:cNvSpPr txBox="1"/>
+            <p:nvPr/>
+          </p:nvSpPr>
+          <p:spPr>
+            <a:xfrm>
+              <a:off x="2036818" y="3251826"/>
+              <a:ext cx="423824" cy="307777"/>
+            </a:xfrm>
+            <a:prstGeom prst="rect">
+              <a:avLst/>
+            </a:prstGeom>
+            <a:noFill/>
+          </p:spPr>
+          <p:txBody>
+            <a:bodyPr wrap="square" rtlCol="0">
+              <a:spAutoFit/>
+            </a:bodyPr>
+            <a:lstStyle/>
+            <a:p>
+              <a:r>
+                <a:rPr lang="en-US" sz="1400" dirty="0">
+                  <a:latin typeface="Cambria Math" panose="02040503050406030204" pitchFamily="18" charset="0"/>
+                  <a:ea typeface="Cambria Math" panose="02040503050406030204" pitchFamily="18" charset="0"/>
+                </a:rPr>
+                <a:t>10</a:t>
+              </a:r>
+            </a:p>
+          </p:txBody>
+        </p:sp>
+        <p:sp>
+          <p:nvSpPr>
+            <p:cNvPr id="15" name="TextBox 14">
+              <a:extLst>
+                <a:ext uri="{FF2B5EF4-FFF2-40B4-BE49-F238E27FC236}">
+                  <a16:creationId xmlns:a16="http://schemas.microsoft.com/office/drawing/2014/main" id="{5B43C042-087E-2C38-8611-FACCEBA3E596}"/>
+                </a:ext>
+              </a:extLst>
+            </p:cNvPr>
+            <p:cNvSpPr txBox="1"/>
+            <p:nvPr/>
+          </p:nvSpPr>
+          <p:spPr>
+            <a:xfrm>
+              <a:off x="2036818" y="2350763"/>
+              <a:ext cx="423824" cy="307777"/>
+            </a:xfrm>
+            <a:prstGeom prst="rect">
+              <a:avLst/>
+            </a:prstGeom>
+            <a:noFill/>
+          </p:spPr>
+          <p:txBody>
+            <a:bodyPr wrap="square" rtlCol="0">
+              <a:spAutoFit/>
+            </a:bodyPr>
+            <a:lstStyle/>
+            <a:p>
+              <a:r>
+                <a:rPr lang="en-US" sz="1400" dirty="0">
+                  <a:latin typeface="Cambria Math" panose="02040503050406030204" pitchFamily="18" charset="0"/>
+                  <a:ea typeface="Cambria Math" panose="02040503050406030204" pitchFamily="18" charset="0"/>
+                </a:rPr>
+                <a:t>15</a:t>
+              </a:r>
+            </a:p>
+          </p:txBody>
+        </p:sp>
+        <p:sp>
+          <p:nvSpPr>
+            <p:cNvPr id="16" name="TextBox 15">
+              <a:extLst>
+                <a:ext uri="{FF2B5EF4-FFF2-40B4-BE49-F238E27FC236}">
+                  <a16:creationId xmlns:a16="http://schemas.microsoft.com/office/drawing/2014/main" id="{301BF995-F8B5-112E-C873-8C7DC1591CF1}"/>
+                </a:ext>
+              </a:extLst>
+            </p:cNvPr>
+            <p:cNvSpPr txBox="1"/>
+            <p:nvPr/>
+          </p:nvSpPr>
+          <p:spPr>
+            <a:xfrm rot="16200000">
+              <a:off x="977255" y="3020993"/>
+              <a:ext cx="1657461" cy="461665"/>
+            </a:xfrm>
+            <a:prstGeom prst="rect">
+              <a:avLst/>
+            </a:prstGeom>
+            <a:noFill/>
+          </p:spPr>
+          <p:txBody>
+            <a:bodyPr wrap="square" rtlCol="0">
+              <a:spAutoFit/>
+            </a:bodyPr>
+            <a:lstStyle/>
+            <a:p>
+              <a:r>
+                <a:rPr lang="en-US" sz="2400" dirty="0">
+                  <a:latin typeface="Cambria Math" panose="02040503050406030204" pitchFamily="18" charset="0"/>
+                  <a:ea typeface="Cambria Math" panose="02040503050406030204" pitchFamily="18" charset="0"/>
+                </a:rPr>
+                <a:t>Modeled A</a:t>
+              </a:r>
+            </a:p>
+          </p:txBody>
+        </p:sp>
+        <mc:AlternateContent xmlns:mc="http://schemas.openxmlformats.org/markup-compatibility/2006">
+          <mc:Choice xmlns:a14="http://schemas.microsoft.com/office/drawing/2010/main" Requires="a14">
+            <p:sp>
+              <p:nvSpPr>
+                <p:cNvPr id="17" name="TextBox 16">
+                  <a:extLst>
+                    <a:ext uri="{FF2B5EF4-FFF2-40B4-BE49-F238E27FC236}">
+                      <a16:creationId xmlns:a16="http://schemas.microsoft.com/office/drawing/2014/main" id="{CB3C9A76-FDA7-B75C-9DDE-B6A13066A8B5}"/>
+                    </a:ext>
+                  </a:extLst>
+                </p:cNvPr>
+                <p:cNvSpPr txBox="1"/>
+                <p:nvPr/>
+              </p:nvSpPr>
+              <p:spPr>
+                <a:xfrm>
+                  <a:off x="4968797" y="5792636"/>
+                  <a:ext cx="1426853" cy="461665"/>
+                </a:xfrm>
+                <a:prstGeom prst="rect">
+                  <a:avLst/>
+                </a:prstGeom>
+                <a:noFill/>
+              </p:spPr>
+              <p:txBody>
+                <a:bodyPr wrap="square" rtlCol="0">
+                  <a:spAutoFit/>
+                </a:bodyPr>
+                <a:lstStyle/>
+                <a:p>
+                  <a:pPr/>
+                  <a14:m>
+                    <m:oMathPara xmlns:m="http://schemas.openxmlformats.org/officeDocument/2006/math">
+                      <m:oMathParaPr>
+                        <m:jc m:val="centerGroup"/>
+                      </m:oMathParaPr>
+                      <m:oMath xmlns:m="http://schemas.openxmlformats.org/officeDocument/2006/math">
+                        <m:sSub>
+                          <m:sSubPr>
+                            <m:ctrlPr>
+                              <a:rPr lang="en-US" sz="2400" i="1">
+                                <a:latin typeface="Cambria Math" panose="02040503050406030204" pitchFamily="18" charset="0"/>
+                              </a:rPr>
+                            </m:ctrlPr>
+                          </m:sSubPr>
+                          <m:e>
+                            <m:r>
+                              <m:rPr>
+                                <m:sty m:val="p"/>
+                              </m:rPr>
+                              <a:rPr lang="en-US" sz="2400">
+                                <a:latin typeface="Cambria Math" panose="02040503050406030204" pitchFamily="18" charset="0"/>
+                              </a:rPr>
+                              <m:t>C</m:t>
+                            </m:r>
+                          </m:e>
+                          <m:sub>
+                            <m:r>
+                              <m:rPr>
+                                <m:sty m:val="p"/>
+                              </m:rPr>
+                              <a:rPr lang="en-US" sz="2400">
+                                <a:latin typeface="Cambria Math" panose="02040503050406030204" pitchFamily="18" charset="0"/>
+                              </a:rPr>
+                              <m:t>i</m:t>
+                            </m:r>
+                          </m:sub>
+                        </m:sSub>
+                      </m:oMath>
+                    </m:oMathPara>
+                  </a14:m>
+                  <a:endParaRPr lang="en-US" sz="2400" dirty="0"/>
+                </a:p>
+              </p:txBody>
+            </p:sp>
+          </mc:Choice>
+          <mc:Fallback>
+            <p:sp>
+              <p:nvSpPr>
+                <p:cNvPr id="17" name="TextBox 16">
+                  <a:extLst>
+                    <a:ext uri="{FF2B5EF4-FFF2-40B4-BE49-F238E27FC236}">
+                      <a16:creationId xmlns:a16="http://schemas.microsoft.com/office/drawing/2014/main" id="{CB3C9A76-FDA7-B75C-9DDE-B6A13066A8B5}"/>
+                    </a:ext>
+                  </a:extLst>
+                </p:cNvPr>
+                <p:cNvSpPr txBox="1">
+                  <a:spLocks noRot="1" noChangeAspect="1" noMove="1" noResize="1" noEditPoints="1" noAdjustHandles="1" noChangeArrowheads="1" noChangeShapeType="1" noTextEdit="1"/>
+                </p:cNvSpPr>
+                <p:nvPr/>
+              </p:nvSpPr>
+              <p:spPr>
+                <a:xfrm>
+                  <a:off x="4968797" y="5792636"/>
+                  <a:ext cx="1426853" cy="461665"/>
+                </a:xfrm>
+                <a:prstGeom prst="rect">
+                  <a:avLst/>
+                </a:prstGeom>
+                <a:blipFill>
+                  <a:blip r:embed="rId3"/>
+                  <a:stretch>
+                    <a:fillRect b="-2632"/>
+                  </a:stretch>
+                </a:blipFill>
+              </p:spPr>
+              <p:txBody>
+                <a:bodyPr/>
+                <a:lstStyle/>
+                <a:p>
+                  <a:r>
+                    <a:rPr lang="en-US">
+                      <a:noFill/>
+                    </a:rPr>
+                    <a:t> </a:t>
+                  </a:r>
+                </a:p>
+              </p:txBody>
+            </p:sp>
+          </mc:Fallback>
+        </mc:AlternateContent>
+        <p:grpSp>
+          <p:nvGrpSpPr>
+            <p:cNvPr id="18" name="Group 17">
+              <a:extLst>
+                <a:ext uri="{FF2B5EF4-FFF2-40B4-BE49-F238E27FC236}">
+                  <a16:creationId xmlns:a16="http://schemas.microsoft.com/office/drawing/2014/main" id="{B679BE79-514C-2E39-E24A-37F8DD2E0BE5}"/>
+                </a:ext>
+              </a:extLst>
+            </p:cNvPr>
+            <p:cNvGrpSpPr/>
+            <p:nvPr/>
+          </p:nvGrpSpPr>
+          <p:grpSpPr>
+            <a:xfrm>
+              <a:off x="7945174" y="4106957"/>
+              <a:ext cx="1255780" cy="1077218"/>
+              <a:chOff x="9893102" y="4195019"/>
+              <a:chExt cx="1763019" cy="1077218"/>
+            </a:xfrm>
+          </p:grpSpPr>
+          <p:sp>
+            <p:nvSpPr>
+              <p:cNvPr id="19" name="TextBox 18">
+                <a:extLst>
+                  <a:ext uri="{FF2B5EF4-FFF2-40B4-BE49-F238E27FC236}">
+                    <a16:creationId xmlns:a16="http://schemas.microsoft.com/office/drawing/2014/main" id="{9B8BF426-8F0A-A1E5-3C9B-A4D66E93EB6A}"/>
+                  </a:ext>
+                </a:extLst>
+              </p:cNvPr>
+              <p:cNvSpPr txBox="1"/>
+              <p:nvPr/>
+            </p:nvSpPr>
+            <p:spPr>
+              <a:xfrm>
+                <a:off x="10240838" y="4195019"/>
+                <a:ext cx="1415283" cy="1077218"/>
+              </a:xfrm>
+              <a:prstGeom prst="rect">
+                <a:avLst/>
+              </a:prstGeom>
+              <a:noFill/>
+            </p:spPr>
+            <p:txBody>
+              <a:bodyPr wrap="square" rtlCol="0">
+                <a:spAutoFit/>
+              </a:bodyPr>
+              <a:lstStyle/>
+              <a:p>
+                <a:r>
+                  <a:rPr lang="en-US" sz="1600" dirty="0" err="1">
+                    <a:latin typeface="Cambria Math" panose="02040503050406030204" pitchFamily="18" charset="0"/>
+                    <a:ea typeface="Cambria Math" panose="02040503050406030204" pitchFamily="18" charset="0"/>
+                  </a:rPr>
+                  <a:t>Amod</a:t>
+                </a:r>
+                <a:endParaRPr lang="en-US" sz="1600" dirty="0">
+                  <a:latin typeface="Cambria Math" panose="02040503050406030204" pitchFamily="18" charset="0"/>
+                  <a:ea typeface="Cambria Math" panose="02040503050406030204" pitchFamily="18" charset="0"/>
+                </a:endParaRPr>
+              </a:p>
+              <a:p>
+                <a:r>
+                  <a:rPr lang="en-US" sz="1600" dirty="0">
+                    <a:latin typeface="Cambria Math" panose="02040503050406030204" pitchFamily="18" charset="0"/>
+                    <a:ea typeface="Cambria Math" panose="02040503050406030204" pitchFamily="18" charset="0"/>
+                  </a:rPr>
+                  <a:t>Ac</a:t>
+                </a:r>
+              </a:p>
+              <a:p>
+                <a:r>
+                  <a:rPr lang="en-US" sz="1600" dirty="0" err="1">
+                    <a:latin typeface="Cambria Math" panose="02040503050406030204" pitchFamily="18" charset="0"/>
+                    <a:ea typeface="Cambria Math" panose="02040503050406030204" pitchFamily="18" charset="0"/>
+                  </a:rPr>
+                  <a:t>Aj</a:t>
+                </a:r>
+                <a:endParaRPr lang="en-US" sz="1600" dirty="0">
+                  <a:latin typeface="Cambria Math" panose="02040503050406030204" pitchFamily="18" charset="0"/>
+                  <a:ea typeface="Cambria Math" panose="02040503050406030204" pitchFamily="18" charset="0"/>
+                </a:endParaRPr>
+              </a:p>
+              <a:p>
+                <a:r>
+                  <a:rPr lang="en-US" sz="1600" dirty="0">
+                    <a:latin typeface="Cambria Math" panose="02040503050406030204" pitchFamily="18" charset="0"/>
+                    <a:ea typeface="Cambria Math" panose="02040503050406030204" pitchFamily="18" charset="0"/>
+                  </a:rPr>
+                  <a:t>Ap</a:t>
+                </a:r>
+              </a:p>
+            </p:txBody>
+          </p:sp>
+          <p:sp>
+            <p:nvSpPr>
+              <p:cNvPr id="20" name="Rectangle: Rounded Corners 19">
+                <a:extLst>
+                  <a:ext uri="{FF2B5EF4-FFF2-40B4-BE49-F238E27FC236}">
+                    <a16:creationId xmlns:a16="http://schemas.microsoft.com/office/drawing/2014/main" id="{97419FC4-43C5-97BA-41AA-4A29344C598E}"/>
+                  </a:ext>
+                </a:extLst>
+              </p:cNvPr>
+              <p:cNvSpPr/>
+              <p:nvPr/>
+            </p:nvSpPr>
+            <p:spPr>
+              <a:xfrm>
+                <a:off x="9893103" y="4301491"/>
+                <a:ext cx="347735" cy="186690"/>
+              </a:xfrm>
+              <a:prstGeom prst="roundRect">
+                <a:avLst/>
+              </a:prstGeom>
+              <a:solidFill>
+                <a:srgbClr val="000000"/>
+              </a:solidFill>
+              <a:ln>
+                <a:noFill/>
+              </a:ln>
+            </p:spPr>
+            <p:style>
+              <a:lnRef idx="2">
+                <a:schemeClr val="accent1">
+                  <a:shade val="50000"/>
+                </a:schemeClr>
+              </a:lnRef>
+              <a:fillRef idx="1">
+                <a:schemeClr val="accent1"/>
+              </a:fillRef>
+              <a:effectRef idx="0">
+                <a:schemeClr val="accent1"/>
+              </a:effectRef>
+              <a:fontRef idx="minor">
+                <a:schemeClr val="lt1"/>
+              </a:fontRef>
+            </p:style>
+            <p:txBody>
+              <a:bodyPr rtlCol="0" anchor="ctr"/>
+              <a:lstStyle/>
+              <a:p>
+                <a:pPr algn="ctr"/>
+                <a:endParaRPr lang="en-US"/>
+              </a:p>
+            </p:txBody>
+          </p:sp>
+          <p:sp>
+            <p:nvSpPr>
+              <p:cNvPr id="21" name="Rectangle: Rounded Corners 20">
+                <a:extLst>
+                  <a:ext uri="{FF2B5EF4-FFF2-40B4-BE49-F238E27FC236}">
+                    <a16:creationId xmlns:a16="http://schemas.microsoft.com/office/drawing/2014/main" id="{5E303E9F-9F32-0B00-2F72-7A177B3551A4}"/>
+                  </a:ext>
+                </a:extLst>
+              </p:cNvPr>
+              <p:cNvSpPr/>
+              <p:nvPr/>
+            </p:nvSpPr>
+            <p:spPr>
+              <a:xfrm>
+                <a:off x="9894313" y="4540874"/>
+                <a:ext cx="347734" cy="186690"/>
+              </a:xfrm>
+              <a:prstGeom prst="roundRect">
+                <a:avLst/>
+              </a:prstGeom>
+              <a:solidFill>
+                <a:srgbClr val="0000FF"/>
+              </a:solidFill>
+              <a:ln>
+                <a:noFill/>
+              </a:ln>
+            </p:spPr>
+            <p:style>
+              <a:lnRef idx="2">
+                <a:schemeClr val="accent1">
+                  <a:shade val="50000"/>
+                </a:schemeClr>
+              </a:lnRef>
+              <a:fillRef idx="1">
+                <a:schemeClr val="accent1"/>
+              </a:fillRef>
+              <a:effectRef idx="0">
+                <a:schemeClr val="accent1"/>
+              </a:effectRef>
+              <a:fontRef idx="minor">
+                <a:schemeClr val="lt1"/>
+              </a:fontRef>
+            </p:style>
+            <p:txBody>
+              <a:bodyPr rtlCol="0" anchor="ctr"/>
+              <a:lstStyle/>
+              <a:p>
+                <a:pPr algn="ctr"/>
+                <a:endParaRPr lang="en-US"/>
+              </a:p>
+            </p:txBody>
+          </p:sp>
+          <p:sp>
+            <p:nvSpPr>
+              <p:cNvPr id="22" name="Rectangle: Rounded Corners 21">
+                <a:extLst>
+                  <a:ext uri="{FF2B5EF4-FFF2-40B4-BE49-F238E27FC236}">
+                    <a16:creationId xmlns:a16="http://schemas.microsoft.com/office/drawing/2014/main" id="{0E0551AF-D155-9908-7E4C-8563F60F86DB}"/>
+                  </a:ext>
+                </a:extLst>
+              </p:cNvPr>
+              <p:cNvSpPr/>
+              <p:nvPr/>
+            </p:nvSpPr>
+            <p:spPr>
+              <a:xfrm>
+                <a:off x="9893102" y="4780257"/>
+                <a:ext cx="347735" cy="186690"/>
+              </a:xfrm>
+              <a:prstGeom prst="roundRect">
+                <a:avLst/>
+              </a:prstGeom>
+              <a:solidFill>
+                <a:srgbClr val="EF9500"/>
+              </a:solidFill>
+              <a:ln>
+                <a:noFill/>
+              </a:ln>
+            </p:spPr>
+            <p:style>
+              <a:lnRef idx="2">
+                <a:schemeClr val="accent1">
+                  <a:shade val="50000"/>
+                </a:schemeClr>
+              </a:lnRef>
+              <a:fillRef idx="1">
+                <a:schemeClr val="accent1"/>
+              </a:fillRef>
+              <a:effectRef idx="0">
+                <a:schemeClr val="accent1"/>
+              </a:effectRef>
+              <a:fontRef idx="minor">
+                <a:schemeClr val="lt1"/>
+              </a:fontRef>
+            </p:style>
+            <p:txBody>
+              <a:bodyPr rtlCol="0" anchor="ctr"/>
+              <a:lstStyle/>
+              <a:p>
+                <a:pPr algn="ctr"/>
+                <a:endParaRPr lang="en-US"/>
+              </a:p>
+            </p:txBody>
+          </p:sp>
+          <p:sp>
+            <p:nvSpPr>
+              <p:cNvPr id="23" name="Rectangle: Rounded Corners 22">
+                <a:extLst>
+                  <a:ext uri="{FF2B5EF4-FFF2-40B4-BE49-F238E27FC236}">
+                    <a16:creationId xmlns:a16="http://schemas.microsoft.com/office/drawing/2014/main" id="{53B115BC-52B5-BFF4-C3FC-9BE942D56B39}"/>
+                  </a:ext>
+                </a:extLst>
+              </p:cNvPr>
+              <p:cNvSpPr/>
+              <p:nvPr/>
+            </p:nvSpPr>
+            <p:spPr>
+              <a:xfrm>
+                <a:off x="9893102" y="5018549"/>
+                <a:ext cx="347735" cy="186690"/>
+              </a:xfrm>
+              <a:prstGeom prst="roundRect">
+                <a:avLst/>
+              </a:prstGeom>
+              <a:solidFill>
+                <a:srgbClr val="DE0000"/>
+              </a:solidFill>
+              <a:ln>
+                <a:noFill/>
+              </a:ln>
+            </p:spPr>
+            <p:style>
+              <a:lnRef idx="2">
+                <a:schemeClr val="accent1">
+                  <a:shade val="50000"/>
+                </a:schemeClr>
+              </a:lnRef>
+              <a:fillRef idx="1">
+                <a:schemeClr val="accent1"/>
+              </a:fillRef>
+              <a:effectRef idx="0">
+                <a:schemeClr val="accent1"/>
+              </a:effectRef>
+              <a:fontRef idx="minor">
+                <a:schemeClr val="lt1"/>
+              </a:fontRef>
+            </p:style>
+            <p:txBody>
+              <a:bodyPr rtlCol="0" anchor="ctr"/>
+              <a:lstStyle/>
+              <a:p>
+                <a:pPr algn="ctr"/>
+                <a:endParaRPr lang="en-US"/>
+              </a:p>
+            </p:txBody>
+          </p:sp>
+        </p:grpSp>
+        <p:sp>
+          <p:nvSpPr>
+            <p:cNvPr id="24" name="TextBox 23">
+              <a:extLst>
+                <a:ext uri="{FF2B5EF4-FFF2-40B4-BE49-F238E27FC236}">
+                  <a16:creationId xmlns:a16="http://schemas.microsoft.com/office/drawing/2014/main" id="{2C032839-219F-EEC3-2CE8-FA4C2DD55AB8}"/>
+                </a:ext>
+              </a:extLst>
+            </p:cNvPr>
+            <p:cNvSpPr txBox="1"/>
+            <p:nvPr/>
+          </p:nvSpPr>
+          <p:spPr>
+            <a:xfrm>
+              <a:off x="2068368" y="1479611"/>
+              <a:ext cx="423824" cy="307777"/>
+            </a:xfrm>
+            <a:prstGeom prst="rect">
+              <a:avLst/>
+            </a:prstGeom>
+            <a:noFill/>
+          </p:spPr>
+          <p:txBody>
+            <a:bodyPr wrap="square" rtlCol="0">
+              <a:spAutoFit/>
+            </a:bodyPr>
+            <a:lstStyle/>
+            <a:p>
+              <a:r>
+                <a:rPr lang="en-US" sz="1400" dirty="0">
+                  <a:latin typeface="Cambria Math" panose="02040503050406030204" pitchFamily="18" charset="0"/>
+                  <a:ea typeface="Cambria Math" panose="02040503050406030204" pitchFamily="18" charset="0"/>
+                </a:rPr>
+                <a:t>20</a:t>
+              </a:r>
+            </a:p>
+          </p:txBody>
+        </p:sp>
+      </p:grpSp>
+      <p:sp>
+        <p:nvSpPr>
+          <p:cNvPr id="27" name="TextBox 26">
+            <a:extLst>
+              <a:ext uri="{FF2B5EF4-FFF2-40B4-BE49-F238E27FC236}">
+                <a16:creationId xmlns:a16="http://schemas.microsoft.com/office/drawing/2014/main" id="{42B3AC54-F034-B26B-F587-734205D56826}"/>
+              </a:ext>
+            </a:extLst>
+          </p:cNvPr>
+          <p:cNvSpPr txBox="1"/>
+          <p:nvPr/>
+        </p:nvSpPr>
+        <p:spPr>
+          <a:xfrm>
+            <a:off x="361956" y="762004"/>
+            <a:ext cx="1336061" cy="369332"/>
+          </a:xfrm>
+          <a:prstGeom prst="rect">
+            <a:avLst/>
+          </a:prstGeom>
+          <a:noFill/>
+        </p:spPr>
+        <p:txBody>
+          <a:bodyPr wrap="square" rtlCol="0">
+            <a:spAutoFit/>
+          </a:bodyPr>
+          <a:lstStyle/>
+          <a:p>
+            <a:r>
+              <a:rPr lang="en-US" dirty="0"/>
+              <a:t>K6706L2</a:t>
+            </a:r>
+          </a:p>
+        </p:txBody>
+      </p:sp>
+    </p:spTree>
+    <p:extLst>
+      <p:ext uri="{BB962C8B-B14F-4D97-AF65-F5344CB8AC3E}">
+        <p14:creationId xmlns:p14="http://schemas.microsoft.com/office/powerpoint/2010/main" val="1299601083"/>
       </p:ext>
     </p:extLst>
   </p:cSld>
@@ -3918,6 +9285,267 @@
 </file>
 
 <file path=ppt/theme/theme1.xml><?xml version="1.0" encoding="utf-8"?>
+<a:theme xmlns:a="http://schemas.openxmlformats.org/drawingml/2006/main" name="Office Theme">
+  <a:themeElements>
+    <a:clrScheme name="Office Theme">
+      <a:dk1>
+        <a:sysClr val="windowText" lastClr="000000"/>
+      </a:dk1>
+      <a:lt1>
+        <a:sysClr val="window" lastClr="FFFFFF"/>
+      </a:lt1>
+      <a:dk2>
+        <a:srgbClr val="44546A"/>
+      </a:dk2>
+      <a:lt2>
+        <a:srgbClr val="E7E6E6"/>
+      </a:lt2>
+      <a:accent1>
+        <a:srgbClr val="4472C4"/>
+      </a:accent1>
+      <a:accent2>
+        <a:srgbClr val="ED7D31"/>
+      </a:accent2>
+      <a:accent3>
+        <a:srgbClr val="A5A5A5"/>
+      </a:accent3>
+      <a:accent4>
+        <a:srgbClr val="FFC000"/>
+      </a:accent4>
+      <a:accent5>
+        <a:srgbClr val="5B9BD5"/>
+      </a:accent5>
+      <a:accent6>
+        <a:srgbClr val="70AD47"/>
+      </a:accent6>
+      <a:hlink>
+        <a:srgbClr val="0563C1"/>
+      </a:hlink>
+      <a:folHlink>
+        <a:srgbClr val="954F72"/>
+      </a:folHlink>
+    </a:clrScheme>
+    <a:fontScheme name="Office Theme">
+      <a:majorFont>
+        <a:latin typeface="Calibri Light" panose="020F0302020204030204"/>
+        <a:ea typeface=""/>
+        <a:cs typeface=""/>
+        <a:font script="Jpan" typeface="游ゴシック Light"/>
+        <a:font script="Hang" typeface="맑은 고딕"/>
+        <a:font script="Hans" typeface="等线 Light"/>
+        <a:font script="Hant" typeface="新細明體"/>
+        <a:font script="Arab" typeface="Times New Roman"/>
+        <a:font script="Hebr" typeface="Times New Roman"/>
+        <a:font script="Thai" typeface="Angsana New"/>
+        <a:font script="Ethi" typeface="Nyala"/>
+        <a:font script="Beng" typeface="Vrinda"/>
+        <a:font script="Gujr" typeface="Shruti"/>
+        <a:font script="Khmr" typeface="MoolBoran"/>
+        <a:font script="Knda" typeface="Tunga"/>
+        <a:font script="Guru" typeface="Raavi"/>
+        <a:font script="Cans" typeface="Euphemia"/>
+        <a:font script="Cher" typeface="Plantagenet Cherokee"/>
+        <a:font script="Yiii" typeface="Microsoft Yi Baiti"/>
+        <a:font script="Tibt" typeface="Microsoft Himalaya"/>
+        <a:font script="Thaa" typeface="MV Boli"/>
+        <a:font script="Deva" typeface="Mangal"/>
+        <a:font script="Telu" typeface="Gautami"/>
+        <a:font script="Taml" typeface="Latha"/>
+        <a:font script="Syrc" typeface="Estrangelo Edessa"/>
+        <a:font script="Orya" typeface="Kalinga"/>
+        <a:font script="Mlym" typeface="Kartika"/>
+        <a:font script="Laoo" typeface="DokChampa"/>
+        <a:font script="Sinh" typeface="Iskoola Pota"/>
+        <a:font script="Mong" typeface="Mongolian Baiti"/>
+        <a:font script="Viet" typeface="Times New Roman"/>
+        <a:font script="Uigh" typeface="Microsoft Uighur"/>
+        <a:font script="Geor" typeface="Sylfaen"/>
+      </a:majorFont>
+      <a:minorFont>
+        <a:latin typeface="Calibri" panose="020F0502020204030204"/>
+        <a:ea typeface=""/>
+        <a:cs typeface=""/>
+        <a:font script="Jpan" typeface="游ゴシック"/>
+        <a:font script="Hang" typeface="맑은 고딕"/>
+        <a:font script="Hans" typeface="等线"/>
+        <a:font script="Hant" typeface="新細明體"/>
+        <a:font script="Arab" typeface="Arial"/>
+        <a:font script="Hebr" typeface="Arial"/>
+        <a:font script="Thai" typeface="Cordia New"/>
+        <a:font script="Ethi" typeface="Nyala"/>
+        <a:font script="Beng" typeface="Vrinda"/>
+        <a:font script="Gujr" typeface="Shruti"/>
+        <a:font script="Khmr" typeface="DaunPenh"/>
+        <a:font script="Knda" typeface="Tunga"/>
+        <a:font script="Guru" typeface="Raavi"/>
+        <a:font script="Cans" typeface="Euphemia"/>
+        <a:font script="Cher" typeface="Plantagenet Cherokee"/>
+        <a:font script="Yiii" typeface="Microsoft Yi Baiti"/>
+        <a:font script="Tibt" typeface="Microsoft Himalaya"/>
+        <a:font script="Thaa" typeface="MV Boli"/>
+        <a:font script="Deva" typeface="Mangal"/>
+        <a:font script="Telu" typeface="Gautami"/>
+        <a:font script="Taml" typeface="Latha"/>
+        <a:font script="Syrc" typeface="Estrangelo Edessa"/>
+        <a:font script="Orya" typeface="Kalinga"/>
+        <a:font script="Mlym" typeface="Kartika"/>
+        <a:font script="Laoo" typeface="DokChampa"/>
+        <a:font script="Sinh" typeface="Iskoola Pota"/>
+        <a:font script="Mong" typeface="Mongolian Baiti"/>
+        <a:font script="Viet" typeface="Arial"/>
+        <a:font script="Uigh" typeface="Microsoft Uighur"/>
+        <a:font script="Geor" typeface="Sylfaen"/>
+      </a:minorFont>
+    </a:fontScheme>
+    <a:fmtScheme name="Office Theme">
+      <a:fillStyleLst>
+        <a:solidFill>
+          <a:schemeClr val="phClr"/>
+        </a:solidFill>
+        <a:gradFill rotWithShape="1">
+          <a:gsLst>
+            <a:gs pos="0">
+              <a:schemeClr val="phClr">
+                <a:lumMod val="110000"/>
+                <a:satMod val="105000"/>
+                <a:tint val="67000"/>
+              </a:schemeClr>
+            </a:gs>
+            <a:gs pos="50000">
+              <a:schemeClr val="phClr">
+                <a:lumMod val="105000"/>
+                <a:satMod val="103000"/>
+                <a:tint val="73000"/>
+              </a:schemeClr>
+            </a:gs>
+            <a:gs pos="100000">
+              <a:schemeClr val="phClr">
+                <a:lumMod val="105000"/>
+                <a:satMod val="109000"/>
+                <a:tint val="81000"/>
+              </a:schemeClr>
+            </a:gs>
+          </a:gsLst>
+          <a:lin ang="5400000" scaled="0"/>
+        </a:gradFill>
+        <a:gradFill rotWithShape="1">
+          <a:gsLst>
+            <a:gs pos="0">
+              <a:schemeClr val="phClr">
+                <a:satMod val="103000"/>
+                <a:lumMod val="102000"/>
+                <a:tint val="94000"/>
+              </a:schemeClr>
+            </a:gs>
+            <a:gs pos="50000">
+              <a:schemeClr val="phClr">
+                <a:satMod val="110000"/>
+                <a:lumMod val="100000"/>
+                <a:shade val="100000"/>
+              </a:schemeClr>
+            </a:gs>
+            <a:gs pos="100000">
+              <a:schemeClr val="phClr">
+                <a:lumMod val="99000"/>
+                <a:satMod val="120000"/>
+                <a:shade val="78000"/>
+              </a:schemeClr>
+            </a:gs>
+          </a:gsLst>
+          <a:lin ang="5400000" scaled="0"/>
+        </a:gradFill>
+      </a:fillStyleLst>
+      <a:lnStyleLst>
+        <a:ln w="6350" cap="flat" cmpd="sng" algn="ctr">
+          <a:solidFill>
+            <a:schemeClr val="phClr"/>
+          </a:solidFill>
+          <a:prstDash val="solid"/>
+          <a:miter lim="800000"/>
+        </a:ln>
+        <a:ln w="12700" cap="flat" cmpd="sng" algn="ctr">
+          <a:solidFill>
+            <a:schemeClr val="phClr"/>
+          </a:solidFill>
+          <a:prstDash val="solid"/>
+          <a:miter lim="800000"/>
+        </a:ln>
+        <a:ln w="19050" cap="flat" cmpd="sng" algn="ctr">
+          <a:solidFill>
+            <a:schemeClr val="phClr"/>
+          </a:solidFill>
+          <a:prstDash val="solid"/>
+          <a:miter lim="800000"/>
+        </a:ln>
+      </a:lnStyleLst>
+      <a:effectStyleLst>
+        <a:effectStyle>
+          <a:effectLst/>
+        </a:effectStyle>
+        <a:effectStyle>
+          <a:effectLst/>
+        </a:effectStyle>
+        <a:effectStyle>
+          <a:effectLst>
+            <a:outerShdw blurRad="57150" dist="19050" dir="5400000" algn="ctr" rotWithShape="0">
+              <a:srgbClr val="000000">
+                <a:alpha val="63000"/>
+              </a:srgbClr>
+            </a:outerShdw>
+          </a:effectLst>
+        </a:effectStyle>
+      </a:effectStyleLst>
+      <a:bgFillStyleLst>
+        <a:solidFill>
+          <a:schemeClr val="phClr"/>
+        </a:solidFill>
+        <a:solidFill>
+          <a:schemeClr val="phClr">
+            <a:tint val="95000"/>
+            <a:satMod val="170000"/>
+          </a:schemeClr>
+        </a:solidFill>
+        <a:gradFill rotWithShape="1">
+          <a:gsLst>
+            <a:gs pos="0">
+              <a:schemeClr val="phClr">
+                <a:tint val="93000"/>
+                <a:satMod val="150000"/>
+                <a:shade val="98000"/>
+                <a:lumMod val="102000"/>
+              </a:schemeClr>
+            </a:gs>
+            <a:gs pos="50000">
+              <a:schemeClr val="phClr">
+                <a:tint val="98000"/>
+                <a:satMod val="130000"/>
+                <a:shade val="90000"/>
+                <a:lumMod val="103000"/>
+              </a:schemeClr>
+            </a:gs>
+            <a:gs pos="100000">
+              <a:schemeClr val="phClr">
+                <a:shade val="63000"/>
+                <a:satMod val="120000"/>
+              </a:schemeClr>
+            </a:gs>
+          </a:gsLst>
+          <a:lin ang="5400000" scaled="0"/>
+        </a:gradFill>
+      </a:bgFillStyleLst>
+    </a:fmtScheme>
+  </a:themeElements>
+  <a:objectDefaults/>
+  <a:extraClrSchemeLst/>
+  <a:extLst>
+    <a:ext uri="{05A4C25C-085E-4340-85A3-A5531E510DB2}">
+      <thm15:themeFamily xmlns:thm15="http://schemas.microsoft.com/office/thememl/2012/main" name="Office Theme 2013 - 2022" id="{62F939B6-93AF-4DB8-9C6B-D6C7DFDC589F}" vid="{4A3C46E8-61CC-4603-A589-7422A47A8E4A}"/>
+    </a:ext>
+  </a:extLst>
+</a:theme>
+</file>
+
+<file path=ppt/theme/theme2.xml><?xml version="1.0" encoding="utf-8"?>
 <a:theme xmlns:a="http://schemas.openxmlformats.org/drawingml/2006/main" name="Office Theme">
   <a:themeElements>
     <a:clrScheme name="Office">
